--- a/Presentation.pptx
+++ b/Presentation.pptx
@@ -5,34 +5,41 @@
     <p:sldMasterId id="2147483720" r:id="rId1"/>
   </p:sldMasterIdLst>
   <p:notesMasterIdLst>
-    <p:notesMasterId r:id="rId27"/>
+    <p:notesMasterId r:id="rId34"/>
   </p:notesMasterIdLst>
   <p:sldIdLst>
     <p:sldId id="263" r:id="rId2"/>
     <p:sldId id="264" r:id="rId3"/>
-    <p:sldId id="265" r:id="rId4"/>
-    <p:sldId id="262" r:id="rId5"/>
-    <p:sldId id="267" r:id="rId6"/>
-    <p:sldId id="268" r:id="rId7"/>
-    <p:sldId id="271" r:id="rId8"/>
-    <p:sldId id="280" r:id="rId9"/>
-    <p:sldId id="266" r:id="rId10"/>
-    <p:sldId id="273" r:id="rId11"/>
-    <p:sldId id="281" r:id="rId12"/>
-    <p:sldId id="275" r:id="rId13"/>
-    <p:sldId id="274" r:id="rId14"/>
-    <p:sldId id="277" r:id="rId15"/>
-    <p:sldId id="276" r:id="rId16"/>
-    <p:sldId id="278" r:id="rId17"/>
-    <p:sldId id="279" r:id="rId18"/>
-    <p:sldId id="258" r:id="rId19"/>
-    <p:sldId id="256" r:id="rId20"/>
-    <p:sldId id="257" r:id="rId21"/>
-    <p:sldId id="259" r:id="rId22"/>
-    <p:sldId id="261" r:id="rId23"/>
-    <p:sldId id="260" r:id="rId24"/>
-    <p:sldId id="269" r:id="rId25"/>
-    <p:sldId id="270" r:id="rId26"/>
+    <p:sldId id="283" r:id="rId4"/>
+    <p:sldId id="286" r:id="rId5"/>
+    <p:sldId id="265" r:id="rId6"/>
+    <p:sldId id="262" r:id="rId7"/>
+    <p:sldId id="267" r:id="rId8"/>
+    <p:sldId id="268" r:id="rId9"/>
+    <p:sldId id="271" r:id="rId10"/>
+    <p:sldId id="280" r:id="rId11"/>
+    <p:sldId id="266" r:id="rId12"/>
+    <p:sldId id="273" r:id="rId13"/>
+    <p:sldId id="281" r:id="rId14"/>
+    <p:sldId id="275" r:id="rId15"/>
+    <p:sldId id="274" r:id="rId16"/>
+    <p:sldId id="277" r:id="rId17"/>
+    <p:sldId id="276" r:id="rId18"/>
+    <p:sldId id="278" r:id="rId19"/>
+    <p:sldId id="279" r:id="rId20"/>
+    <p:sldId id="259" r:id="rId21"/>
+    <p:sldId id="261" r:id="rId22"/>
+    <p:sldId id="260" r:id="rId23"/>
+    <p:sldId id="269" r:id="rId24"/>
+    <p:sldId id="287" r:id="rId25"/>
+    <p:sldId id="288" r:id="rId26"/>
+    <p:sldId id="285" r:id="rId27"/>
+    <p:sldId id="284" r:id="rId28"/>
+    <p:sldId id="282" r:id="rId29"/>
+    <p:sldId id="270" r:id="rId30"/>
+    <p:sldId id="256" r:id="rId31"/>
+    <p:sldId id="258" r:id="rId32"/>
+    <p:sldId id="257" r:id="rId33"/>
   </p:sldIdLst>
   <p:sldSz cx="9144000" cy="6858000" type="screen4x3"/>
   <p:notesSz cx="6858000" cy="9144000"/>
@@ -530,13 +537,33 @@
           <a:p>
             <a:r>
               <a:rPr lang="en-GB" dirty="0" smtClean="0"/>
-              <a:t>Hello, this is a presentation </a:t>
-            </a:r>
-            <a:r>
-              <a:rPr lang="en-GB" smtClean="0"/>
-              <a:t>for Team 2’s</a:t>
-            </a:r>
-            <a:endParaRPr lang="en-GB"/>
+              <a:t>Hello, this is a presentation for Team </a:t>
+            </a:r>
+            <a:r>
+              <a:rPr lang="en-GB" dirty="0" smtClean="0"/>
+              <a:t>2’s including Jack,</a:t>
+            </a:r>
+            <a:r>
+              <a:rPr lang="en-GB" baseline="0" dirty="0" smtClean="0"/>
+              <a:t> Bradley, </a:t>
+            </a:r>
+            <a:r>
+              <a:rPr lang="en-GB" baseline="0" dirty="0" err="1" smtClean="0"/>
+              <a:t>Azim</a:t>
+            </a:r>
+            <a:r>
+              <a:rPr lang="en-GB" baseline="0" dirty="0" smtClean="0"/>
+              <a:t>, myself and our project manager </a:t>
+            </a:r>
+            <a:r>
+              <a:rPr lang="en-GB" baseline="0" dirty="0" err="1" smtClean="0"/>
+              <a:t>Louy</a:t>
+            </a:r>
+            <a:r>
+              <a:rPr lang="en-GB" baseline="0" dirty="0" smtClean="0"/>
+              <a:t>. Please enjoy.</a:t>
+            </a:r>
+            <a:endParaRPr lang="en-GB" dirty="0"/>
           </a:p>
         </p:txBody>
       </p:sp>
@@ -567,6 +594,607 @@
     <p:extLst>
       <p:ext uri="{BB962C8B-B14F-4D97-AF65-F5344CB8AC3E}">
         <p14:creationId xmlns:p14="http://schemas.microsoft.com/office/powerpoint/2010/main" val="2310686558"/>
+      </p:ext>
+    </p:extLst>
+  </p:cSld>
+  <p:clrMapOvr>
+    <a:masterClrMapping/>
+  </p:clrMapOvr>
+</p:notes>
+</file>
+
+<file path=ppt/notesSlides/notesSlide2.xml><?xml version="1.0" encoding="utf-8"?>
+<p:notes xmlns:a="http://schemas.openxmlformats.org/drawingml/2006/main" xmlns:r="http://schemas.openxmlformats.org/officeDocument/2006/relationships" xmlns:p="http://schemas.openxmlformats.org/presentationml/2006/main">
+  <p:cSld>
+    <p:spTree>
+      <p:nvGrpSpPr>
+        <p:cNvPr id="1" name=""/>
+        <p:cNvGrpSpPr/>
+        <p:nvPr/>
+      </p:nvGrpSpPr>
+      <p:grpSpPr>
+        <a:xfrm>
+          <a:off x="0" y="0"/>
+          <a:ext cx="0" cy="0"/>
+          <a:chOff x="0" y="0"/>
+          <a:chExt cx="0" cy="0"/>
+        </a:xfrm>
+      </p:grpSpPr>
+      <p:sp>
+        <p:nvSpPr>
+          <p:cNvPr id="2" name="Slide Image Placeholder 1"/>
+          <p:cNvSpPr>
+            <a:spLocks noGrp="1" noRot="1" noChangeAspect="1"/>
+          </p:cNvSpPr>
+          <p:nvPr>
+            <p:ph type="sldImg"/>
+          </p:nvPr>
+        </p:nvSpPr>
+        <p:spPr/>
+      </p:sp>
+      <p:sp>
+        <p:nvSpPr>
+          <p:cNvPr id="3" name="Notes Placeholder 2"/>
+          <p:cNvSpPr>
+            <a:spLocks noGrp="1"/>
+          </p:cNvSpPr>
+          <p:nvPr>
+            <p:ph type="body" idx="1"/>
+          </p:nvPr>
+        </p:nvSpPr>
+        <p:spPr/>
+        <p:txBody>
+          <a:bodyPr/>
+          <a:lstStyle/>
+          <a:p>
+            <a:pPr marL="0" marR="0" indent="0" algn="l" defTabSz="914400" rtl="0" eaLnBrk="1" fontAlgn="auto" latinLnBrk="0" hangingPunct="1">
+              <a:lnSpc>
+                <a:spcPct val="100000"/>
+              </a:lnSpc>
+              <a:spcBef>
+                <a:spcPts val="0"/>
+              </a:spcBef>
+              <a:spcAft>
+                <a:spcPts val="0"/>
+              </a:spcAft>
+              <a:buClrTx/>
+              <a:buSzTx/>
+              <a:buFontTx/>
+              <a:buNone/>
+              <a:tabLst/>
+              <a:defRPr/>
+            </a:pPr>
+            <a:r>
+              <a:rPr lang="en-GB" dirty="0" smtClean="0"/>
+              <a:t>The</a:t>
+            </a:r>
+            <a:r>
+              <a:rPr lang="en-GB" baseline="0" dirty="0" smtClean="0"/>
+              <a:t> aim of the project was t</a:t>
+            </a:r>
+            <a:r>
+              <a:rPr lang="en-GB" dirty="0" smtClean="0"/>
+              <a:t>o automate the process of setting up a CI pipeline using </a:t>
+            </a:r>
+            <a:r>
+              <a:rPr lang="en-GB" dirty="0" err="1" smtClean="0"/>
+              <a:t>Ansible</a:t>
+            </a:r>
+            <a:r>
+              <a:rPr lang="en-GB" dirty="0" smtClean="0"/>
+              <a:t>. I will</a:t>
+            </a:r>
+            <a:r>
+              <a:rPr lang="en-GB" baseline="0" dirty="0" smtClean="0"/>
+              <a:t> define the terminology later on in the presentation.</a:t>
+            </a:r>
+            <a:endParaRPr lang="en-GB" dirty="0" smtClean="0"/>
+          </a:p>
+          <a:p>
+            <a:endParaRPr lang="en-GB" dirty="0"/>
+          </a:p>
+        </p:txBody>
+      </p:sp>
+      <p:sp>
+        <p:nvSpPr>
+          <p:cNvPr id="4" name="Slide Number Placeholder 3"/>
+          <p:cNvSpPr>
+            <a:spLocks noGrp="1"/>
+          </p:cNvSpPr>
+          <p:nvPr>
+            <p:ph type="sldNum" sz="quarter" idx="10"/>
+          </p:nvPr>
+        </p:nvSpPr>
+        <p:spPr/>
+        <p:txBody>
+          <a:bodyPr/>
+          <a:lstStyle/>
+          <a:p>
+            <a:fld id="{664D53A8-991C-4D1C-8325-58A7A490CFFF}" type="slidenum">
+              <a:rPr lang="en-GB" smtClean="0"/>
+              <a:t>2</a:t>
+            </a:fld>
+            <a:endParaRPr lang="en-GB"/>
+          </a:p>
+        </p:txBody>
+      </p:sp>
+    </p:spTree>
+    <p:extLst>
+      <p:ext uri="{BB962C8B-B14F-4D97-AF65-F5344CB8AC3E}">
+        <p14:creationId xmlns:p14="http://schemas.microsoft.com/office/powerpoint/2010/main" val="949414037"/>
+      </p:ext>
+    </p:extLst>
+  </p:cSld>
+  <p:clrMapOvr>
+    <a:masterClrMapping/>
+  </p:clrMapOvr>
+</p:notes>
+</file>
+
+<file path=ppt/notesSlides/notesSlide3.xml><?xml version="1.0" encoding="utf-8"?>
+<p:notes xmlns:a="http://schemas.openxmlformats.org/drawingml/2006/main" xmlns:r="http://schemas.openxmlformats.org/officeDocument/2006/relationships" xmlns:p="http://schemas.openxmlformats.org/presentationml/2006/main">
+  <p:cSld>
+    <p:spTree>
+      <p:nvGrpSpPr>
+        <p:cNvPr id="1" name=""/>
+        <p:cNvGrpSpPr/>
+        <p:nvPr/>
+      </p:nvGrpSpPr>
+      <p:grpSpPr>
+        <a:xfrm>
+          <a:off x="0" y="0"/>
+          <a:ext cx="0" cy="0"/>
+          <a:chOff x="0" y="0"/>
+          <a:chExt cx="0" cy="0"/>
+        </a:xfrm>
+      </p:grpSpPr>
+      <p:sp>
+        <p:nvSpPr>
+          <p:cNvPr id="2" name="Slide Image Placeholder 1"/>
+          <p:cNvSpPr>
+            <a:spLocks noGrp="1" noRot="1" noChangeAspect="1"/>
+          </p:cNvSpPr>
+          <p:nvPr>
+            <p:ph type="sldImg"/>
+          </p:nvPr>
+        </p:nvSpPr>
+        <p:spPr/>
+      </p:sp>
+      <p:sp>
+        <p:nvSpPr>
+          <p:cNvPr id="3" name="Notes Placeholder 2"/>
+          <p:cNvSpPr>
+            <a:spLocks noGrp="1"/>
+          </p:cNvSpPr>
+          <p:nvPr>
+            <p:ph type="body" idx="1"/>
+          </p:nvPr>
+        </p:nvSpPr>
+        <p:spPr/>
+        <p:txBody>
+          <a:bodyPr/>
+          <a:lstStyle/>
+          <a:p>
+            <a:pPr marL="0" marR="0" lvl="1" indent="0" algn="l" defTabSz="914400" rtl="0" eaLnBrk="1" fontAlgn="auto" latinLnBrk="0" hangingPunct="1">
+              <a:lnSpc>
+                <a:spcPct val="100000"/>
+              </a:lnSpc>
+              <a:spcBef>
+                <a:spcPts val="0"/>
+              </a:spcBef>
+              <a:spcAft>
+                <a:spcPts val="0"/>
+              </a:spcAft>
+              <a:buClrTx/>
+              <a:buSzTx/>
+              <a:buFontTx/>
+              <a:buNone/>
+              <a:tabLst/>
+              <a:defRPr/>
+            </a:pPr>
+            <a:endParaRPr lang="en-GB" dirty="0" smtClean="0"/>
+          </a:p>
+        </p:txBody>
+      </p:sp>
+      <p:sp>
+        <p:nvSpPr>
+          <p:cNvPr id="4" name="Slide Number Placeholder 3"/>
+          <p:cNvSpPr>
+            <a:spLocks noGrp="1"/>
+          </p:cNvSpPr>
+          <p:nvPr>
+            <p:ph type="sldNum" sz="quarter" idx="10"/>
+          </p:nvPr>
+        </p:nvSpPr>
+        <p:spPr/>
+        <p:txBody>
+          <a:bodyPr/>
+          <a:lstStyle/>
+          <a:p>
+            <a:fld id="{664D53A8-991C-4D1C-8325-58A7A490CFFF}" type="slidenum">
+              <a:rPr lang="en-GB" smtClean="0"/>
+              <a:t>3</a:t>
+            </a:fld>
+            <a:endParaRPr lang="en-GB"/>
+          </a:p>
+        </p:txBody>
+      </p:sp>
+    </p:spTree>
+    <p:extLst>
+      <p:ext uri="{BB962C8B-B14F-4D97-AF65-F5344CB8AC3E}">
+        <p14:creationId xmlns:p14="http://schemas.microsoft.com/office/powerpoint/2010/main" val="1571408247"/>
+      </p:ext>
+    </p:extLst>
+  </p:cSld>
+  <p:clrMapOvr>
+    <a:masterClrMapping/>
+  </p:clrMapOvr>
+</p:notes>
+</file>
+
+<file path=ppt/notesSlides/notesSlide4.xml><?xml version="1.0" encoding="utf-8"?>
+<p:notes xmlns:a="http://schemas.openxmlformats.org/drawingml/2006/main" xmlns:r="http://schemas.openxmlformats.org/officeDocument/2006/relationships" xmlns:p="http://schemas.openxmlformats.org/presentationml/2006/main">
+  <p:cSld>
+    <p:spTree>
+      <p:nvGrpSpPr>
+        <p:cNvPr id="1" name=""/>
+        <p:cNvGrpSpPr/>
+        <p:nvPr/>
+      </p:nvGrpSpPr>
+      <p:grpSpPr>
+        <a:xfrm>
+          <a:off x="0" y="0"/>
+          <a:ext cx="0" cy="0"/>
+          <a:chOff x="0" y="0"/>
+          <a:chExt cx="0" cy="0"/>
+        </a:xfrm>
+      </p:grpSpPr>
+      <p:sp>
+        <p:nvSpPr>
+          <p:cNvPr id="2" name="Slide Image Placeholder 1"/>
+          <p:cNvSpPr>
+            <a:spLocks noGrp="1" noRot="1" noChangeAspect="1"/>
+          </p:cNvSpPr>
+          <p:nvPr>
+            <p:ph type="sldImg"/>
+          </p:nvPr>
+        </p:nvSpPr>
+        <p:spPr/>
+      </p:sp>
+      <p:sp>
+        <p:nvSpPr>
+          <p:cNvPr id="3" name="Notes Placeholder 2"/>
+          <p:cNvSpPr>
+            <a:spLocks noGrp="1"/>
+          </p:cNvSpPr>
+          <p:nvPr>
+            <p:ph type="body" idx="1"/>
+          </p:nvPr>
+        </p:nvSpPr>
+        <p:spPr/>
+        <p:txBody>
+          <a:bodyPr/>
+          <a:lstStyle/>
+          <a:p>
+            <a:r>
+              <a:rPr lang="en-GB" dirty="0" smtClean="0"/>
+              <a:t>This is a list of the tools used in this project.</a:t>
+            </a:r>
+            <a:r>
+              <a:rPr lang="en-GB" baseline="0" dirty="0" smtClean="0"/>
+              <a:t> They have been separated (for the most part) into the tools involved in the pipeline</a:t>
+            </a:r>
+            <a:endParaRPr lang="en-GB" dirty="0"/>
+          </a:p>
+        </p:txBody>
+      </p:sp>
+      <p:sp>
+        <p:nvSpPr>
+          <p:cNvPr id="4" name="Slide Number Placeholder 3"/>
+          <p:cNvSpPr>
+            <a:spLocks noGrp="1"/>
+          </p:cNvSpPr>
+          <p:nvPr>
+            <p:ph type="sldNum" sz="quarter" idx="10"/>
+          </p:nvPr>
+        </p:nvSpPr>
+        <p:spPr/>
+        <p:txBody>
+          <a:bodyPr/>
+          <a:lstStyle/>
+          <a:p>
+            <a:fld id="{664D53A8-991C-4D1C-8325-58A7A490CFFF}" type="slidenum">
+              <a:rPr lang="en-GB" smtClean="0"/>
+              <a:t>5</a:t>
+            </a:fld>
+            <a:endParaRPr lang="en-GB"/>
+          </a:p>
+        </p:txBody>
+      </p:sp>
+    </p:spTree>
+    <p:extLst>
+      <p:ext uri="{BB962C8B-B14F-4D97-AF65-F5344CB8AC3E}">
+        <p14:creationId xmlns:p14="http://schemas.microsoft.com/office/powerpoint/2010/main" val="3939987530"/>
+      </p:ext>
+    </p:extLst>
+  </p:cSld>
+  <p:clrMapOvr>
+    <a:masterClrMapping/>
+  </p:clrMapOvr>
+</p:notes>
+</file>
+
+<file path=ppt/notesSlides/notesSlide5.xml><?xml version="1.0" encoding="utf-8"?>
+<p:notes xmlns:a="http://schemas.openxmlformats.org/drawingml/2006/main" xmlns:r="http://schemas.openxmlformats.org/officeDocument/2006/relationships" xmlns:p="http://schemas.openxmlformats.org/presentationml/2006/main">
+  <p:cSld>
+    <p:spTree>
+      <p:nvGrpSpPr>
+        <p:cNvPr id="1" name=""/>
+        <p:cNvGrpSpPr/>
+        <p:nvPr/>
+      </p:nvGrpSpPr>
+      <p:grpSpPr>
+        <a:xfrm>
+          <a:off x="0" y="0"/>
+          <a:ext cx="0" cy="0"/>
+          <a:chOff x="0" y="0"/>
+          <a:chExt cx="0" cy="0"/>
+        </a:xfrm>
+      </p:grpSpPr>
+      <p:sp>
+        <p:nvSpPr>
+          <p:cNvPr id="2" name="Slide Image Placeholder 1"/>
+          <p:cNvSpPr>
+            <a:spLocks noGrp="1" noRot="1" noChangeAspect="1"/>
+          </p:cNvSpPr>
+          <p:nvPr>
+            <p:ph type="sldImg"/>
+          </p:nvPr>
+        </p:nvSpPr>
+        <p:spPr/>
+      </p:sp>
+      <p:sp>
+        <p:nvSpPr>
+          <p:cNvPr id="3" name="Notes Placeholder 2"/>
+          <p:cNvSpPr>
+            <a:spLocks noGrp="1"/>
+          </p:cNvSpPr>
+          <p:nvPr>
+            <p:ph type="body" idx="1"/>
+          </p:nvPr>
+        </p:nvSpPr>
+        <p:spPr/>
+        <p:txBody>
+          <a:bodyPr/>
+          <a:lstStyle/>
+          <a:p>
+            <a:r>
+              <a:rPr lang="en-GB" dirty="0" smtClean="0"/>
+              <a:t>Scalability</a:t>
+            </a:r>
+            <a:endParaRPr lang="en-GB" dirty="0"/>
+          </a:p>
+        </p:txBody>
+      </p:sp>
+      <p:sp>
+        <p:nvSpPr>
+          <p:cNvPr id="4" name="Slide Number Placeholder 3"/>
+          <p:cNvSpPr>
+            <a:spLocks noGrp="1"/>
+          </p:cNvSpPr>
+          <p:nvPr>
+            <p:ph type="sldNum" sz="quarter" idx="10"/>
+          </p:nvPr>
+        </p:nvSpPr>
+        <p:spPr/>
+        <p:txBody>
+          <a:bodyPr/>
+          <a:lstStyle/>
+          <a:p>
+            <a:fld id="{664D53A8-991C-4D1C-8325-58A7A490CFFF}" type="slidenum">
+              <a:rPr lang="en-GB" smtClean="0"/>
+              <a:t>8</a:t>
+            </a:fld>
+            <a:endParaRPr lang="en-GB"/>
+          </a:p>
+        </p:txBody>
+      </p:sp>
+    </p:spTree>
+    <p:extLst>
+      <p:ext uri="{BB962C8B-B14F-4D97-AF65-F5344CB8AC3E}">
+        <p14:creationId xmlns:p14="http://schemas.microsoft.com/office/powerpoint/2010/main" val="988946878"/>
+      </p:ext>
+    </p:extLst>
+  </p:cSld>
+  <p:clrMapOvr>
+    <a:masterClrMapping/>
+  </p:clrMapOvr>
+</p:notes>
+</file>
+
+<file path=ppt/notesSlides/notesSlide6.xml><?xml version="1.0" encoding="utf-8"?>
+<p:notes xmlns:a="http://schemas.openxmlformats.org/drawingml/2006/main" xmlns:r="http://schemas.openxmlformats.org/officeDocument/2006/relationships" xmlns:p="http://schemas.openxmlformats.org/presentationml/2006/main">
+  <p:cSld>
+    <p:spTree>
+      <p:nvGrpSpPr>
+        <p:cNvPr id="1" name=""/>
+        <p:cNvGrpSpPr/>
+        <p:nvPr/>
+      </p:nvGrpSpPr>
+      <p:grpSpPr>
+        <a:xfrm>
+          <a:off x="0" y="0"/>
+          <a:ext cx="0" cy="0"/>
+          <a:chOff x="0" y="0"/>
+          <a:chExt cx="0" cy="0"/>
+        </a:xfrm>
+      </p:grpSpPr>
+      <p:sp>
+        <p:nvSpPr>
+          <p:cNvPr id="2" name="Slide Image Placeholder 1"/>
+          <p:cNvSpPr>
+            <a:spLocks noGrp="1" noRot="1" noChangeAspect="1"/>
+          </p:cNvSpPr>
+          <p:nvPr>
+            <p:ph type="sldImg"/>
+          </p:nvPr>
+        </p:nvSpPr>
+        <p:spPr/>
+      </p:sp>
+      <p:sp>
+        <p:nvSpPr>
+          <p:cNvPr id="3" name="Notes Placeholder 2"/>
+          <p:cNvSpPr>
+            <a:spLocks noGrp="1"/>
+          </p:cNvSpPr>
+          <p:nvPr>
+            <p:ph type="body" idx="1"/>
+          </p:nvPr>
+        </p:nvSpPr>
+        <p:spPr/>
+        <p:txBody>
+          <a:bodyPr/>
+          <a:lstStyle/>
+          <a:p>
+            <a:r>
+              <a:rPr lang="en-GB" dirty="0" smtClean="0"/>
+              <a:t>Every Tool</a:t>
+            </a:r>
+            <a:r>
+              <a:rPr lang="en-GB" baseline="0" dirty="0" smtClean="0"/>
+              <a:t> that we pull from </a:t>
+            </a:r>
+            <a:r>
+              <a:rPr lang="en-GB" baseline="0" dirty="0" err="1" smtClean="0"/>
+              <a:t>docker</a:t>
+            </a:r>
+            <a:r>
+              <a:rPr lang="en-GB" baseline="0" dirty="0" smtClean="0"/>
+              <a:t> has Java as a dependency</a:t>
+            </a:r>
+            <a:endParaRPr lang="en-GB" dirty="0"/>
+          </a:p>
+        </p:txBody>
+      </p:sp>
+      <p:sp>
+        <p:nvSpPr>
+          <p:cNvPr id="4" name="Slide Number Placeholder 3"/>
+          <p:cNvSpPr>
+            <a:spLocks noGrp="1"/>
+          </p:cNvSpPr>
+          <p:nvPr>
+            <p:ph type="sldNum" sz="quarter" idx="10"/>
+          </p:nvPr>
+        </p:nvSpPr>
+        <p:spPr/>
+        <p:txBody>
+          <a:bodyPr/>
+          <a:lstStyle/>
+          <a:p>
+            <a:fld id="{664D53A8-991C-4D1C-8325-58A7A490CFFF}" type="slidenum">
+              <a:rPr lang="en-GB" smtClean="0"/>
+              <a:t>17</a:t>
+            </a:fld>
+            <a:endParaRPr lang="en-GB"/>
+          </a:p>
+        </p:txBody>
+      </p:sp>
+    </p:spTree>
+    <p:extLst>
+      <p:ext uri="{BB962C8B-B14F-4D97-AF65-F5344CB8AC3E}">
+        <p14:creationId xmlns:p14="http://schemas.microsoft.com/office/powerpoint/2010/main" val="3635394139"/>
+      </p:ext>
+    </p:extLst>
+  </p:cSld>
+  <p:clrMapOvr>
+    <a:masterClrMapping/>
+  </p:clrMapOvr>
+</p:notes>
+</file>
+
+<file path=ppt/notesSlides/notesSlide7.xml><?xml version="1.0" encoding="utf-8"?>
+<p:notes xmlns:a="http://schemas.openxmlformats.org/drawingml/2006/main" xmlns:r="http://schemas.openxmlformats.org/officeDocument/2006/relationships" xmlns:p="http://schemas.openxmlformats.org/presentationml/2006/main">
+  <p:cSld>
+    <p:spTree>
+      <p:nvGrpSpPr>
+        <p:cNvPr id="1" name=""/>
+        <p:cNvGrpSpPr/>
+        <p:nvPr/>
+      </p:nvGrpSpPr>
+      <p:grpSpPr>
+        <a:xfrm>
+          <a:off x="0" y="0"/>
+          <a:ext cx="0" cy="0"/>
+          <a:chOff x="0" y="0"/>
+          <a:chExt cx="0" cy="0"/>
+        </a:xfrm>
+      </p:grpSpPr>
+      <p:sp>
+        <p:nvSpPr>
+          <p:cNvPr id="2" name="Slide Image Placeholder 1"/>
+          <p:cNvSpPr>
+            <a:spLocks noGrp="1" noRot="1" noChangeAspect="1"/>
+          </p:cNvSpPr>
+          <p:nvPr>
+            <p:ph type="sldImg"/>
+          </p:nvPr>
+        </p:nvSpPr>
+        <p:spPr/>
+      </p:sp>
+      <p:sp>
+        <p:nvSpPr>
+          <p:cNvPr id="3" name="Notes Placeholder 2"/>
+          <p:cNvSpPr>
+            <a:spLocks noGrp="1"/>
+          </p:cNvSpPr>
+          <p:nvPr>
+            <p:ph type="body" idx="1"/>
+          </p:nvPr>
+        </p:nvSpPr>
+        <p:spPr/>
+        <p:txBody>
+          <a:bodyPr/>
+          <a:lstStyle/>
+          <a:p>
+            <a:r>
+              <a:rPr lang="en-GB" dirty="0" smtClean="0"/>
+              <a:t>Thank</a:t>
+            </a:r>
+            <a:r>
+              <a:rPr lang="en-GB" baseline="0" dirty="0" smtClean="0"/>
+              <a:t> you for listening. Are there any questions?</a:t>
+            </a:r>
+            <a:endParaRPr lang="en-GB" dirty="0"/>
+          </a:p>
+        </p:txBody>
+      </p:sp>
+      <p:sp>
+        <p:nvSpPr>
+          <p:cNvPr id="4" name="Slide Number Placeholder 3"/>
+          <p:cNvSpPr>
+            <a:spLocks noGrp="1"/>
+          </p:cNvSpPr>
+          <p:nvPr>
+            <p:ph type="sldNum" sz="quarter" idx="10"/>
+          </p:nvPr>
+        </p:nvSpPr>
+        <p:spPr/>
+        <p:txBody>
+          <a:bodyPr/>
+          <a:lstStyle/>
+          <a:p>
+            <a:fld id="{664D53A8-991C-4D1C-8325-58A7A490CFFF}" type="slidenum">
+              <a:rPr lang="en-GB" smtClean="0"/>
+              <a:t>28</a:t>
+            </a:fld>
+            <a:endParaRPr lang="en-GB"/>
+          </a:p>
+        </p:txBody>
+      </p:sp>
+    </p:spTree>
+    <p:extLst>
+      <p:ext uri="{BB962C8B-B14F-4D97-AF65-F5344CB8AC3E}">
+        <p14:creationId xmlns:p14="http://schemas.microsoft.com/office/powerpoint/2010/main" val="1409203062"/>
       </p:ext>
     </p:extLst>
   </p:cSld>
@@ -4492,6 +5120,280 @@
           <a:p>
             <a:r>
               <a:rPr lang="en-GB" dirty="0" smtClean="0"/>
+              <a:t>GitHub Page</a:t>
+            </a:r>
+            <a:endParaRPr lang="en-GB" dirty="0"/>
+          </a:p>
+        </p:txBody>
+      </p:sp>
+      <p:sp>
+        <p:nvSpPr>
+          <p:cNvPr id="3" name="Content Placeholder 2"/>
+          <p:cNvSpPr>
+            <a:spLocks noGrp="1"/>
+          </p:cNvSpPr>
+          <p:nvPr>
+            <p:ph sz="half" idx="1"/>
+          </p:nvPr>
+        </p:nvSpPr>
+        <p:spPr/>
+        <p:txBody>
+          <a:bodyPr/>
+          <a:lstStyle/>
+          <a:p>
+            <a:r>
+              <a:rPr lang="en-GB" dirty="0" smtClean="0"/>
+              <a:t>README.md</a:t>
+            </a:r>
+          </a:p>
+          <a:p>
+            <a:r>
+              <a:rPr lang="en-GB" dirty="0"/>
+              <a:t>Merged Repository for this Project: </a:t>
+            </a:r>
+            <a:r>
+              <a:rPr lang="en-GB" dirty="0" smtClean="0"/>
+              <a:t>https://github.com/JMurph9/Team2CIProject</a:t>
+            </a:r>
+            <a:endParaRPr lang="en-GB" dirty="0"/>
+          </a:p>
+        </p:txBody>
+      </p:sp>
+      <p:pic>
+        <p:nvPicPr>
+          <p:cNvPr id="7" name="Content Placeholder 6"/>
+          <p:cNvPicPr>
+            <a:picLocks noGrp="1" noChangeAspect="1"/>
+          </p:cNvPicPr>
+          <p:nvPr>
+            <p:ph sz="half" idx="2"/>
+          </p:nvPr>
+        </p:nvPicPr>
+        <p:blipFill>
+          <a:blip r:embed="rId2">
+            <a:extLst>
+              <a:ext uri="{28A0092B-C50C-407E-A947-70E740481C1C}">
+                <a14:useLocalDpi xmlns:a14="http://schemas.microsoft.com/office/drawing/2010/main" val="0"/>
+              </a:ext>
+            </a:extLst>
+          </a:blip>
+          <a:stretch>
+            <a:fillRect/>
+          </a:stretch>
+        </p:blipFill>
+        <p:spPr>
+          <a:xfrm>
+            <a:off x="4806080" y="1920875"/>
+            <a:ext cx="3722840" cy="4433888"/>
+          </a:xfrm>
+        </p:spPr>
+      </p:pic>
+    </p:spTree>
+    <p:extLst>
+      <p:ext uri="{BB962C8B-B14F-4D97-AF65-F5344CB8AC3E}">
+        <p14:creationId xmlns:p14="http://schemas.microsoft.com/office/powerpoint/2010/main" val="3430357341"/>
+      </p:ext>
+    </p:extLst>
+  </p:cSld>
+  <p:clrMapOvr>
+    <a:masterClrMapping/>
+  </p:clrMapOvr>
+  <p:timing>
+    <p:tnLst>
+      <p:par>
+        <p:cTn id="1" dur="indefinite" restart="never" nodeType="tmRoot"/>
+      </p:par>
+    </p:tnLst>
+  </p:timing>
+</p:sld>
+</file>
+
+<file path=ppt/slides/slide11.xml><?xml version="1.0" encoding="utf-8"?>
+<p:sld xmlns:a="http://schemas.openxmlformats.org/drawingml/2006/main" xmlns:r="http://schemas.openxmlformats.org/officeDocument/2006/relationships" xmlns:p="http://schemas.openxmlformats.org/presentationml/2006/main">
+  <p:cSld>
+    <p:spTree>
+      <p:nvGrpSpPr>
+        <p:cNvPr id="1" name=""/>
+        <p:cNvGrpSpPr/>
+        <p:nvPr/>
+      </p:nvGrpSpPr>
+      <p:grpSpPr>
+        <a:xfrm>
+          <a:off x="0" y="0"/>
+          <a:ext cx="0" cy="0"/>
+          <a:chOff x="0" y="0"/>
+          <a:chExt cx="0" cy="0"/>
+        </a:xfrm>
+      </p:grpSpPr>
+      <p:sp>
+        <p:nvSpPr>
+          <p:cNvPr id="2" name="Title 1"/>
+          <p:cNvSpPr>
+            <a:spLocks noGrp="1"/>
+          </p:cNvSpPr>
+          <p:nvPr>
+            <p:ph type="title"/>
+          </p:nvPr>
+        </p:nvSpPr>
+        <p:spPr/>
+        <p:txBody>
+          <a:bodyPr/>
+          <a:lstStyle/>
+          <a:p>
+            <a:r>
+              <a:rPr lang="en-GB" dirty="0" smtClean="0"/>
+              <a:t>CI Pipeline</a:t>
+            </a:r>
+            <a:endParaRPr lang="en-GB" dirty="0"/>
+          </a:p>
+        </p:txBody>
+      </p:sp>
+      <p:sp>
+        <p:nvSpPr>
+          <p:cNvPr id="6" name="Text Placeholder 5"/>
+          <p:cNvSpPr>
+            <a:spLocks noGrp="1"/>
+          </p:cNvSpPr>
+          <p:nvPr>
+            <p:ph type="body" idx="2"/>
+          </p:nvPr>
+        </p:nvSpPr>
+        <p:spPr/>
+        <p:txBody>
+          <a:bodyPr/>
+          <a:lstStyle/>
+          <a:p>
+            <a:r>
+              <a:rPr lang="en-GB" dirty="0" smtClean="0"/>
+              <a:t>Git</a:t>
+            </a:r>
+          </a:p>
+          <a:p>
+            <a:r>
+              <a:rPr lang="en-GB" dirty="0" smtClean="0"/>
+              <a:t>Jenkins</a:t>
+            </a:r>
+            <a:endParaRPr lang="en-GB" dirty="0"/>
+          </a:p>
+          <a:p>
+            <a:r>
+              <a:rPr lang="en-GB" dirty="0"/>
+              <a:t>Jira</a:t>
+            </a:r>
+          </a:p>
+          <a:p>
+            <a:r>
+              <a:rPr lang="en-GB" dirty="0"/>
+              <a:t>Apache-Tomcat</a:t>
+            </a:r>
+          </a:p>
+          <a:p>
+            <a:r>
+              <a:rPr lang="en-GB" dirty="0" err="1"/>
+              <a:t>Zabbix</a:t>
+            </a:r>
+            <a:endParaRPr lang="en-GB" dirty="0"/>
+          </a:p>
+          <a:p>
+            <a:r>
+              <a:rPr lang="en-GB" dirty="0"/>
+              <a:t>Nexus</a:t>
+            </a:r>
+          </a:p>
+          <a:p>
+            <a:r>
+              <a:rPr lang="en-GB" dirty="0"/>
+              <a:t>Maven</a:t>
+            </a:r>
+          </a:p>
+          <a:p>
+            <a:endParaRPr lang="en-GB" dirty="0"/>
+          </a:p>
+        </p:txBody>
+      </p:sp>
+      <p:pic>
+        <p:nvPicPr>
+          <p:cNvPr id="4" name="Content Placeholder 3"/>
+          <p:cNvPicPr>
+            <a:picLocks noGrp="1" noChangeAspect="1"/>
+          </p:cNvPicPr>
+          <p:nvPr>
+            <p:ph sz="half" idx="1"/>
+          </p:nvPr>
+        </p:nvPicPr>
+        <p:blipFill>
+          <a:blip r:embed="rId2" cstate="print">
+            <a:extLst>
+              <a:ext uri="{28A0092B-C50C-407E-A947-70E740481C1C}">
+                <a14:useLocalDpi xmlns:a14="http://schemas.microsoft.com/office/drawing/2010/main" val="0"/>
+              </a:ext>
+            </a:extLst>
+          </a:blip>
+          <a:stretch>
+            <a:fillRect/>
+          </a:stretch>
+        </p:blipFill>
+        <p:spPr>
+          <a:xfrm>
+            <a:off x="2051720" y="1844824"/>
+            <a:ext cx="6705016" cy="3771100"/>
+          </a:xfrm>
+        </p:spPr>
+      </p:pic>
+    </p:spTree>
+    <p:extLst>
+      <p:ext uri="{BB962C8B-B14F-4D97-AF65-F5344CB8AC3E}">
+        <p14:creationId xmlns:p14="http://schemas.microsoft.com/office/powerpoint/2010/main" val="1815669209"/>
+      </p:ext>
+    </p:extLst>
+  </p:cSld>
+  <p:clrMapOvr>
+    <a:masterClrMapping/>
+  </p:clrMapOvr>
+  <p:timing>
+    <p:tnLst>
+      <p:par>
+        <p:cTn id="1" dur="indefinite" restart="never" nodeType="tmRoot"/>
+      </p:par>
+    </p:tnLst>
+  </p:timing>
+</p:sld>
+</file>
+
+<file path=ppt/slides/slide12.xml><?xml version="1.0" encoding="utf-8"?>
+<p:sld xmlns:a="http://schemas.openxmlformats.org/drawingml/2006/main" xmlns:r="http://schemas.openxmlformats.org/officeDocument/2006/relationships" xmlns:p="http://schemas.openxmlformats.org/presentationml/2006/main">
+  <p:cSld>
+    <p:spTree>
+      <p:nvGrpSpPr>
+        <p:cNvPr id="1" name=""/>
+        <p:cNvGrpSpPr/>
+        <p:nvPr/>
+      </p:nvGrpSpPr>
+      <p:grpSpPr>
+        <a:xfrm>
+          <a:off x="0" y="0"/>
+          <a:ext cx="0" cy="0"/>
+          <a:chOff x="0" y="0"/>
+          <a:chExt cx="0" cy="0"/>
+        </a:xfrm>
+      </p:grpSpPr>
+      <p:sp>
+        <p:nvSpPr>
+          <p:cNvPr id="2" name="Title 1"/>
+          <p:cNvSpPr>
+            <a:spLocks noGrp="1"/>
+          </p:cNvSpPr>
+          <p:nvPr>
+            <p:ph type="title"/>
+          </p:nvPr>
+        </p:nvSpPr>
+        <p:spPr/>
+        <p:txBody>
+          <a:bodyPr/>
+          <a:lstStyle/>
+          <a:p>
+            <a:r>
+              <a:rPr lang="en-GB" dirty="0" smtClean="0"/>
               <a:t>CI Architecture</a:t>
             </a:r>
             <a:endParaRPr lang="en-GB" dirty="0"/>
@@ -4539,9 +5441,10 @@
           </a:p>
           <a:p>
             <a:r>
-              <a:rPr lang="en-GB" dirty="0"/>
-              <a:t>Apache-Tomcat</a:t>
-            </a:r>
+              <a:rPr lang="en-GB" dirty="0" smtClean="0"/>
+              <a:t>Tomcat</a:t>
+            </a:r>
+            <a:endParaRPr lang="en-GB" dirty="0"/>
           </a:p>
           <a:p>
             <a:r>
@@ -4616,7 +5519,7 @@
 </p:sld>
 </file>
 
-<file path=ppt/slides/slide11.xml><?xml version="1.0" encoding="utf-8"?>
+<file path=ppt/slides/slide13.xml><?xml version="1.0" encoding="utf-8"?>
 <p:sld xmlns:a="http://schemas.openxmlformats.org/drawingml/2006/main" xmlns:r="http://schemas.openxmlformats.org/officeDocument/2006/relationships" xmlns:p="http://schemas.openxmlformats.org/presentationml/2006/main">
   <p:cSld>
     <p:spTree>
@@ -4663,7 +5566,7 @@
             <a:spLocks noGrp="1"/>
           </p:cNvSpPr>
           <p:nvPr>
-            <p:ph idx="1"/>
+            <p:ph sz="half" idx="1"/>
           </p:nvPr>
         </p:nvSpPr>
         <p:spPr/>
@@ -4671,7 +5574,30 @@
           <a:bodyPr/>
           <a:lstStyle/>
           <a:p>
+            <a:r>
+              <a:rPr lang="en-GB" dirty="0" smtClean="0"/>
+              <a:t>Java application</a:t>
+            </a:r>
             <a:endParaRPr lang="en-GB" dirty="0"/>
+          </a:p>
+        </p:txBody>
+      </p:sp>
+      <p:sp>
+        <p:nvSpPr>
+          <p:cNvPr id="2" name="Content Placeholder 1"/>
+          <p:cNvSpPr>
+            <a:spLocks noGrp="1"/>
+          </p:cNvSpPr>
+          <p:nvPr>
+            <p:ph sz="half" idx="2"/>
+          </p:nvPr>
+        </p:nvSpPr>
+        <p:spPr/>
+        <p:txBody>
+          <a:bodyPr/>
+          <a:lstStyle/>
+          <a:p>
+            <a:endParaRPr lang="en-GB"/>
           </a:p>
         </p:txBody>
       </p:sp>
@@ -4695,7 +5621,7 @@
 </p:sld>
 </file>
 
-<file path=ppt/slides/slide12.xml><?xml version="1.0" encoding="utf-8"?>
+<file path=ppt/slides/slide14.xml><?xml version="1.0" encoding="utf-8"?>
 <p:sld xmlns:a="http://schemas.openxmlformats.org/drawingml/2006/main" xmlns:r="http://schemas.openxmlformats.org/officeDocument/2006/relationships" xmlns:p="http://schemas.openxmlformats.org/presentationml/2006/main">
   <p:cSld>
     <p:spTree>
@@ -4804,7 +5730,7 @@
 </p:sld>
 </file>
 
-<file path=ppt/slides/slide13.xml><?xml version="1.0" encoding="utf-8"?>
+<file path=ppt/slides/slide15.xml><?xml version="1.0" encoding="utf-8"?>
 <p:sld xmlns:a="http://schemas.openxmlformats.org/drawingml/2006/main" xmlns:r="http://schemas.openxmlformats.org/officeDocument/2006/relationships" xmlns:p="http://schemas.openxmlformats.org/presentationml/2006/main">
   <p:cSld>
     <p:spTree>
@@ -4867,7 +5793,6 @@
               <a:rPr lang="en-GB" dirty="0" smtClean="0"/>
               <a:t>Docker Hub Repository</a:t>
             </a:r>
-            <a:endParaRPr lang="en-GB" dirty="0" smtClean="0"/>
           </a:p>
           <a:p>
             <a:pPr marL="342900" lvl="1" indent="-342900">
@@ -4982,174 +5907,6 @@
 </p:sld>
 </file>
 
-<file path=ppt/slides/slide14.xml><?xml version="1.0" encoding="utf-8"?>
-<p:sld xmlns:a="http://schemas.openxmlformats.org/drawingml/2006/main" xmlns:r="http://schemas.openxmlformats.org/officeDocument/2006/relationships" xmlns:p="http://schemas.openxmlformats.org/presentationml/2006/main">
-  <p:cSld>
-    <p:spTree>
-      <p:nvGrpSpPr>
-        <p:cNvPr id="1" name=""/>
-        <p:cNvGrpSpPr/>
-        <p:nvPr/>
-      </p:nvGrpSpPr>
-      <p:grpSpPr>
-        <a:xfrm>
-          <a:off x="0" y="0"/>
-          <a:ext cx="0" cy="0"/>
-          <a:chOff x="0" y="0"/>
-          <a:chExt cx="0" cy="0"/>
-        </a:xfrm>
-      </p:grpSpPr>
-      <p:sp>
-        <p:nvSpPr>
-          <p:cNvPr id="2" name="Title 1"/>
-          <p:cNvSpPr>
-            <a:spLocks noGrp="1"/>
-          </p:cNvSpPr>
-          <p:nvPr>
-            <p:ph type="title"/>
-          </p:nvPr>
-        </p:nvSpPr>
-        <p:spPr/>
-        <p:txBody>
-          <a:bodyPr/>
-          <a:lstStyle/>
-          <a:p>
-            <a:r>
-              <a:rPr lang="en-GB" dirty="0" smtClean="0"/>
-              <a:t>Docker Containers</a:t>
-            </a:r>
-            <a:endParaRPr lang="en-GB" dirty="0"/>
-          </a:p>
-        </p:txBody>
-      </p:sp>
-      <p:sp>
-        <p:nvSpPr>
-          <p:cNvPr id="5" name="Content Placeholder 4"/>
-          <p:cNvSpPr>
-            <a:spLocks noGrp="1"/>
-          </p:cNvSpPr>
-          <p:nvPr>
-            <p:ph idx="1"/>
-          </p:nvPr>
-        </p:nvSpPr>
-        <p:spPr/>
-        <p:txBody>
-          <a:bodyPr/>
-          <a:lstStyle/>
-          <a:p>
-            <a:endParaRPr lang="en-GB" dirty="0"/>
-          </a:p>
-        </p:txBody>
-      </p:sp>
-    </p:spTree>
-    <p:extLst>
-      <p:ext uri="{BB962C8B-B14F-4D97-AF65-F5344CB8AC3E}">
-        <p14:creationId xmlns:p14="http://schemas.microsoft.com/office/powerpoint/2010/main" val="1368660827"/>
-      </p:ext>
-    </p:extLst>
-  </p:cSld>
-  <p:clrMapOvr>
-    <a:masterClrMapping/>
-  </p:clrMapOvr>
-  <p:timing>
-    <p:tnLst>
-      <p:par>
-        <p:cTn id="1" dur="indefinite" restart="never" nodeType="tmRoot"/>
-      </p:par>
-    </p:tnLst>
-  </p:timing>
-</p:sld>
-</file>
-
-<file path=ppt/slides/slide15.xml><?xml version="1.0" encoding="utf-8"?>
-<p:sld xmlns:a="http://schemas.openxmlformats.org/drawingml/2006/main" xmlns:r="http://schemas.openxmlformats.org/officeDocument/2006/relationships" xmlns:p="http://schemas.openxmlformats.org/presentationml/2006/main">
-  <p:cSld>
-    <p:spTree>
-      <p:nvGrpSpPr>
-        <p:cNvPr id="1" name=""/>
-        <p:cNvGrpSpPr/>
-        <p:nvPr/>
-      </p:nvGrpSpPr>
-      <p:grpSpPr>
-        <a:xfrm>
-          <a:off x="0" y="0"/>
-          <a:ext cx="0" cy="0"/>
-          <a:chOff x="0" y="0"/>
-          <a:chExt cx="0" cy="0"/>
-        </a:xfrm>
-      </p:grpSpPr>
-      <p:sp>
-        <p:nvSpPr>
-          <p:cNvPr id="2" name="Title 1"/>
-          <p:cNvSpPr>
-            <a:spLocks noGrp="1"/>
-          </p:cNvSpPr>
-          <p:nvPr>
-            <p:ph type="title"/>
-          </p:nvPr>
-        </p:nvSpPr>
-        <p:spPr/>
-        <p:txBody>
-          <a:bodyPr/>
-          <a:lstStyle/>
-          <a:p>
-            <a:r>
-              <a:rPr lang="en-GB" dirty="0" smtClean="0"/>
-              <a:t>Java</a:t>
-            </a:r>
-            <a:endParaRPr lang="en-GB" dirty="0"/>
-          </a:p>
-        </p:txBody>
-      </p:sp>
-      <p:sp>
-        <p:nvSpPr>
-          <p:cNvPr id="5" name="Content Placeholder 4"/>
-          <p:cNvSpPr>
-            <a:spLocks noGrp="1"/>
-          </p:cNvSpPr>
-          <p:nvPr>
-            <p:ph idx="1"/>
-          </p:nvPr>
-        </p:nvSpPr>
-        <p:spPr/>
-        <p:txBody>
-          <a:bodyPr/>
-          <a:lstStyle/>
-          <a:p>
-            <a:r>
-              <a:rPr lang="en-GB" dirty="0" smtClean="0"/>
-              <a:t>Object-Orientated Compiler Programming Language</a:t>
-            </a:r>
-          </a:p>
-          <a:p>
-            <a:r>
-              <a:rPr lang="en-GB" dirty="0" smtClean="0"/>
-              <a:t>All Tools used in this Project require Java as a dependency</a:t>
-            </a:r>
-            <a:endParaRPr lang="en-GB" dirty="0"/>
-          </a:p>
-        </p:txBody>
-      </p:sp>
-    </p:spTree>
-    <p:extLst>
-      <p:ext uri="{BB962C8B-B14F-4D97-AF65-F5344CB8AC3E}">
-        <p14:creationId xmlns:p14="http://schemas.microsoft.com/office/powerpoint/2010/main" val="3378289155"/>
-      </p:ext>
-    </p:extLst>
-  </p:cSld>
-  <p:clrMapOvr>
-    <a:masterClrMapping/>
-  </p:clrMapOvr>
-  <p:timing>
-    <p:tnLst>
-      <p:par>
-        <p:cTn id="1" dur="indefinite" restart="never" nodeType="tmRoot"/>
-      </p:par>
-    </p:tnLst>
-  </p:timing>
-</p:sld>
-</file>
-
 <file path=ppt/slides/slide16.xml><?xml version="1.0" encoding="utf-8"?>
 <p:sld xmlns:a="http://schemas.openxmlformats.org/drawingml/2006/main" xmlns:r="http://schemas.openxmlformats.org/officeDocument/2006/relationships" xmlns:p="http://schemas.openxmlformats.org/presentationml/2006/main">
   <p:cSld>
@@ -5184,57 +5941,45 @@
           <a:p>
             <a:r>
               <a:rPr lang="en-GB" dirty="0" smtClean="0"/>
-              <a:t>Cloud Computing</a:t>
+              <a:t>Docker Containers</a:t>
             </a:r>
             <a:endParaRPr lang="en-GB" dirty="0"/>
           </a:p>
         </p:txBody>
       </p:sp>
-      <p:sp>
-        <p:nvSpPr>
+      <p:pic>
+        <p:nvPicPr>
           <p:cNvPr id="3" name="Content Placeholder 2"/>
-          <p:cNvSpPr>
-            <a:spLocks noGrp="1"/>
-          </p:cNvSpPr>
+          <p:cNvPicPr>
+            <a:picLocks noGrp="1" noChangeAspect="1"/>
+          </p:cNvPicPr>
           <p:nvPr>
             <p:ph idx="1"/>
           </p:nvPr>
-        </p:nvSpPr>
-        <p:spPr/>
-        <p:txBody>
-          <a:bodyPr/>
-          <a:lstStyle/>
-          <a:p>
-            <a:r>
-              <a:rPr lang="en-GB" dirty="0" smtClean="0"/>
-              <a:t>What is Cloud Computing?</a:t>
-            </a:r>
-          </a:p>
-          <a:p>
-            <a:r>
-              <a:rPr lang="en-GB" dirty="0" smtClean="0"/>
-              <a:t>A meaningless buzzword</a:t>
-            </a:r>
-          </a:p>
-          <a:p>
-            <a:r>
-              <a:rPr lang="en-GB" dirty="0" smtClean="0"/>
-              <a:t>A remote server hosted in an external location</a:t>
-            </a:r>
-          </a:p>
-          <a:p>
-            <a:r>
-              <a:rPr lang="en-GB" dirty="0" smtClean="0"/>
-              <a:t>Infrastructure</a:t>
-            </a:r>
-            <a:endParaRPr lang="en-GB" dirty="0"/>
-          </a:p>
-        </p:txBody>
-      </p:sp>
+        </p:nvPicPr>
+        <p:blipFill>
+          <a:blip r:embed="rId2">
+            <a:extLst>
+              <a:ext uri="{28A0092B-C50C-407E-A947-70E740481C1C}">
+                <a14:useLocalDpi xmlns:a14="http://schemas.microsoft.com/office/drawing/2010/main" val="0"/>
+              </a:ext>
+            </a:extLst>
+          </a:blip>
+          <a:stretch>
+            <a:fillRect/>
+          </a:stretch>
+        </p:blipFill>
+        <p:spPr>
+          <a:xfrm>
+            <a:off x="2666734" y="2419905"/>
+            <a:ext cx="3810532" cy="3419953"/>
+          </a:xfrm>
+        </p:spPr>
+      </p:pic>
     </p:spTree>
     <p:extLst>
       <p:ext uri="{BB962C8B-B14F-4D97-AF65-F5344CB8AC3E}">
-        <p14:creationId xmlns:p14="http://schemas.microsoft.com/office/powerpoint/2010/main" val="3416163288"/>
+        <p14:creationId xmlns:p14="http://schemas.microsoft.com/office/powerpoint/2010/main" val="1368660827"/>
       </p:ext>
     </p:extLst>
   </p:cSld>
@@ -5285,7 +6030,7 @@
           <a:p>
             <a:r>
               <a:rPr lang="en-GB" dirty="0" smtClean="0"/>
-              <a:t>Amazon AWS</a:t>
+              <a:t>Java</a:t>
             </a:r>
             <a:endParaRPr lang="en-GB" dirty="0"/>
           </a:p>
@@ -5293,7 +6038,7 @@
       </p:sp>
       <p:sp>
         <p:nvSpPr>
-          <p:cNvPr id="3" name="Content Placeholder 2"/>
+          <p:cNvPr id="5" name="Content Placeholder 4"/>
           <p:cNvSpPr>
             <a:spLocks noGrp="1"/>
           </p:cNvSpPr>
@@ -5308,7 +6053,13 @@
           <a:p>
             <a:r>
               <a:rPr lang="en-GB" dirty="0" smtClean="0"/>
-              <a:t>Instances with easily variable RAM</a:t>
+              <a:t>Object-Orientated Compiler Programming Language</a:t>
+            </a:r>
+          </a:p>
+          <a:p>
+            <a:r>
+              <a:rPr lang="en-GB" dirty="0" smtClean="0"/>
+              <a:t>All Tools used in this Project require Java as a dependency</a:t>
             </a:r>
             <a:endParaRPr lang="en-GB" dirty="0"/>
           </a:p>
@@ -5317,7 +6068,7 @@
     </p:spTree>
     <p:extLst>
       <p:ext uri="{BB962C8B-B14F-4D97-AF65-F5344CB8AC3E}">
-        <p14:creationId xmlns:p14="http://schemas.microsoft.com/office/powerpoint/2010/main" val="1110118096"/>
+        <p14:creationId xmlns:p14="http://schemas.microsoft.com/office/powerpoint/2010/main" val="3378289155"/>
       </p:ext>
     </p:extLst>
   </p:cSld>
@@ -5368,7 +6119,7 @@
           <a:p>
             <a:r>
               <a:rPr lang="en-GB" dirty="0" smtClean="0"/>
-              <a:t>Docker</a:t>
+              <a:t>Cloud Computing</a:t>
             </a:r>
             <a:endParaRPr lang="en-GB" dirty="0"/>
           </a:p>
@@ -5376,12 +6127,12 @@
       </p:sp>
       <p:sp>
         <p:nvSpPr>
-          <p:cNvPr id="3" name="Text Placeholder 2"/>
-          <p:cNvSpPr>
-            <a:spLocks noGrp="1"/>
-          </p:cNvSpPr>
-          <p:nvPr>
-            <p:ph type="body" idx="1"/>
+          <p:cNvPr id="3" name="Content Placeholder 2"/>
+          <p:cNvSpPr>
+            <a:spLocks noGrp="1"/>
+          </p:cNvSpPr>
+          <p:nvPr>
+            <p:ph idx="1"/>
           </p:nvPr>
         </p:nvSpPr>
         <p:spPr/>
@@ -5391,201 +6142,34 @@
           <a:p>
             <a:r>
               <a:rPr lang="en-GB" dirty="0" smtClean="0"/>
-              <a:t>Setup</a:t>
+              <a:t>What is Cloud Computing?</a:t>
+            </a:r>
+          </a:p>
+          <a:p>
+            <a:r>
+              <a:rPr lang="en-GB" dirty="0" smtClean="0"/>
+              <a:t>A meaningless buzzword</a:t>
+            </a:r>
+          </a:p>
+          <a:p>
+            <a:r>
+              <a:rPr lang="en-GB" dirty="0" smtClean="0"/>
+              <a:t>A remote server hosted in an external location</a:t>
+            </a:r>
+          </a:p>
+          <a:p>
+            <a:r>
+              <a:rPr lang="en-GB" dirty="0" smtClean="0"/>
+              <a:t>Infrastructure</a:t>
             </a:r>
             <a:endParaRPr lang="en-GB" dirty="0"/>
           </a:p>
         </p:txBody>
       </p:sp>
-      <p:sp>
-        <p:nvSpPr>
-          <p:cNvPr id="5" name="Text Placeholder 4"/>
-          <p:cNvSpPr>
-            <a:spLocks noGrp="1"/>
-          </p:cNvSpPr>
-          <p:nvPr>
-            <p:ph type="body" sz="half" idx="3"/>
-          </p:nvPr>
-        </p:nvSpPr>
-        <p:spPr/>
-        <p:txBody>
-          <a:bodyPr/>
-          <a:lstStyle/>
-          <a:p>
-            <a:endParaRPr lang="en-GB" dirty="0"/>
-          </a:p>
-        </p:txBody>
-      </p:sp>
-      <p:sp>
-        <p:nvSpPr>
-          <p:cNvPr id="4" name="Content Placeholder 3"/>
-          <p:cNvSpPr>
-            <a:spLocks noGrp="1"/>
-          </p:cNvSpPr>
-          <p:nvPr>
-            <p:ph sz="quarter" idx="2"/>
-          </p:nvPr>
-        </p:nvSpPr>
-        <p:spPr/>
-        <p:txBody>
-          <a:bodyPr/>
-          <a:lstStyle/>
-          <a:p>
-            <a:pPr marL="342900" lvl="1" indent="-342900">
-              <a:buFont typeface="Arial" pitchFamily="34" charset="0"/>
-              <a:buChar char="•"/>
-            </a:pPr>
-            <a:r>
-              <a:rPr lang="en-GB" dirty="0" err="1" smtClean="0"/>
-              <a:t>wget</a:t>
-            </a:r>
-            <a:r>
-              <a:rPr lang="en-GB" dirty="0" smtClean="0"/>
-              <a:t> -</a:t>
-            </a:r>
-            <a:r>
-              <a:rPr lang="en-GB" dirty="0" err="1" smtClean="0"/>
-              <a:t>qO</a:t>
-            </a:r>
-            <a:r>
-              <a:rPr lang="en-GB" dirty="0" smtClean="0"/>
-              <a:t>- https://get.docker.com/ | </a:t>
-            </a:r>
-            <a:r>
-              <a:rPr lang="en-GB" dirty="0" err="1" smtClean="0"/>
-              <a:t>sh</a:t>
-            </a:r>
-            <a:endParaRPr lang="en-GB" dirty="0" smtClean="0"/>
-          </a:p>
-          <a:p>
-            <a:pPr marL="342900" lvl="1" indent="-342900">
-              <a:buFont typeface="Arial" pitchFamily="34" charset="0"/>
-              <a:buChar char="•"/>
-            </a:pPr>
-            <a:r>
-              <a:rPr lang="en-GB" dirty="0" err="1" smtClean="0"/>
-              <a:t>sudo</a:t>
-            </a:r>
-            <a:r>
-              <a:rPr lang="en-GB" dirty="0" smtClean="0"/>
-              <a:t> </a:t>
-            </a:r>
-            <a:r>
-              <a:rPr lang="en-GB" dirty="0" err="1" smtClean="0"/>
-              <a:t>usermod</a:t>
-            </a:r>
-            <a:r>
-              <a:rPr lang="en-GB" dirty="0" smtClean="0"/>
-              <a:t> -</a:t>
-            </a:r>
-            <a:r>
-              <a:rPr lang="en-GB" dirty="0" err="1" smtClean="0"/>
-              <a:t>aG</a:t>
-            </a:r>
-            <a:r>
-              <a:rPr lang="en-GB" dirty="0" smtClean="0"/>
-              <a:t> </a:t>
-            </a:r>
-            <a:r>
-              <a:rPr lang="en-GB" dirty="0" err="1" smtClean="0"/>
-              <a:t>docker</a:t>
-            </a:r>
-            <a:r>
-              <a:rPr lang="en-GB" dirty="0" smtClean="0"/>
-              <a:t> </a:t>
-            </a:r>
-            <a:r>
-              <a:rPr lang="en-GB" dirty="0" err="1" smtClean="0"/>
-              <a:t>ubuntu</a:t>
-            </a:r>
-            <a:endParaRPr lang="en-GB" dirty="0"/>
-          </a:p>
-          <a:p>
-            <a:pPr marL="342900" lvl="1" indent="-342900">
-              <a:buFont typeface="Arial" pitchFamily="34" charset="0"/>
-              <a:buChar char="•"/>
-            </a:pPr>
-            <a:r>
-              <a:rPr lang="en-GB" dirty="0" smtClean="0"/>
-              <a:t>Logout of instance</a:t>
-            </a:r>
-          </a:p>
-          <a:p>
-            <a:pPr marL="342900" lvl="1" indent="-342900">
-              <a:buFont typeface="Arial" pitchFamily="34" charset="0"/>
-              <a:buChar char="•"/>
-            </a:pPr>
-            <a:r>
-              <a:rPr lang="en-GB" dirty="0" err="1" smtClean="0"/>
-              <a:t>sudo</a:t>
-            </a:r>
-            <a:r>
-              <a:rPr lang="en-GB" dirty="0" smtClean="0"/>
-              <a:t> service </a:t>
-            </a:r>
-            <a:r>
-              <a:rPr lang="en-GB" dirty="0" err="1" smtClean="0"/>
-              <a:t>docker</a:t>
-            </a:r>
-            <a:r>
-              <a:rPr lang="en-GB" dirty="0" smtClean="0"/>
-              <a:t> restart</a:t>
-            </a:r>
-          </a:p>
-          <a:p>
-            <a:pPr marL="342900" lvl="1" indent="-342900">
-              <a:buFont typeface="Arial" pitchFamily="34" charset="0"/>
-              <a:buChar char="•"/>
-            </a:pPr>
-            <a:r>
-              <a:rPr lang="en-GB" dirty="0" err="1" smtClean="0"/>
-              <a:t>docker</a:t>
-            </a:r>
-            <a:r>
-              <a:rPr lang="en-GB" dirty="0" smtClean="0"/>
-              <a:t> pull </a:t>
-            </a:r>
-            <a:r>
-              <a:rPr lang="en-GB" dirty="0" err="1" smtClean="0"/>
-              <a:t>jenkins</a:t>
-            </a:r>
-            <a:endParaRPr lang="en-GB" dirty="0" smtClean="0"/>
-          </a:p>
-        </p:txBody>
-      </p:sp>
-      <p:pic>
-        <p:nvPicPr>
-          <p:cNvPr id="7" name="Content Placeholder 6"/>
-          <p:cNvPicPr>
-            <a:picLocks noGrp="1" noChangeAspect="1"/>
-          </p:cNvPicPr>
-          <p:nvPr>
-            <p:ph sz="quarter" idx="4"/>
-          </p:nvPr>
-        </p:nvPicPr>
-        <p:blipFill>
-          <a:blip r:embed="rId2" cstate="print">
-            <a:extLst>
-              <a:ext uri="{28A0092B-C50C-407E-A947-70E740481C1C}">
-                <a14:useLocalDpi xmlns:a14="http://schemas.microsoft.com/office/drawing/2010/main" val="0"/>
-              </a:ext>
-            </a:extLst>
-          </a:blip>
-          <a:stretch>
-            <a:fillRect/>
-          </a:stretch>
-        </p:blipFill>
-        <p:spPr>
-          <a:xfrm>
-            <a:off x="4645025" y="2634878"/>
-            <a:ext cx="4041775" cy="3605956"/>
-          </a:xfrm>
-        </p:spPr>
-      </p:pic>
     </p:spTree>
     <p:extLst>
       <p:ext uri="{BB962C8B-B14F-4D97-AF65-F5344CB8AC3E}">
-        <p14:creationId xmlns:p14="http://schemas.microsoft.com/office/powerpoint/2010/main" val="1615349142"/>
+        <p14:creationId xmlns:p14="http://schemas.microsoft.com/office/powerpoint/2010/main" val="3416163288"/>
       </p:ext>
     </p:extLst>
   </p:cSld>
@@ -5621,7 +6205,7 @@
       </p:grpSpPr>
       <p:sp>
         <p:nvSpPr>
-          <p:cNvPr id="7" name="Title 6"/>
+          <p:cNvPr id="2" name="Title 1"/>
           <p:cNvSpPr>
             <a:spLocks noGrp="1"/>
           </p:cNvSpPr>
@@ -5636,7 +6220,7 @@
           <a:p>
             <a:r>
               <a:rPr lang="en-GB" dirty="0" smtClean="0"/>
-              <a:t>David’s First Day</a:t>
+              <a:t>Amazon AWS</a:t>
             </a:r>
             <a:endParaRPr lang="en-GB" dirty="0"/>
           </a:p>
@@ -5644,12 +6228,12 @@
       </p:sp>
       <p:sp>
         <p:nvSpPr>
-          <p:cNvPr id="8" name="Text Placeholder 7"/>
-          <p:cNvSpPr>
-            <a:spLocks noGrp="1"/>
-          </p:cNvSpPr>
-          <p:nvPr>
-            <p:ph type="body" idx="1"/>
+          <p:cNvPr id="3" name="Content Placeholder 2"/>
+          <p:cNvSpPr>
+            <a:spLocks noGrp="1"/>
+          </p:cNvSpPr>
+          <p:nvPr>
+            <p:ph idx="1"/>
           </p:nvPr>
         </p:nvSpPr>
         <p:spPr/>
@@ -5659,224 +6243,18 @@
           <a:p>
             <a:r>
               <a:rPr lang="en-GB" dirty="0" smtClean="0"/>
-              <a:t>Setup Vagrant</a:t>
-            </a:r>
-            <a:endParaRPr lang="en-GB" dirty="0"/>
-          </a:p>
-        </p:txBody>
-      </p:sp>
-      <p:sp>
-        <p:nvSpPr>
-          <p:cNvPr id="10" name="Text Placeholder 9"/>
-          <p:cNvSpPr>
-            <a:spLocks noGrp="1"/>
-          </p:cNvSpPr>
-          <p:nvPr>
-            <p:ph type="body" sz="half" idx="3"/>
-          </p:nvPr>
-        </p:nvSpPr>
-        <p:spPr/>
-        <p:txBody>
-          <a:bodyPr/>
-          <a:lstStyle/>
-          <a:p>
-            <a:r>
-              <a:rPr lang="en-GB" dirty="0" smtClean="0"/>
-              <a:t>Setup Game of Life</a:t>
-            </a:r>
-            <a:endParaRPr lang="en-GB" dirty="0"/>
-          </a:p>
-        </p:txBody>
-      </p:sp>
-      <p:sp>
-        <p:nvSpPr>
-          <p:cNvPr id="9" name="Content Placeholder 8"/>
-          <p:cNvSpPr>
-            <a:spLocks noGrp="1"/>
-          </p:cNvSpPr>
-          <p:nvPr>
-            <p:ph sz="quarter" idx="2"/>
-          </p:nvPr>
-        </p:nvSpPr>
-        <p:spPr/>
-        <p:txBody>
-          <a:bodyPr>
-            <a:normAutofit/>
-          </a:bodyPr>
-          <a:lstStyle/>
-          <a:p>
-            <a:r>
-              <a:rPr lang="en-GB" dirty="0" err="1" smtClean="0"/>
-              <a:t>sudo</a:t>
-            </a:r>
-            <a:r>
-              <a:rPr lang="en-GB" dirty="0" smtClean="0"/>
-              <a:t> </a:t>
-            </a:r>
-            <a:r>
-              <a:rPr lang="en-GB" dirty="0" err="1" smtClean="0"/>
-              <a:t>dpkg</a:t>
-            </a:r>
-            <a:r>
-              <a:rPr lang="en-GB" dirty="0" smtClean="0"/>
-              <a:t> -</a:t>
-            </a:r>
-            <a:r>
-              <a:rPr lang="en-GB" dirty="0" err="1" smtClean="0"/>
-              <a:t>i</a:t>
-            </a:r>
-            <a:r>
-              <a:rPr lang="en-GB" dirty="0" smtClean="0"/>
-              <a:t> </a:t>
-            </a:r>
-            <a:r>
-              <a:rPr lang="en-GB" dirty="0" err="1" smtClean="0"/>
-              <a:t>jenkins.deb</a:t>
-            </a:r>
-            <a:endParaRPr lang="en-GB" dirty="0" smtClean="0"/>
-          </a:p>
-          <a:p>
-            <a:r>
-              <a:rPr lang="en-GB" dirty="0"/>
-              <a:t>export PATH=/</a:t>
-            </a:r>
-            <a:r>
-              <a:rPr lang="en-GB" dirty="0" smtClean="0"/>
-              <a:t>opt/apache-maven-3.3.9/bin</a:t>
-            </a:r>
-            <a:r>
-              <a:rPr lang="en-GB" dirty="0"/>
-              <a:t>:$</a:t>
-            </a:r>
-            <a:r>
-              <a:rPr lang="en-GB" dirty="0" smtClean="0"/>
-              <a:t>PATH</a:t>
-            </a:r>
-          </a:p>
-          <a:p>
-            <a:r>
-              <a:rPr lang="en-GB" dirty="0" smtClean="0"/>
-              <a:t>Requires </a:t>
-            </a:r>
-            <a:r>
-              <a:rPr lang="en-GB" dirty="0" err="1" smtClean="0"/>
-              <a:t>jre</a:t>
-            </a:r>
-            <a:r>
-              <a:rPr lang="en-GB" dirty="0" smtClean="0"/>
-              <a:t>:</a:t>
-            </a:r>
-          </a:p>
-          <a:p>
-            <a:r>
-              <a:rPr lang="en-GB" dirty="0" err="1" smtClean="0"/>
-              <a:t>sudo</a:t>
-            </a:r>
-            <a:r>
-              <a:rPr lang="en-GB" dirty="0" smtClean="0"/>
-              <a:t> apt install default-</a:t>
-            </a:r>
-            <a:r>
-              <a:rPr lang="en-GB" dirty="0" err="1" smtClean="0"/>
-              <a:t>jre</a:t>
-            </a:r>
-            <a:endParaRPr lang="en-GB" dirty="0" smtClean="0"/>
-          </a:p>
-          <a:p>
-            <a:r>
-              <a:rPr lang="en-GB" dirty="0" err="1" smtClean="0"/>
-              <a:t>sudo</a:t>
-            </a:r>
-            <a:r>
-              <a:rPr lang="en-GB" dirty="0" smtClean="0"/>
-              <a:t> apt install default-</a:t>
-            </a:r>
-            <a:r>
-              <a:rPr lang="en-GB" dirty="0" err="1" smtClean="0"/>
-              <a:t>jdk</a:t>
-            </a:r>
-            <a:endParaRPr lang="en-GB" dirty="0" smtClean="0"/>
-          </a:p>
-          <a:p>
-            <a:endParaRPr lang="en-GB" dirty="0"/>
-          </a:p>
-          <a:p>
-            <a:endParaRPr lang="en-GB" dirty="0"/>
-          </a:p>
-        </p:txBody>
-      </p:sp>
-      <p:sp>
-        <p:nvSpPr>
-          <p:cNvPr id="11" name="Content Placeholder 10"/>
-          <p:cNvSpPr>
-            <a:spLocks noGrp="1"/>
-          </p:cNvSpPr>
-          <p:nvPr>
-            <p:ph sz="quarter" idx="4"/>
-          </p:nvPr>
-        </p:nvSpPr>
-        <p:spPr/>
-        <p:txBody>
-          <a:bodyPr>
-            <a:normAutofit/>
-          </a:bodyPr>
-          <a:lstStyle/>
-          <a:p>
-            <a:r>
-              <a:rPr lang="en-GB" dirty="0" smtClean="0"/>
-              <a:t>git clone https://github.com/wakaleo/game-of-life</a:t>
-            </a:r>
-          </a:p>
-          <a:p>
-            <a:r>
-              <a:rPr lang="en-GB" dirty="0" err="1"/>
-              <a:t>mvn</a:t>
-            </a:r>
-            <a:r>
-              <a:rPr lang="en-GB" dirty="0"/>
-              <a:t> </a:t>
-            </a:r>
-            <a:r>
-              <a:rPr lang="en-GB" dirty="0" smtClean="0"/>
-              <a:t>install</a:t>
-            </a:r>
-          </a:p>
-          <a:p>
-            <a:r>
-              <a:rPr lang="en-GB" dirty="0" err="1"/>
-              <a:t>mvn</a:t>
-            </a:r>
-            <a:r>
-              <a:rPr lang="en-GB" dirty="0"/>
-              <a:t> </a:t>
-            </a:r>
-            <a:r>
-              <a:rPr lang="en-GB" dirty="0" err="1" smtClean="0"/>
-              <a:t>jetty:run</a:t>
-            </a:r>
-            <a:r>
-              <a:rPr lang="en-GB" dirty="0" smtClean="0"/>
-              <a:t> within </a:t>
-            </a:r>
-            <a:r>
-              <a:rPr lang="en-GB" dirty="0" err="1" smtClean="0"/>
-              <a:t>gameoflife</a:t>
-            </a:r>
-            <a:r>
-              <a:rPr lang="en-GB" dirty="0" smtClean="0"/>
-              <a:t>-web directory</a:t>
-            </a:r>
-          </a:p>
-          <a:p>
-            <a:r>
-              <a:rPr lang="en-GB" u="sng" dirty="0">
-                <a:hlinkClick r:id="rId2"/>
-              </a:rPr>
-              <a:t>http://localhost:9090</a:t>
-            </a:r>
-            <a:endParaRPr lang="en-GB" dirty="0" smtClean="0"/>
-          </a:p>
-          <a:p>
+              <a:t>Instances with easily variable </a:t>
+            </a:r>
+            <a:r>
+              <a:rPr lang="en-GB" dirty="0" smtClean="0"/>
+              <a:t>RAM</a:t>
+            </a:r>
+          </a:p>
+          <a:p>
+            <a:r>
+              <a:rPr lang="en-GB" dirty="0" smtClean="0"/>
+              <a:t>1 Master instance and 3 Master instances</a:t>
+            </a:r>
             <a:endParaRPr lang="en-GB" dirty="0"/>
           </a:p>
         </p:txBody>
@@ -5884,7 +6262,7 @@
     </p:spTree>
     <p:extLst>
       <p:ext uri="{BB962C8B-B14F-4D97-AF65-F5344CB8AC3E}">
-        <p14:creationId xmlns:p14="http://schemas.microsoft.com/office/powerpoint/2010/main" val="3606934792"/>
+        <p14:creationId xmlns:p14="http://schemas.microsoft.com/office/powerpoint/2010/main" val="1110118096"/>
       </p:ext>
     </p:extLst>
   </p:cSld>
@@ -5958,7 +6336,15 @@
           <a:p>
             <a:r>
               <a:rPr lang="en-GB" dirty="0" smtClean="0"/>
-              <a:t>To automate the process of setting up a CI pipeline using </a:t>
+              <a:t>To automate the process of setting up a </a:t>
+            </a:r>
+            <a:r>
+              <a:rPr lang="en-GB" dirty="0" smtClean="0"/>
+              <a:t>Continuous Integration (CI) </a:t>
+            </a:r>
+            <a:r>
+              <a:rPr lang="en-GB" dirty="0" smtClean="0"/>
+              <a:t>pipeline using </a:t>
             </a:r>
             <a:r>
               <a:rPr lang="en-GB" dirty="0" err="1" smtClean="0"/>
@@ -6022,7 +6408,7 @@
           <a:p>
             <a:r>
               <a:rPr lang="en-GB" dirty="0" smtClean="0"/>
-              <a:t>Useful Links</a:t>
+              <a:t>Jenkins</a:t>
             </a:r>
             <a:endParaRPr lang="en-GB" dirty="0"/>
           </a:p>
@@ -6043,7 +6429,11 @@
           <a:bodyPr/>
           <a:lstStyle/>
           <a:p>
-            <a:endParaRPr lang="en-GB"/>
+            <a:r>
+              <a:rPr lang="en-GB" dirty="0" smtClean="0"/>
+              <a:t>Functions</a:t>
+            </a:r>
+            <a:endParaRPr lang="en-GB" dirty="0"/>
           </a:p>
         </p:txBody>
       </p:sp>
@@ -6062,7 +6452,11 @@
           <a:bodyPr/>
           <a:lstStyle/>
           <a:p>
-            <a:endParaRPr lang="en-GB"/>
+            <a:r>
+              <a:rPr lang="en-GB" dirty="0" smtClean="0"/>
+              <a:t>Troubles</a:t>
+            </a:r>
+            <a:endParaRPr lang="en-GB" dirty="0"/>
           </a:p>
         </p:txBody>
       </p:sp>
@@ -6082,73 +6476,48 @@
           <a:lstStyle/>
           <a:p>
             <a:r>
-              <a:rPr lang="en-GB" dirty="0" smtClean="0">
-                <a:hlinkClick r:id="rId2"/>
-              </a:rPr>
-              <a:t>https://maven.apache.org/install.html</a:t>
-            </a:r>
-            <a:endParaRPr lang="en-GB" dirty="0" smtClean="0"/>
-          </a:p>
-          <a:p>
-            <a:r>
-              <a:rPr lang="en-GB" dirty="0" smtClean="0">
-                <a:hlinkClick r:id="rId3"/>
-              </a:rPr>
-              <a:t>https://</a:t>
-            </a:r>
-            <a:r>
-              <a:rPr lang="en-GB" dirty="0" smtClean="0">
-                <a:hlinkClick r:id="rId3"/>
-              </a:rPr>
-              <a:t>github.com/wakaleo/game-of-life</a:t>
-            </a:r>
-            <a:endParaRPr lang="en-GB" dirty="0" smtClean="0"/>
-          </a:p>
+              <a:rPr lang="en-GB" dirty="0" smtClean="0"/>
+              <a:t>Builds pipeline</a:t>
+            </a:r>
+            <a:endParaRPr lang="en-GB" dirty="0"/>
+          </a:p>
+        </p:txBody>
+      </p:sp>
+      <p:sp>
+        <p:nvSpPr>
+          <p:cNvPr id="6" name="Content Placeholder 5"/>
+          <p:cNvSpPr>
+            <a:spLocks noGrp="1"/>
+          </p:cNvSpPr>
+          <p:nvPr>
+            <p:ph sz="quarter" idx="4"/>
+          </p:nvPr>
+        </p:nvSpPr>
+        <p:spPr/>
+        <p:txBody>
+          <a:bodyPr/>
+          <a:lstStyle/>
           <a:p>
             <a:r>
               <a:rPr lang="en-GB" dirty="0"/>
-              <a:t>https://github.com/ansible/ansible-examples</a:t>
-            </a:r>
+              <a:t>Docker version is not dependent on Maven</a:t>
+            </a:r>
+          </a:p>
+          <a:p>
             <a:endParaRPr lang="en-GB" dirty="0"/>
-          </a:p>
-        </p:txBody>
-      </p:sp>
-      <p:sp>
-        <p:nvSpPr>
-          <p:cNvPr id="6" name="Content Placeholder 5"/>
-          <p:cNvSpPr>
-            <a:spLocks noGrp="1"/>
-          </p:cNvSpPr>
-          <p:nvPr>
-            <p:ph sz="quarter" idx="4"/>
-          </p:nvPr>
-        </p:nvSpPr>
-        <p:spPr/>
-        <p:txBody>
-          <a:bodyPr/>
-          <a:lstStyle/>
-          <a:p>
-            <a:endParaRPr lang="en-GB"/>
           </a:p>
         </p:txBody>
       </p:sp>
     </p:spTree>
     <p:extLst>
       <p:ext uri="{BB962C8B-B14F-4D97-AF65-F5344CB8AC3E}">
-        <p14:creationId xmlns:p14="http://schemas.microsoft.com/office/powerpoint/2010/main" val="4220772593"/>
+        <p14:creationId xmlns:p14="http://schemas.microsoft.com/office/powerpoint/2010/main" val="4134426618"/>
       </p:ext>
     </p:extLst>
   </p:cSld>
   <p:clrMapOvr>
     <a:masterClrMapping/>
   </p:clrMapOvr>
-  <p:timing>
-    <p:tnLst>
-      <p:par>
-        <p:cTn id="1" dur="indefinite" restart="never" nodeType="tmRoot"/>
-      </p:par>
-    </p:tnLst>
-  </p:timing>
 </p:sld>
 </file>
 
@@ -6186,7 +6555,7 @@
           <a:p>
             <a:r>
               <a:rPr lang="en-GB" dirty="0" smtClean="0"/>
-              <a:t>Jenkins</a:t>
+              <a:t>Jira</a:t>
             </a:r>
             <a:endParaRPr lang="en-GB" dirty="0"/>
           </a:p>
@@ -6194,12 +6563,12 @@
       </p:sp>
       <p:sp>
         <p:nvSpPr>
-          <p:cNvPr id="3" name="Text Placeholder 2"/>
-          <p:cNvSpPr>
-            <a:spLocks noGrp="1"/>
-          </p:cNvSpPr>
-          <p:nvPr>
-            <p:ph type="body" idx="1"/>
+          <p:cNvPr id="7" name="Content Placeholder 6"/>
+          <p:cNvSpPr>
+            <a:spLocks noGrp="1"/>
+          </p:cNvSpPr>
+          <p:nvPr>
+            <p:ph sz="half" idx="1"/>
           </p:nvPr>
         </p:nvSpPr>
         <p:spPr/>
@@ -6209,7 +6578,7 @@
           <a:p>
             <a:r>
               <a:rPr lang="en-GB" dirty="0" smtClean="0"/>
-              <a:t>Functions</a:t>
+              <a:t>Monitoring Tool</a:t>
             </a:r>
             <a:endParaRPr lang="en-GB" dirty="0"/>
           </a:p>
@@ -6217,12 +6586,12 @@
       </p:sp>
       <p:sp>
         <p:nvSpPr>
-          <p:cNvPr id="5" name="Text Placeholder 4"/>
-          <p:cNvSpPr>
-            <a:spLocks noGrp="1"/>
-          </p:cNvSpPr>
-          <p:nvPr>
-            <p:ph type="body" sz="half" idx="3"/>
+          <p:cNvPr id="8" name="Content Placeholder 7"/>
+          <p:cNvSpPr>
+            <a:spLocks noGrp="1"/>
+          </p:cNvSpPr>
+          <p:nvPr>
+            <p:ph sz="half" idx="2"/>
           </p:nvPr>
         </p:nvSpPr>
         <p:spPr/>
@@ -6230,72 +6599,27 @@
           <a:bodyPr/>
           <a:lstStyle/>
           <a:p>
-            <a:r>
-              <a:rPr lang="en-GB" dirty="0" smtClean="0"/>
-              <a:t>Troubles</a:t>
-            </a:r>
-            <a:endParaRPr lang="en-GB" dirty="0"/>
-          </a:p>
-        </p:txBody>
-      </p:sp>
-      <p:sp>
-        <p:nvSpPr>
-          <p:cNvPr id="4" name="Content Placeholder 3"/>
-          <p:cNvSpPr>
-            <a:spLocks noGrp="1"/>
-          </p:cNvSpPr>
-          <p:nvPr>
-            <p:ph sz="quarter" idx="2"/>
-          </p:nvPr>
-        </p:nvSpPr>
-        <p:spPr/>
-        <p:txBody>
-          <a:bodyPr/>
-          <a:lstStyle/>
-          <a:p>
-            <a:r>
-              <a:rPr lang="en-GB" dirty="0" smtClean="0"/>
-              <a:t>Builds pipeline</a:t>
-            </a:r>
-            <a:endParaRPr lang="en-GB" dirty="0"/>
-          </a:p>
-        </p:txBody>
-      </p:sp>
-      <p:sp>
-        <p:nvSpPr>
-          <p:cNvPr id="6" name="Content Placeholder 5"/>
-          <p:cNvSpPr>
-            <a:spLocks noGrp="1"/>
-          </p:cNvSpPr>
-          <p:nvPr>
-            <p:ph sz="quarter" idx="4"/>
-          </p:nvPr>
-        </p:nvSpPr>
-        <p:spPr/>
-        <p:txBody>
-          <a:bodyPr/>
-          <a:lstStyle/>
-          <a:p>
-            <a:r>
-              <a:rPr lang="en-GB" dirty="0"/>
-              <a:t>Docker version is not dependent on Maven</a:t>
-            </a:r>
-          </a:p>
-          <a:p>
-            <a:endParaRPr lang="en-GB" dirty="0"/>
+            <a:endParaRPr lang="en-GB"/>
           </a:p>
         </p:txBody>
       </p:sp>
     </p:spTree>
     <p:extLst>
       <p:ext uri="{BB962C8B-B14F-4D97-AF65-F5344CB8AC3E}">
-        <p14:creationId xmlns:p14="http://schemas.microsoft.com/office/powerpoint/2010/main" val="4134426618"/>
+        <p14:creationId xmlns:p14="http://schemas.microsoft.com/office/powerpoint/2010/main" val="3059990103"/>
       </p:ext>
     </p:extLst>
   </p:cSld>
   <p:clrMapOvr>
     <a:masterClrMapping/>
   </p:clrMapOvr>
+  <p:timing>
+    <p:tnLst>
+      <p:par>
+        <p:cTn id="1" dur="indefinite" restart="never" nodeType="tmRoot"/>
+      </p:par>
+    </p:tnLst>
+  </p:timing>
 </p:sld>
 </file>
 
@@ -6333,7 +6657,7 @@
           <a:p>
             <a:r>
               <a:rPr lang="en-GB" dirty="0" smtClean="0"/>
-              <a:t>Jira</a:t>
+              <a:t>Tomcat</a:t>
             </a:r>
             <a:endParaRPr lang="en-GB" dirty="0"/>
           </a:p>
@@ -6356,7 +6680,7 @@
           <a:p>
             <a:r>
               <a:rPr lang="en-GB" dirty="0" smtClean="0"/>
-              <a:t>Monitoring Tool</a:t>
+              <a:t>Used for deployment</a:t>
             </a:r>
             <a:endParaRPr lang="en-GB" dirty="0"/>
           </a:p>
@@ -6384,7 +6708,7 @@
     </p:spTree>
     <p:extLst>
       <p:ext uri="{BB962C8B-B14F-4D97-AF65-F5344CB8AC3E}">
-        <p14:creationId xmlns:p14="http://schemas.microsoft.com/office/powerpoint/2010/main" val="3059990103"/>
+        <p14:creationId xmlns:p14="http://schemas.microsoft.com/office/powerpoint/2010/main" val="4258329989"/>
       </p:ext>
     </p:extLst>
   </p:cSld>
@@ -6420,7 +6744,7 @@
       </p:grpSpPr>
       <p:sp>
         <p:nvSpPr>
-          <p:cNvPr id="2" name="Title 1"/>
+          <p:cNvPr id="9" name="Title 8"/>
           <p:cNvSpPr>
             <a:spLocks noGrp="1"/>
           </p:cNvSpPr>
@@ -6435,7 +6759,7 @@
           <a:p>
             <a:r>
               <a:rPr lang="en-GB" dirty="0" smtClean="0"/>
-              <a:t>Apache-tomcat</a:t>
+              <a:t>Nexus</a:t>
             </a:r>
             <a:endParaRPr lang="en-GB" dirty="0"/>
           </a:p>
@@ -6443,12 +6767,12 @@
       </p:sp>
       <p:sp>
         <p:nvSpPr>
-          <p:cNvPr id="7" name="Content Placeholder 6"/>
-          <p:cNvSpPr>
-            <a:spLocks noGrp="1"/>
-          </p:cNvSpPr>
-          <p:nvPr>
-            <p:ph sz="half" idx="1"/>
+          <p:cNvPr id="10" name="Content Placeholder 9"/>
+          <p:cNvSpPr>
+            <a:spLocks noGrp="1"/>
+          </p:cNvSpPr>
+          <p:nvPr>
+            <p:ph idx="1"/>
           </p:nvPr>
         </p:nvSpPr>
         <p:spPr/>
@@ -6456,37 +6780,14 @@
           <a:bodyPr/>
           <a:lstStyle/>
           <a:p>
-            <a:r>
-              <a:rPr lang="en-GB" dirty="0" smtClean="0"/>
-              <a:t>Used for deployment</a:t>
-            </a:r>
             <a:endParaRPr lang="en-GB" dirty="0"/>
-          </a:p>
-        </p:txBody>
-      </p:sp>
-      <p:sp>
-        <p:nvSpPr>
-          <p:cNvPr id="8" name="Content Placeholder 7"/>
-          <p:cNvSpPr>
-            <a:spLocks noGrp="1"/>
-          </p:cNvSpPr>
-          <p:nvPr>
-            <p:ph sz="half" idx="2"/>
-          </p:nvPr>
-        </p:nvSpPr>
-        <p:spPr/>
-        <p:txBody>
-          <a:bodyPr/>
-          <a:lstStyle/>
-          <a:p>
-            <a:endParaRPr lang="en-GB"/>
           </a:p>
         </p:txBody>
       </p:sp>
     </p:spTree>
     <p:extLst>
       <p:ext uri="{BB962C8B-B14F-4D97-AF65-F5344CB8AC3E}">
-        <p14:creationId xmlns:p14="http://schemas.microsoft.com/office/powerpoint/2010/main" val="4258329989"/>
+        <p14:creationId xmlns:p14="http://schemas.microsoft.com/office/powerpoint/2010/main" val="2624361914"/>
       </p:ext>
     </p:extLst>
   </p:cSld>
@@ -6522,7 +6823,7 @@
       </p:grpSpPr>
       <p:sp>
         <p:nvSpPr>
-          <p:cNvPr id="9" name="Title 8"/>
+          <p:cNvPr id="2" name="Title 1"/>
           <p:cNvSpPr>
             <a:spLocks noGrp="1"/>
           </p:cNvSpPr>
@@ -6536,16 +6837,23 @@
           <a:lstStyle/>
           <a:p>
             <a:r>
-              <a:rPr lang="en-GB" dirty="0" smtClean="0"/>
-              <a:t>Nexus</a:t>
-            </a:r>
-            <a:endParaRPr lang="en-GB" dirty="0"/>
-          </a:p>
-        </p:txBody>
-      </p:sp>
-      <p:sp>
-        <p:nvSpPr>
-          <p:cNvPr id="10" name="Content Placeholder 9"/>
+              <a:rPr lang="en-GB" dirty="0"/>
+              <a:t>How </a:t>
+            </a:r>
+            <a:r>
+              <a:rPr lang="en-GB" dirty="0" smtClean="0"/>
+              <a:t>we </a:t>
+            </a:r>
+            <a:r>
+              <a:rPr lang="en-GB" dirty="0"/>
+              <a:t>completed the project</a:t>
+            </a:r>
+          </a:p>
+        </p:txBody>
+      </p:sp>
+      <p:sp>
+        <p:nvSpPr>
+          <p:cNvPr id="3" name="Content Placeholder 2"/>
           <p:cNvSpPr>
             <a:spLocks noGrp="1"/>
           </p:cNvSpPr>
@@ -6558,6 +6866,30 @@
           <a:bodyPr/>
           <a:lstStyle/>
           <a:p>
+            <a:r>
+              <a:rPr lang="en-GB" dirty="0" smtClean="0"/>
+              <a:t>Gantt Chart</a:t>
+            </a:r>
+          </a:p>
+          <a:p>
+            <a:r>
+              <a:rPr lang="en-GB" dirty="0" smtClean="0"/>
+              <a:t>Top-Down, Sequential Approach to </a:t>
+            </a:r>
+            <a:r>
+              <a:rPr lang="en-GB" dirty="0" err="1" smtClean="0"/>
+              <a:t>Ansible</a:t>
+            </a:r>
+            <a:r>
+              <a:rPr lang="en-GB" dirty="0" smtClean="0"/>
+              <a:t> script</a:t>
+            </a:r>
+          </a:p>
+          <a:p>
+            <a:r>
+              <a:rPr lang="en-GB" dirty="0" smtClean="0"/>
+              <a:t>Scrum meetings in the mornings. Did not include user story analysis</a:t>
+            </a:r>
             <a:endParaRPr lang="en-GB" dirty="0"/>
           </a:p>
         </p:txBody>
@@ -6565,24 +6897,562 @@
     </p:spTree>
     <p:extLst>
       <p:ext uri="{BB962C8B-B14F-4D97-AF65-F5344CB8AC3E}">
-        <p14:creationId xmlns:p14="http://schemas.microsoft.com/office/powerpoint/2010/main" val="2624361914"/>
+        <p14:creationId xmlns:p14="http://schemas.microsoft.com/office/powerpoint/2010/main" val="620464889"/>
       </p:ext>
     </p:extLst>
   </p:cSld>
   <p:clrMapOvr>
     <a:masterClrMapping/>
   </p:clrMapOvr>
-  <p:timing>
-    <p:tnLst>
-      <p:par>
-        <p:cTn id="1" dur="indefinite" restart="never" nodeType="tmRoot"/>
-      </p:par>
-    </p:tnLst>
-  </p:timing>
 </p:sld>
 </file>
 
 <file path=ppt/slides/slide25.xml><?xml version="1.0" encoding="utf-8"?>
+<p:sld xmlns:a="http://schemas.openxmlformats.org/drawingml/2006/main" xmlns:r="http://schemas.openxmlformats.org/officeDocument/2006/relationships" xmlns:p="http://schemas.openxmlformats.org/presentationml/2006/main">
+  <p:cSld>
+    <p:spTree>
+      <p:nvGrpSpPr>
+        <p:cNvPr id="1" name=""/>
+        <p:cNvGrpSpPr/>
+        <p:nvPr/>
+      </p:nvGrpSpPr>
+      <p:grpSpPr>
+        <a:xfrm>
+          <a:off x="0" y="0"/>
+          <a:ext cx="0" cy="0"/>
+          <a:chOff x="0" y="0"/>
+          <a:chExt cx="0" cy="0"/>
+        </a:xfrm>
+      </p:grpSpPr>
+      <p:sp>
+        <p:nvSpPr>
+          <p:cNvPr id="2" name="Title 1"/>
+          <p:cNvSpPr>
+            <a:spLocks noGrp="1"/>
+          </p:cNvSpPr>
+          <p:nvPr>
+            <p:ph type="title"/>
+          </p:nvPr>
+        </p:nvSpPr>
+        <p:spPr/>
+        <p:txBody>
+          <a:bodyPr/>
+          <a:lstStyle/>
+          <a:p>
+            <a:r>
+              <a:rPr lang="en-GB" dirty="0" smtClean="0"/>
+              <a:t>Gantt Chart</a:t>
+            </a:r>
+            <a:endParaRPr lang="en-GB" dirty="0"/>
+          </a:p>
+        </p:txBody>
+      </p:sp>
+      <p:pic>
+        <p:nvPicPr>
+          <p:cNvPr id="6" name="Content Placeholder 5"/>
+          <p:cNvPicPr>
+            <a:picLocks noGrp="1" noChangeAspect="1"/>
+          </p:cNvPicPr>
+          <p:nvPr>
+            <p:ph idx="1"/>
+          </p:nvPr>
+        </p:nvPicPr>
+        <p:blipFill>
+          <a:blip r:embed="rId2" cstate="print">
+            <a:extLst>
+              <a:ext uri="{28A0092B-C50C-407E-A947-70E740481C1C}">
+                <a14:useLocalDpi xmlns:a14="http://schemas.microsoft.com/office/drawing/2010/main" val="0"/>
+              </a:ext>
+            </a:extLst>
+          </a:blip>
+          <a:stretch>
+            <a:fillRect/>
+          </a:stretch>
+        </p:blipFill>
+        <p:spPr>
+          <a:xfrm>
+            <a:off x="457200" y="2092731"/>
+            <a:ext cx="8229600" cy="4074300"/>
+          </a:xfrm>
+        </p:spPr>
+      </p:pic>
+    </p:spTree>
+    <p:extLst>
+      <p:ext uri="{BB962C8B-B14F-4D97-AF65-F5344CB8AC3E}">
+        <p14:creationId xmlns:p14="http://schemas.microsoft.com/office/powerpoint/2010/main" val="466885585"/>
+      </p:ext>
+    </p:extLst>
+  </p:cSld>
+  <p:clrMapOvr>
+    <a:masterClrMapping/>
+  </p:clrMapOvr>
+</p:sld>
+</file>
+
+<file path=ppt/slides/slide26.xml><?xml version="1.0" encoding="utf-8"?>
+<p:sld xmlns:a="http://schemas.openxmlformats.org/drawingml/2006/main" xmlns:r="http://schemas.openxmlformats.org/officeDocument/2006/relationships" xmlns:p="http://schemas.openxmlformats.org/presentationml/2006/main">
+  <p:cSld>
+    <p:spTree>
+      <p:nvGrpSpPr>
+        <p:cNvPr id="1" name=""/>
+        <p:cNvGrpSpPr/>
+        <p:nvPr/>
+      </p:nvGrpSpPr>
+      <p:grpSpPr>
+        <a:xfrm>
+          <a:off x="0" y="0"/>
+          <a:ext cx="0" cy="0"/>
+          <a:chOff x="0" y="0"/>
+          <a:chExt cx="0" cy="0"/>
+        </a:xfrm>
+      </p:grpSpPr>
+      <p:sp>
+        <p:nvSpPr>
+          <p:cNvPr id="2" name="Title 1"/>
+          <p:cNvSpPr>
+            <a:spLocks noGrp="1"/>
+          </p:cNvSpPr>
+          <p:nvPr>
+            <p:ph type="title"/>
+          </p:nvPr>
+        </p:nvSpPr>
+        <p:spPr/>
+        <p:txBody>
+          <a:bodyPr/>
+          <a:lstStyle/>
+          <a:p>
+            <a:r>
+              <a:rPr lang="en-GB" dirty="0"/>
+              <a:t>Who contributed what </a:t>
+            </a:r>
+          </a:p>
+        </p:txBody>
+      </p:sp>
+      <p:graphicFrame>
+        <p:nvGraphicFramePr>
+          <p:cNvPr id="4" name="Content Placeholder 3"/>
+          <p:cNvGraphicFramePr>
+            <a:graphicFrameLocks noGrp="1"/>
+          </p:cNvGraphicFramePr>
+          <p:nvPr>
+            <p:ph idx="1"/>
+            <p:extLst>
+              <p:ext uri="{D42A27DB-BD31-4B8C-83A1-F6EECF244321}">
+                <p14:modId xmlns:p14="http://schemas.microsoft.com/office/powerpoint/2010/main" val="107549633"/>
+              </p:ext>
+            </p:extLst>
+          </p:nvPr>
+        </p:nvGraphicFramePr>
+        <p:xfrm>
+          <a:off x="457200" y="1935163"/>
+          <a:ext cx="8229600" cy="2763520"/>
+        </p:xfrm>
+        <a:graphic>
+          <a:graphicData uri="http://schemas.openxmlformats.org/drawingml/2006/table">
+            <a:tbl>
+              <a:tblPr firstRow="1" bandRow="1">
+                <a:tableStyleId>{5C22544A-7EE6-4342-B048-85BDC9FD1C3A}</a:tableStyleId>
+              </a:tblPr>
+              <a:tblGrid>
+                <a:gridCol w="4114800"/>
+                <a:gridCol w="4114800"/>
+              </a:tblGrid>
+              <a:tr h="370840">
+                <a:tc>
+                  <a:txBody>
+                    <a:bodyPr/>
+                    <a:lstStyle/>
+                    <a:p>
+                      <a:r>
+                        <a:rPr lang="en-GB" dirty="0" smtClean="0"/>
+                        <a:t>Project Member</a:t>
+                      </a:r>
+                      <a:endParaRPr lang="en-GB" dirty="0"/>
+                    </a:p>
+                  </a:txBody>
+                  <a:tcPr/>
+                </a:tc>
+                <a:tc>
+                  <a:txBody>
+                    <a:bodyPr/>
+                    <a:lstStyle/>
+                    <a:p>
+                      <a:r>
+                        <a:rPr lang="en-GB" dirty="0" smtClean="0"/>
+                        <a:t>Delegated</a:t>
+                      </a:r>
+                      <a:r>
+                        <a:rPr lang="en-GB" baseline="0" dirty="0" smtClean="0"/>
+                        <a:t> work</a:t>
+                      </a:r>
+                      <a:endParaRPr lang="en-GB" dirty="0"/>
+                    </a:p>
+                  </a:txBody>
+                  <a:tcPr/>
+                </a:tc>
+              </a:tr>
+              <a:tr h="370840">
+                <a:tc>
+                  <a:txBody>
+                    <a:bodyPr/>
+                    <a:lstStyle/>
+                    <a:p>
+                      <a:r>
+                        <a:rPr lang="en-GB" dirty="0" err="1" smtClean="0"/>
+                        <a:t>Louy</a:t>
+                      </a:r>
+                      <a:endParaRPr lang="en-GB" dirty="0"/>
+                    </a:p>
+                  </a:txBody>
+                  <a:tcPr/>
+                </a:tc>
+                <a:tc>
+                  <a:txBody>
+                    <a:bodyPr/>
+                    <a:lstStyle/>
+                    <a:p>
+                      <a:r>
+                        <a:rPr lang="en-GB" dirty="0" smtClean="0"/>
+                        <a:t>Produced the Gantt</a:t>
+                      </a:r>
+                      <a:r>
+                        <a:rPr lang="en-GB" baseline="0" dirty="0" smtClean="0"/>
+                        <a:t> Chart</a:t>
+                      </a:r>
+                      <a:endParaRPr lang="en-GB" dirty="0"/>
+                    </a:p>
+                  </a:txBody>
+                  <a:tcPr/>
+                </a:tc>
+              </a:tr>
+              <a:tr h="370840">
+                <a:tc>
+                  <a:txBody>
+                    <a:bodyPr/>
+                    <a:lstStyle/>
+                    <a:p>
+                      <a:r>
+                        <a:rPr lang="en-GB" dirty="0" smtClean="0"/>
+                        <a:t>Jack</a:t>
+                      </a:r>
+                      <a:endParaRPr lang="en-GB" dirty="0"/>
+                    </a:p>
+                  </a:txBody>
+                  <a:tcPr/>
+                </a:tc>
+                <a:tc>
+                  <a:txBody>
+                    <a:bodyPr/>
+                    <a:lstStyle/>
+                    <a:p>
+                      <a:r>
+                        <a:rPr lang="en-GB" dirty="0" smtClean="0"/>
+                        <a:t>Lead research,</a:t>
+                      </a:r>
+                      <a:r>
+                        <a:rPr lang="en-GB" baseline="0" dirty="0" smtClean="0"/>
+                        <a:t> i</a:t>
+                      </a:r>
+                      <a:r>
+                        <a:rPr lang="en-GB" dirty="0" smtClean="0"/>
+                        <a:t>nstalled Nexus and Jira</a:t>
+                      </a:r>
+                      <a:endParaRPr lang="en-GB" dirty="0"/>
+                    </a:p>
+                  </a:txBody>
+                  <a:tcPr/>
+                </a:tc>
+              </a:tr>
+              <a:tr h="370840">
+                <a:tc>
+                  <a:txBody>
+                    <a:bodyPr/>
+                    <a:lstStyle/>
+                    <a:p>
+                      <a:r>
+                        <a:rPr lang="en-GB" dirty="0" smtClean="0"/>
+                        <a:t>David</a:t>
+                      </a:r>
+                      <a:endParaRPr lang="en-GB" dirty="0"/>
+                    </a:p>
+                  </a:txBody>
+                  <a:tcPr/>
+                </a:tc>
+                <a:tc>
+                  <a:txBody>
+                    <a:bodyPr/>
+                    <a:lstStyle/>
+                    <a:p>
+                      <a:r>
+                        <a:rPr lang="en-GB" dirty="0" smtClean="0"/>
+                        <a:t>Setup Slack,</a:t>
+                      </a:r>
+                      <a:r>
+                        <a:rPr lang="en-GB" baseline="0" dirty="0" smtClean="0"/>
+                        <a:t> made presentation. Attempted a bottom-up approach</a:t>
+                      </a:r>
+                      <a:endParaRPr lang="en-GB" dirty="0"/>
+                    </a:p>
+                  </a:txBody>
+                  <a:tcPr/>
+                </a:tc>
+              </a:tr>
+              <a:tr h="370840">
+                <a:tc>
+                  <a:txBody>
+                    <a:bodyPr/>
+                    <a:lstStyle/>
+                    <a:p>
+                      <a:r>
+                        <a:rPr lang="en-GB" dirty="0" smtClean="0"/>
+                        <a:t>Bradley</a:t>
+                      </a:r>
+                      <a:endParaRPr lang="en-GB" dirty="0"/>
+                    </a:p>
+                  </a:txBody>
+                  <a:tcPr/>
+                </a:tc>
+                <a:tc>
+                  <a:txBody>
+                    <a:bodyPr/>
+                    <a:lstStyle/>
+                    <a:p>
+                      <a:r>
+                        <a:rPr lang="en-GB" dirty="0" smtClean="0"/>
+                        <a:t>Wrote the bulk of the </a:t>
+                      </a:r>
+                      <a:r>
+                        <a:rPr lang="en-GB" dirty="0" err="1" smtClean="0"/>
+                        <a:t>Ansible</a:t>
+                      </a:r>
+                      <a:r>
+                        <a:rPr lang="en-GB" dirty="0" smtClean="0"/>
+                        <a:t> script</a:t>
+                      </a:r>
+                      <a:endParaRPr lang="en-GB" dirty="0"/>
+                    </a:p>
+                  </a:txBody>
+                  <a:tcPr/>
+                </a:tc>
+              </a:tr>
+              <a:tr h="370840">
+                <a:tc>
+                  <a:txBody>
+                    <a:bodyPr/>
+                    <a:lstStyle/>
+                    <a:p>
+                      <a:r>
+                        <a:rPr lang="en-GB" dirty="0" err="1" smtClean="0"/>
+                        <a:t>Azim</a:t>
+                      </a:r>
+                      <a:endParaRPr lang="en-GB" dirty="0"/>
+                    </a:p>
+                  </a:txBody>
+                  <a:tcPr/>
+                </a:tc>
+                <a:tc>
+                  <a:txBody>
+                    <a:bodyPr/>
+                    <a:lstStyle/>
+                    <a:p>
+                      <a:r>
+                        <a:rPr lang="en-GB" dirty="0" smtClean="0"/>
+                        <a:t>Worked</a:t>
+                      </a:r>
+                      <a:r>
+                        <a:rPr lang="en-GB" baseline="0" dirty="0" smtClean="0"/>
+                        <a:t> on linking containers and how Jenkins and Maven build together</a:t>
+                      </a:r>
+                      <a:endParaRPr lang="en-GB" dirty="0"/>
+                    </a:p>
+                  </a:txBody>
+                  <a:tcPr/>
+                </a:tc>
+              </a:tr>
+            </a:tbl>
+          </a:graphicData>
+        </a:graphic>
+      </p:graphicFrame>
+    </p:spTree>
+    <p:extLst>
+      <p:ext uri="{BB962C8B-B14F-4D97-AF65-F5344CB8AC3E}">
+        <p14:creationId xmlns:p14="http://schemas.microsoft.com/office/powerpoint/2010/main" val="285351901"/>
+      </p:ext>
+    </p:extLst>
+  </p:cSld>
+  <p:clrMapOvr>
+    <a:masterClrMapping/>
+  </p:clrMapOvr>
+</p:sld>
+</file>
+
+<file path=ppt/slides/slide27.xml><?xml version="1.0" encoding="utf-8"?>
+<p:sld xmlns:a="http://schemas.openxmlformats.org/drawingml/2006/main" xmlns:r="http://schemas.openxmlformats.org/officeDocument/2006/relationships" xmlns:p="http://schemas.openxmlformats.org/presentationml/2006/main">
+  <p:cSld>
+    <p:spTree>
+      <p:nvGrpSpPr>
+        <p:cNvPr id="1" name=""/>
+        <p:cNvGrpSpPr/>
+        <p:nvPr/>
+      </p:nvGrpSpPr>
+      <p:grpSpPr>
+        <a:xfrm>
+          <a:off x="0" y="0"/>
+          <a:ext cx="0" cy="0"/>
+          <a:chOff x="0" y="0"/>
+          <a:chExt cx="0" cy="0"/>
+        </a:xfrm>
+      </p:grpSpPr>
+      <p:sp>
+        <p:nvSpPr>
+          <p:cNvPr id="2" name="Title 1"/>
+          <p:cNvSpPr>
+            <a:spLocks noGrp="1"/>
+          </p:cNvSpPr>
+          <p:nvPr>
+            <p:ph type="title"/>
+          </p:nvPr>
+        </p:nvSpPr>
+        <p:spPr/>
+        <p:txBody>
+          <a:bodyPr/>
+          <a:lstStyle/>
+          <a:p>
+            <a:r>
+              <a:rPr lang="en-GB" dirty="0" smtClean="0"/>
+              <a:t>Conclusion</a:t>
+            </a:r>
+            <a:endParaRPr lang="en-GB" dirty="0"/>
+          </a:p>
+        </p:txBody>
+      </p:sp>
+      <p:sp>
+        <p:nvSpPr>
+          <p:cNvPr id="3" name="Content Placeholder 2"/>
+          <p:cNvSpPr>
+            <a:spLocks noGrp="1"/>
+          </p:cNvSpPr>
+          <p:nvPr>
+            <p:ph idx="1"/>
+          </p:nvPr>
+        </p:nvSpPr>
+        <p:spPr/>
+        <p:txBody>
+          <a:bodyPr/>
+          <a:lstStyle/>
+          <a:p>
+            <a:r>
+              <a:rPr lang="en-GB" dirty="0"/>
+              <a:t>Summarise what went well, what did not, what you’d do the next time</a:t>
+            </a:r>
+            <a:r>
+              <a:rPr lang="en-GB" dirty="0" smtClean="0"/>
+              <a:t>.</a:t>
+            </a:r>
+          </a:p>
+          <a:p>
+            <a:r>
+              <a:rPr lang="en-GB" dirty="0" smtClean="0"/>
+              <a:t>The </a:t>
+            </a:r>
+            <a:r>
+              <a:rPr lang="en-GB" smtClean="0"/>
+              <a:t>correct etiquette </a:t>
+            </a:r>
+            <a:r>
+              <a:rPr lang="en-GB" dirty="0" smtClean="0"/>
+              <a:t>for a SCRUM meeting.</a:t>
+            </a:r>
+            <a:endParaRPr lang="en-GB" dirty="0"/>
+          </a:p>
+        </p:txBody>
+      </p:sp>
+    </p:spTree>
+    <p:extLst>
+      <p:ext uri="{BB962C8B-B14F-4D97-AF65-F5344CB8AC3E}">
+        <p14:creationId xmlns:p14="http://schemas.microsoft.com/office/powerpoint/2010/main" val="892365887"/>
+      </p:ext>
+    </p:extLst>
+  </p:cSld>
+  <p:clrMapOvr>
+    <a:masterClrMapping/>
+  </p:clrMapOvr>
+</p:sld>
+</file>
+
+<file path=ppt/slides/slide28.xml><?xml version="1.0" encoding="utf-8"?>
+<p:sld xmlns:a="http://schemas.openxmlformats.org/drawingml/2006/main" xmlns:r="http://schemas.openxmlformats.org/officeDocument/2006/relationships" xmlns:p="http://schemas.openxmlformats.org/presentationml/2006/main">
+  <p:cSld>
+    <p:spTree>
+      <p:nvGrpSpPr>
+        <p:cNvPr id="1" name=""/>
+        <p:cNvGrpSpPr/>
+        <p:nvPr/>
+      </p:nvGrpSpPr>
+      <p:grpSpPr>
+        <a:xfrm>
+          <a:off x="0" y="0"/>
+          <a:ext cx="0" cy="0"/>
+          <a:chOff x="0" y="0"/>
+          <a:chExt cx="0" cy="0"/>
+        </a:xfrm>
+      </p:grpSpPr>
+      <p:sp>
+        <p:nvSpPr>
+          <p:cNvPr id="2" name="Title 1"/>
+          <p:cNvSpPr>
+            <a:spLocks noGrp="1"/>
+          </p:cNvSpPr>
+          <p:nvPr>
+            <p:ph type="ctrTitle"/>
+          </p:nvPr>
+        </p:nvSpPr>
+        <p:spPr/>
+        <p:txBody>
+          <a:bodyPr/>
+          <a:lstStyle/>
+          <a:p>
+            <a:r>
+              <a:rPr lang="en-GB" dirty="0" smtClean="0"/>
+              <a:t>Any Questions?</a:t>
+            </a:r>
+            <a:endParaRPr lang="en-GB" dirty="0"/>
+          </a:p>
+        </p:txBody>
+      </p:sp>
+      <p:sp>
+        <p:nvSpPr>
+          <p:cNvPr id="5" name="Subtitle 4"/>
+          <p:cNvSpPr>
+            <a:spLocks noGrp="1"/>
+          </p:cNvSpPr>
+          <p:nvPr>
+            <p:ph type="subTitle" idx="1"/>
+          </p:nvPr>
+        </p:nvSpPr>
+        <p:spPr/>
+        <p:txBody>
+          <a:bodyPr/>
+          <a:lstStyle/>
+          <a:p>
+            <a:endParaRPr lang="en-GB"/>
+          </a:p>
+        </p:txBody>
+      </p:sp>
+    </p:spTree>
+    <p:extLst>
+      <p:ext uri="{BB962C8B-B14F-4D97-AF65-F5344CB8AC3E}">
+        <p14:creationId xmlns:p14="http://schemas.microsoft.com/office/powerpoint/2010/main" val="28601293"/>
+      </p:ext>
+    </p:extLst>
+  </p:cSld>
+  <p:clrMapOvr>
+    <a:masterClrMapping/>
+  </p:clrMapOvr>
+</p:sld>
+</file>
+
+<file path=ppt/slides/slide29.xml><?xml version="1.0" encoding="utf-8"?>
 <p:sld xmlns:a="http://schemas.openxmlformats.org/drawingml/2006/main" xmlns:r="http://schemas.openxmlformats.org/officeDocument/2006/relationships" xmlns:p="http://schemas.openxmlformats.org/presentationml/2006/main">
   <p:cSld>
     <p:spTree>
@@ -9776,7 +10646,7 @@
           <a:p>
             <a:r>
               <a:rPr lang="en-GB" dirty="0" smtClean="0"/>
-              <a:t>Tools Used in this Project</a:t>
+              <a:t>What does this require?</a:t>
             </a:r>
             <a:endParaRPr lang="en-GB" dirty="0"/>
           </a:p>
@@ -9789,111 +10659,796 @@
             <a:spLocks noGrp="1"/>
           </p:cNvSpPr>
           <p:nvPr>
-            <p:ph sz="half" idx="1"/>
+            <p:ph idx="1"/>
           </p:nvPr>
         </p:nvSpPr>
         <p:spPr/>
         <p:txBody>
-          <a:bodyPr numCol="1"/>
-          <a:lstStyle/>
+          <a:bodyPr/>
+          <a:lstStyle/>
+          <a:p>
+            <a:r>
+              <a:rPr lang="en-GB" dirty="0" smtClean="0"/>
+              <a:t>CI Tool</a:t>
+            </a:r>
+          </a:p>
+          <a:p>
+            <a:r>
+              <a:rPr lang="en-GB" dirty="0" smtClean="0"/>
+              <a:t>Code </a:t>
+            </a:r>
+            <a:r>
+              <a:rPr lang="en-GB" dirty="0"/>
+              <a:t>Review </a:t>
+            </a:r>
+            <a:r>
+              <a:rPr lang="en-GB" dirty="0" smtClean="0"/>
+              <a:t>Tool</a:t>
+            </a:r>
+          </a:p>
+          <a:p>
+            <a:r>
+              <a:rPr lang="en-GB" dirty="0" smtClean="0"/>
+              <a:t>Build </a:t>
+            </a:r>
+            <a:r>
+              <a:rPr lang="en-GB" dirty="0"/>
+              <a:t>Management </a:t>
+            </a:r>
+            <a:r>
+              <a:rPr lang="en-GB" dirty="0" smtClean="0"/>
+              <a:t>Tool</a:t>
+            </a:r>
+          </a:p>
+          <a:p>
+            <a:r>
+              <a:rPr lang="en-GB" dirty="0" smtClean="0"/>
+              <a:t>Monitoring Tool</a:t>
+            </a:r>
+          </a:p>
           <a:p>
             <a:r>
               <a:rPr lang="en-GB" dirty="0" err="1" smtClean="0"/>
-              <a:t>Ansible</a:t>
-            </a:r>
-            <a:endParaRPr lang="en-GB" dirty="0" smtClean="0"/>
-          </a:p>
-          <a:p>
-            <a:r>
-              <a:rPr lang="en-GB" dirty="0" smtClean="0"/>
-              <a:t>Docker</a:t>
-            </a:r>
-          </a:p>
-          <a:p>
-            <a:r>
-              <a:rPr lang="en-GB" dirty="0" smtClean="0"/>
-              <a:t>Jenkins</a:t>
-            </a:r>
-          </a:p>
-          <a:p>
-            <a:r>
-              <a:rPr lang="en-GB" dirty="0" smtClean="0"/>
-              <a:t>Jira</a:t>
-            </a:r>
-          </a:p>
-          <a:p>
-            <a:r>
-              <a:rPr lang="en-GB" dirty="0" smtClean="0"/>
-              <a:t>Apache-Tomcat</a:t>
-            </a:r>
-          </a:p>
-          <a:p>
-            <a:r>
-              <a:rPr lang="en-GB" dirty="0" err="1" smtClean="0"/>
-              <a:t>Zabbix</a:t>
-            </a:r>
-            <a:endParaRPr lang="en-GB" dirty="0" smtClean="0"/>
-          </a:p>
-          <a:p>
-            <a:r>
-              <a:rPr lang="en-GB" dirty="0" smtClean="0"/>
-              <a:t>Nexus</a:t>
-            </a:r>
-          </a:p>
-          <a:p>
-            <a:r>
-              <a:rPr lang="en-GB" dirty="0" smtClean="0"/>
-              <a:t>Maven</a:t>
-            </a:r>
-          </a:p>
-        </p:txBody>
-      </p:sp>
-      <p:sp>
-        <p:nvSpPr>
-          <p:cNvPr id="4" name="Content Placeholder 3"/>
-          <p:cNvSpPr>
-            <a:spLocks noGrp="1"/>
-          </p:cNvSpPr>
-          <p:nvPr>
-            <p:ph sz="half" idx="2"/>
-          </p:nvPr>
-        </p:nvSpPr>
-        <p:spPr/>
-        <p:txBody>
-          <a:bodyPr/>
-          <a:lstStyle/>
-          <a:p>
-            <a:r>
-              <a:rPr lang="en-GB" dirty="0" smtClean="0"/>
-              <a:t>Slack</a:t>
-            </a:r>
-          </a:p>
-          <a:p>
-            <a:r>
-              <a:rPr lang="en-GB" dirty="0" err="1" smtClean="0"/>
-              <a:t>Trello</a:t>
-            </a:r>
-            <a:endParaRPr lang="en-GB" dirty="0" smtClean="0"/>
-          </a:p>
-          <a:p>
-            <a:r>
-              <a:rPr lang="en-GB" dirty="0" smtClean="0"/>
-              <a:t>GitHub</a:t>
-            </a:r>
-          </a:p>
-          <a:p>
-            <a:r>
-              <a:rPr lang="en-GB" dirty="0" smtClean="0"/>
-              <a:t>Amazon AWS</a:t>
-            </a:r>
-            <a:endParaRPr lang="en-GB" dirty="0"/>
+              <a:t>Artifact</a:t>
+            </a:r>
+            <a:r>
+              <a:rPr lang="en-GB" dirty="0" smtClean="0"/>
+              <a:t> Repository</a:t>
+            </a:r>
+          </a:p>
+          <a:p>
+            <a:r>
+              <a:rPr lang="en-GB" dirty="0" smtClean="0"/>
+              <a:t>Project </a:t>
+            </a:r>
+            <a:r>
+              <a:rPr lang="en-GB" dirty="0"/>
+              <a:t>Tracker</a:t>
+            </a:r>
           </a:p>
         </p:txBody>
       </p:sp>
     </p:spTree>
     <p:extLst>
       <p:ext uri="{BB962C8B-B14F-4D97-AF65-F5344CB8AC3E}">
-        <p14:creationId xmlns:p14="http://schemas.microsoft.com/office/powerpoint/2010/main" val="1817540163"/>
+        <p14:creationId xmlns:p14="http://schemas.microsoft.com/office/powerpoint/2010/main" val="2162456449"/>
+      </p:ext>
+    </p:extLst>
+  </p:cSld>
+  <p:clrMapOvr>
+    <a:masterClrMapping/>
+  </p:clrMapOvr>
+</p:sld>
+</file>
+
+<file path=ppt/slides/slide30.xml><?xml version="1.0" encoding="utf-8"?>
+<p:sld xmlns:a="http://schemas.openxmlformats.org/drawingml/2006/main" xmlns:r="http://schemas.openxmlformats.org/officeDocument/2006/relationships" xmlns:p="http://schemas.openxmlformats.org/presentationml/2006/main">
+  <p:cSld>
+    <p:spTree>
+      <p:nvGrpSpPr>
+        <p:cNvPr id="1" name=""/>
+        <p:cNvGrpSpPr/>
+        <p:nvPr/>
+      </p:nvGrpSpPr>
+      <p:grpSpPr>
+        <a:xfrm>
+          <a:off x="0" y="0"/>
+          <a:ext cx="0" cy="0"/>
+          <a:chOff x="0" y="0"/>
+          <a:chExt cx="0" cy="0"/>
+        </a:xfrm>
+      </p:grpSpPr>
+      <p:sp>
+        <p:nvSpPr>
+          <p:cNvPr id="7" name="Title 6"/>
+          <p:cNvSpPr>
+            <a:spLocks noGrp="1"/>
+          </p:cNvSpPr>
+          <p:nvPr>
+            <p:ph type="title"/>
+          </p:nvPr>
+        </p:nvSpPr>
+        <p:spPr/>
+        <p:txBody>
+          <a:bodyPr/>
+          <a:lstStyle/>
+          <a:p>
+            <a:r>
+              <a:rPr lang="en-GB" dirty="0" smtClean="0"/>
+              <a:t>David’s First Day</a:t>
+            </a:r>
+            <a:endParaRPr lang="en-GB" dirty="0"/>
+          </a:p>
+        </p:txBody>
+      </p:sp>
+      <p:sp>
+        <p:nvSpPr>
+          <p:cNvPr id="8" name="Text Placeholder 7"/>
+          <p:cNvSpPr>
+            <a:spLocks noGrp="1"/>
+          </p:cNvSpPr>
+          <p:nvPr>
+            <p:ph type="body" idx="1"/>
+          </p:nvPr>
+        </p:nvSpPr>
+        <p:spPr/>
+        <p:txBody>
+          <a:bodyPr/>
+          <a:lstStyle/>
+          <a:p>
+            <a:r>
+              <a:rPr lang="en-GB" dirty="0" smtClean="0"/>
+              <a:t>Setup Vagrant</a:t>
+            </a:r>
+            <a:endParaRPr lang="en-GB" dirty="0"/>
+          </a:p>
+        </p:txBody>
+      </p:sp>
+      <p:sp>
+        <p:nvSpPr>
+          <p:cNvPr id="10" name="Text Placeholder 9"/>
+          <p:cNvSpPr>
+            <a:spLocks noGrp="1"/>
+          </p:cNvSpPr>
+          <p:nvPr>
+            <p:ph type="body" sz="half" idx="3"/>
+          </p:nvPr>
+        </p:nvSpPr>
+        <p:spPr/>
+        <p:txBody>
+          <a:bodyPr/>
+          <a:lstStyle/>
+          <a:p>
+            <a:r>
+              <a:rPr lang="en-GB" dirty="0" smtClean="0"/>
+              <a:t>Setup Game of Life</a:t>
+            </a:r>
+            <a:endParaRPr lang="en-GB" dirty="0"/>
+          </a:p>
+        </p:txBody>
+      </p:sp>
+      <p:sp>
+        <p:nvSpPr>
+          <p:cNvPr id="9" name="Content Placeholder 8"/>
+          <p:cNvSpPr>
+            <a:spLocks noGrp="1"/>
+          </p:cNvSpPr>
+          <p:nvPr>
+            <p:ph sz="quarter" idx="2"/>
+          </p:nvPr>
+        </p:nvSpPr>
+        <p:spPr/>
+        <p:txBody>
+          <a:bodyPr>
+            <a:normAutofit/>
+          </a:bodyPr>
+          <a:lstStyle/>
+          <a:p>
+            <a:r>
+              <a:rPr lang="en-GB" dirty="0" err="1" smtClean="0"/>
+              <a:t>sudo</a:t>
+            </a:r>
+            <a:r>
+              <a:rPr lang="en-GB" dirty="0" smtClean="0"/>
+              <a:t> </a:t>
+            </a:r>
+            <a:r>
+              <a:rPr lang="en-GB" dirty="0" err="1" smtClean="0"/>
+              <a:t>dpkg</a:t>
+            </a:r>
+            <a:r>
+              <a:rPr lang="en-GB" dirty="0" smtClean="0"/>
+              <a:t> -</a:t>
+            </a:r>
+            <a:r>
+              <a:rPr lang="en-GB" dirty="0" err="1" smtClean="0"/>
+              <a:t>i</a:t>
+            </a:r>
+            <a:r>
+              <a:rPr lang="en-GB" dirty="0" smtClean="0"/>
+              <a:t> </a:t>
+            </a:r>
+            <a:r>
+              <a:rPr lang="en-GB" dirty="0" err="1" smtClean="0"/>
+              <a:t>jenkins.deb</a:t>
+            </a:r>
+            <a:endParaRPr lang="en-GB" dirty="0" smtClean="0"/>
+          </a:p>
+          <a:p>
+            <a:r>
+              <a:rPr lang="en-GB" dirty="0"/>
+              <a:t>export PATH=/</a:t>
+            </a:r>
+            <a:r>
+              <a:rPr lang="en-GB" dirty="0" smtClean="0"/>
+              <a:t>opt/apache-maven-3.3.9/bin</a:t>
+            </a:r>
+            <a:r>
+              <a:rPr lang="en-GB" dirty="0"/>
+              <a:t>:$</a:t>
+            </a:r>
+            <a:r>
+              <a:rPr lang="en-GB" dirty="0" smtClean="0"/>
+              <a:t>PATH</a:t>
+            </a:r>
+          </a:p>
+          <a:p>
+            <a:r>
+              <a:rPr lang="en-GB" dirty="0" smtClean="0"/>
+              <a:t>Requires </a:t>
+            </a:r>
+            <a:r>
+              <a:rPr lang="en-GB" dirty="0" err="1" smtClean="0"/>
+              <a:t>jre</a:t>
+            </a:r>
+            <a:r>
+              <a:rPr lang="en-GB" dirty="0" smtClean="0"/>
+              <a:t>:</a:t>
+            </a:r>
+          </a:p>
+          <a:p>
+            <a:r>
+              <a:rPr lang="en-GB" dirty="0" err="1" smtClean="0"/>
+              <a:t>sudo</a:t>
+            </a:r>
+            <a:r>
+              <a:rPr lang="en-GB" dirty="0" smtClean="0"/>
+              <a:t> apt install default-</a:t>
+            </a:r>
+            <a:r>
+              <a:rPr lang="en-GB" dirty="0" err="1" smtClean="0"/>
+              <a:t>jre</a:t>
+            </a:r>
+            <a:endParaRPr lang="en-GB" dirty="0" smtClean="0"/>
+          </a:p>
+          <a:p>
+            <a:r>
+              <a:rPr lang="en-GB" dirty="0" err="1" smtClean="0"/>
+              <a:t>sudo</a:t>
+            </a:r>
+            <a:r>
+              <a:rPr lang="en-GB" dirty="0" smtClean="0"/>
+              <a:t> apt install default-</a:t>
+            </a:r>
+            <a:r>
+              <a:rPr lang="en-GB" dirty="0" err="1" smtClean="0"/>
+              <a:t>jdk</a:t>
+            </a:r>
+            <a:endParaRPr lang="en-GB" dirty="0" smtClean="0"/>
+          </a:p>
+          <a:p>
+            <a:endParaRPr lang="en-GB" dirty="0"/>
+          </a:p>
+          <a:p>
+            <a:endParaRPr lang="en-GB" dirty="0"/>
+          </a:p>
+        </p:txBody>
+      </p:sp>
+      <p:sp>
+        <p:nvSpPr>
+          <p:cNvPr id="11" name="Content Placeholder 10"/>
+          <p:cNvSpPr>
+            <a:spLocks noGrp="1"/>
+          </p:cNvSpPr>
+          <p:nvPr>
+            <p:ph sz="quarter" idx="4"/>
+          </p:nvPr>
+        </p:nvSpPr>
+        <p:spPr/>
+        <p:txBody>
+          <a:bodyPr>
+            <a:normAutofit/>
+          </a:bodyPr>
+          <a:lstStyle/>
+          <a:p>
+            <a:r>
+              <a:rPr lang="en-GB" dirty="0" smtClean="0"/>
+              <a:t>git clone https://github.com/wakaleo/game-of-life</a:t>
+            </a:r>
+          </a:p>
+          <a:p>
+            <a:r>
+              <a:rPr lang="en-GB" dirty="0" err="1"/>
+              <a:t>mvn</a:t>
+            </a:r>
+            <a:r>
+              <a:rPr lang="en-GB" dirty="0"/>
+              <a:t> </a:t>
+            </a:r>
+            <a:r>
+              <a:rPr lang="en-GB" dirty="0" smtClean="0"/>
+              <a:t>install</a:t>
+            </a:r>
+          </a:p>
+          <a:p>
+            <a:r>
+              <a:rPr lang="en-GB" dirty="0" err="1"/>
+              <a:t>mvn</a:t>
+            </a:r>
+            <a:r>
+              <a:rPr lang="en-GB" dirty="0"/>
+              <a:t> </a:t>
+            </a:r>
+            <a:r>
+              <a:rPr lang="en-GB" dirty="0" err="1" smtClean="0"/>
+              <a:t>jetty:run</a:t>
+            </a:r>
+            <a:r>
+              <a:rPr lang="en-GB" dirty="0" smtClean="0"/>
+              <a:t> within </a:t>
+            </a:r>
+            <a:r>
+              <a:rPr lang="en-GB" dirty="0" err="1" smtClean="0"/>
+              <a:t>gameoflife</a:t>
+            </a:r>
+            <a:r>
+              <a:rPr lang="en-GB" dirty="0" smtClean="0"/>
+              <a:t>-web directory</a:t>
+            </a:r>
+          </a:p>
+          <a:p>
+            <a:r>
+              <a:rPr lang="en-GB" u="sng" dirty="0">
+                <a:hlinkClick r:id="rId2"/>
+              </a:rPr>
+              <a:t>http://localhost:9090</a:t>
+            </a:r>
+            <a:endParaRPr lang="en-GB" dirty="0" smtClean="0"/>
+          </a:p>
+          <a:p>
+            <a:endParaRPr lang="en-GB" dirty="0"/>
+          </a:p>
+        </p:txBody>
+      </p:sp>
+    </p:spTree>
+    <p:extLst>
+      <p:ext uri="{BB962C8B-B14F-4D97-AF65-F5344CB8AC3E}">
+        <p14:creationId xmlns:p14="http://schemas.microsoft.com/office/powerpoint/2010/main" val="3606934792"/>
+      </p:ext>
+    </p:extLst>
+  </p:cSld>
+  <p:clrMapOvr>
+    <a:masterClrMapping/>
+  </p:clrMapOvr>
+  <p:timing>
+    <p:tnLst>
+      <p:par>
+        <p:cTn id="1" dur="indefinite" restart="never" nodeType="tmRoot"/>
+      </p:par>
+    </p:tnLst>
+  </p:timing>
+</p:sld>
+</file>
+
+<file path=ppt/slides/slide31.xml><?xml version="1.0" encoding="utf-8"?>
+<p:sld xmlns:a="http://schemas.openxmlformats.org/drawingml/2006/main" xmlns:r="http://schemas.openxmlformats.org/officeDocument/2006/relationships" xmlns:p="http://schemas.openxmlformats.org/presentationml/2006/main">
+  <p:cSld>
+    <p:spTree>
+      <p:nvGrpSpPr>
+        <p:cNvPr id="1" name=""/>
+        <p:cNvGrpSpPr/>
+        <p:nvPr/>
+      </p:nvGrpSpPr>
+      <p:grpSpPr>
+        <a:xfrm>
+          <a:off x="0" y="0"/>
+          <a:ext cx="0" cy="0"/>
+          <a:chOff x="0" y="0"/>
+          <a:chExt cx="0" cy="0"/>
+        </a:xfrm>
+      </p:grpSpPr>
+      <p:sp>
+        <p:nvSpPr>
+          <p:cNvPr id="2" name="Title 1"/>
+          <p:cNvSpPr>
+            <a:spLocks noGrp="1"/>
+          </p:cNvSpPr>
+          <p:nvPr>
+            <p:ph type="title"/>
+          </p:nvPr>
+        </p:nvSpPr>
+        <p:spPr/>
+        <p:txBody>
+          <a:bodyPr/>
+          <a:lstStyle/>
+          <a:p>
+            <a:r>
+              <a:rPr lang="en-GB" dirty="0" smtClean="0"/>
+              <a:t>Docker</a:t>
+            </a:r>
+            <a:endParaRPr lang="en-GB" dirty="0"/>
+          </a:p>
+        </p:txBody>
+      </p:sp>
+      <p:sp>
+        <p:nvSpPr>
+          <p:cNvPr id="3" name="Text Placeholder 2"/>
+          <p:cNvSpPr>
+            <a:spLocks noGrp="1"/>
+          </p:cNvSpPr>
+          <p:nvPr>
+            <p:ph type="body" idx="1"/>
+          </p:nvPr>
+        </p:nvSpPr>
+        <p:spPr/>
+        <p:txBody>
+          <a:bodyPr/>
+          <a:lstStyle/>
+          <a:p>
+            <a:r>
+              <a:rPr lang="en-GB" dirty="0" smtClean="0"/>
+              <a:t>Setup</a:t>
+            </a:r>
+            <a:endParaRPr lang="en-GB" dirty="0"/>
+          </a:p>
+        </p:txBody>
+      </p:sp>
+      <p:sp>
+        <p:nvSpPr>
+          <p:cNvPr id="5" name="Text Placeholder 4"/>
+          <p:cNvSpPr>
+            <a:spLocks noGrp="1"/>
+          </p:cNvSpPr>
+          <p:nvPr>
+            <p:ph type="body" sz="half" idx="3"/>
+          </p:nvPr>
+        </p:nvSpPr>
+        <p:spPr/>
+        <p:txBody>
+          <a:bodyPr/>
+          <a:lstStyle/>
+          <a:p>
+            <a:endParaRPr lang="en-GB" dirty="0"/>
+          </a:p>
+        </p:txBody>
+      </p:sp>
+      <p:sp>
+        <p:nvSpPr>
+          <p:cNvPr id="4" name="Content Placeholder 3"/>
+          <p:cNvSpPr>
+            <a:spLocks noGrp="1"/>
+          </p:cNvSpPr>
+          <p:nvPr>
+            <p:ph sz="quarter" idx="2"/>
+          </p:nvPr>
+        </p:nvSpPr>
+        <p:spPr/>
+        <p:txBody>
+          <a:bodyPr/>
+          <a:lstStyle/>
+          <a:p>
+            <a:pPr marL="342900" lvl="1" indent="-342900">
+              <a:buFont typeface="Arial" pitchFamily="34" charset="0"/>
+              <a:buChar char="•"/>
+            </a:pPr>
+            <a:r>
+              <a:rPr lang="en-GB" dirty="0" err="1" smtClean="0"/>
+              <a:t>wget</a:t>
+            </a:r>
+            <a:r>
+              <a:rPr lang="en-GB" dirty="0" smtClean="0"/>
+              <a:t> -</a:t>
+            </a:r>
+            <a:r>
+              <a:rPr lang="en-GB" dirty="0" err="1" smtClean="0"/>
+              <a:t>qO</a:t>
+            </a:r>
+            <a:r>
+              <a:rPr lang="en-GB" dirty="0" smtClean="0"/>
+              <a:t>- https://get.docker.com/ | </a:t>
+            </a:r>
+            <a:r>
+              <a:rPr lang="en-GB" dirty="0" err="1" smtClean="0"/>
+              <a:t>sh</a:t>
+            </a:r>
+            <a:endParaRPr lang="en-GB" dirty="0" smtClean="0"/>
+          </a:p>
+          <a:p>
+            <a:pPr marL="342900" lvl="1" indent="-342900">
+              <a:buFont typeface="Arial" pitchFamily="34" charset="0"/>
+              <a:buChar char="•"/>
+            </a:pPr>
+            <a:r>
+              <a:rPr lang="en-GB" dirty="0" err="1" smtClean="0"/>
+              <a:t>sudo</a:t>
+            </a:r>
+            <a:r>
+              <a:rPr lang="en-GB" dirty="0" smtClean="0"/>
+              <a:t> </a:t>
+            </a:r>
+            <a:r>
+              <a:rPr lang="en-GB" dirty="0" err="1" smtClean="0"/>
+              <a:t>usermod</a:t>
+            </a:r>
+            <a:r>
+              <a:rPr lang="en-GB" dirty="0" smtClean="0"/>
+              <a:t> -</a:t>
+            </a:r>
+            <a:r>
+              <a:rPr lang="en-GB" dirty="0" err="1" smtClean="0"/>
+              <a:t>aG</a:t>
+            </a:r>
+            <a:r>
+              <a:rPr lang="en-GB" dirty="0" smtClean="0"/>
+              <a:t> </a:t>
+            </a:r>
+            <a:r>
+              <a:rPr lang="en-GB" dirty="0" err="1" smtClean="0"/>
+              <a:t>docker</a:t>
+            </a:r>
+            <a:r>
+              <a:rPr lang="en-GB" dirty="0" smtClean="0"/>
+              <a:t> </a:t>
+            </a:r>
+            <a:r>
+              <a:rPr lang="en-GB" dirty="0" err="1" smtClean="0"/>
+              <a:t>ubuntu</a:t>
+            </a:r>
+            <a:endParaRPr lang="en-GB" dirty="0"/>
+          </a:p>
+          <a:p>
+            <a:pPr marL="342900" lvl="1" indent="-342900">
+              <a:buFont typeface="Arial" pitchFamily="34" charset="0"/>
+              <a:buChar char="•"/>
+            </a:pPr>
+            <a:r>
+              <a:rPr lang="en-GB" dirty="0" smtClean="0"/>
+              <a:t>Logout of instance</a:t>
+            </a:r>
+          </a:p>
+          <a:p>
+            <a:pPr marL="342900" lvl="1" indent="-342900">
+              <a:buFont typeface="Arial" pitchFamily="34" charset="0"/>
+              <a:buChar char="•"/>
+            </a:pPr>
+            <a:r>
+              <a:rPr lang="en-GB" dirty="0" err="1" smtClean="0"/>
+              <a:t>sudo</a:t>
+            </a:r>
+            <a:r>
+              <a:rPr lang="en-GB" dirty="0" smtClean="0"/>
+              <a:t> service </a:t>
+            </a:r>
+            <a:r>
+              <a:rPr lang="en-GB" dirty="0" err="1" smtClean="0"/>
+              <a:t>docker</a:t>
+            </a:r>
+            <a:r>
+              <a:rPr lang="en-GB" dirty="0" smtClean="0"/>
+              <a:t> restart</a:t>
+            </a:r>
+          </a:p>
+          <a:p>
+            <a:pPr marL="342900" lvl="1" indent="-342900">
+              <a:buFont typeface="Arial" pitchFamily="34" charset="0"/>
+              <a:buChar char="•"/>
+            </a:pPr>
+            <a:r>
+              <a:rPr lang="en-GB" dirty="0" err="1" smtClean="0"/>
+              <a:t>docker</a:t>
+            </a:r>
+            <a:r>
+              <a:rPr lang="en-GB" dirty="0" smtClean="0"/>
+              <a:t> pull </a:t>
+            </a:r>
+            <a:r>
+              <a:rPr lang="en-GB" dirty="0" err="1" smtClean="0"/>
+              <a:t>jenkins</a:t>
+            </a:r>
+            <a:endParaRPr lang="en-GB" dirty="0" smtClean="0"/>
+          </a:p>
+        </p:txBody>
+      </p:sp>
+      <p:pic>
+        <p:nvPicPr>
+          <p:cNvPr id="7" name="Content Placeholder 6"/>
+          <p:cNvPicPr>
+            <a:picLocks noGrp="1" noChangeAspect="1"/>
+          </p:cNvPicPr>
+          <p:nvPr>
+            <p:ph sz="quarter" idx="4"/>
+          </p:nvPr>
+        </p:nvPicPr>
+        <p:blipFill>
+          <a:blip r:embed="rId2" cstate="print">
+            <a:extLst>
+              <a:ext uri="{28A0092B-C50C-407E-A947-70E740481C1C}">
+                <a14:useLocalDpi xmlns:a14="http://schemas.microsoft.com/office/drawing/2010/main" val="0"/>
+              </a:ext>
+            </a:extLst>
+          </a:blip>
+          <a:stretch>
+            <a:fillRect/>
+          </a:stretch>
+        </p:blipFill>
+        <p:spPr>
+          <a:xfrm>
+            <a:off x="4645025" y="2634878"/>
+            <a:ext cx="4041775" cy="3605956"/>
+          </a:xfrm>
+        </p:spPr>
+      </p:pic>
+    </p:spTree>
+    <p:extLst>
+      <p:ext uri="{BB962C8B-B14F-4D97-AF65-F5344CB8AC3E}">
+        <p14:creationId xmlns:p14="http://schemas.microsoft.com/office/powerpoint/2010/main" val="1615349142"/>
+      </p:ext>
+    </p:extLst>
+  </p:cSld>
+  <p:clrMapOvr>
+    <a:masterClrMapping/>
+  </p:clrMapOvr>
+  <p:timing>
+    <p:tnLst>
+      <p:par>
+        <p:cTn id="1" dur="indefinite" restart="never" nodeType="tmRoot"/>
+      </p:par>
+    </p:tnLst>
+  </p:timing>
+</p:sld>
+</file>
+
+<file path=ppt/slides/slide32.xml><?xml version="1.0" encoding="utf-8"?>
+<p:sld xmlns:a="http://schemas.openxmlformats.org/drawingml/2006/main" xmlns:r="http://schemas.openxmlformats.org/officeDocument/2006/relationships" xmlns:p="http://schemas.openxmlformats.org/presentationml/2006/main">
+  <p:cSld>
+    <p:spTree>
+      <p:nvGrpSpPr>
+        <p:cNvPr id="1" name=""/>
+        <p:cNvGrpSpPr/>
+        <p:nvPr/>
+      </p:nvGrpSpPr>
+      <p:grpSpPr>
+        <a:xfrm>
+          <a:off x="0" y="0"/>
+          <a:ext cx="0" cy="0"/>
+          <a:chOff x="0" y="0"/>
+          <a:chExt cx="0" cy="0"/>
+        </a:xfrm>
+      </p:grpSpPr>
+      <p:sp>
+        <p:nvSpPr>
+          <p:cNvPr id="2" name="Title 1"/>
+          <p:cNvSpPr>
+            <a:spLocks noGrp="1"/>
+          </p:cNvSpPr>
+          <p:nvPr>
+            <p:ph type="title"/>
+          </p:nvPr>
+        </p:nvSpPr>
+        <p:spPr/>
+        <p:txBody>
+          <a:bodyPr/>
+          <a:lstStyle/>
+          <a:p>
+            <a:r>
+              <a:rPr lang="en-GB" dirty="0" smtClean="0"/>
+              <a:t>Useful Links</a:t>
+            </a:r>
+            <a:endParaRPr lang="en-GB" dirty="0"/>
+          </a:p>
+        </p:txBody>
+      </p:sp>
+      <p:sp>
+        <p:nvSpPr>
+          <p:cNvPr id="3" name="Text Placeholder 2"/>
+          <p:cNvSpPr>
+            <a:spLocks noGrp="1"/>
+          </p:cNvSpPr>
+          <p:nvPr>
+            <p:ph type="body" idx="1"/>
+          </p:nvPr>
+        </p:nvSpPr>
+        <p:spPr/>
+        <p:txBody>
+          <a:bodyPr/>
+          <a:lstStyle/>
+          <a:p>
+            <a:endParaRPr lang="en-GB"/>
+          </a:p>
+        </p:txBody>
+      </p:sp>
+      <p:sp>
+        <p:nvSpPr>
+          <p:cNvPr id="5" name="Text Placeholder 4"/>
+          <p:cNvSpPr>
+            <a:spLocks noGrp="1"/>
+          </p:cNvSpPr>
+          <p:nvPr>
+            <p:ph type="body" sz="half" idx="3"/>
+          </p:nvPr>
+        </p:nvSpPr>
+        <p:spPr/>
+        <p:txBody>
+          <a:bodyPr/>
+          <a:lstStyle/>
+          <a:p>
+            <a:endParaRPr lang="en-GB"/>
+          </a:p>
+        </p:txBody>
+      </p:sp>
+      <p:sp>
+        <p:nvSpPr>
+          <p:cNvPr id="4" name="Content Placeholder 3"/>
+          <p:cNvSpPr>
+            <a:spLocks noGrp="1"/>
+          </p:cNvSpPr>
+          <p:nvPr>
+            <p:ph sz="quarter" idx="2"/>
+          </p:nvPr>
+        </p:nvSpPr>
+        <p:spPr/>
+        <p:txBody>
+          <a:bodyPr/>
+          <a:lstStyle/>
+          <a:p>
+            <a:r>
+              <a:rPr lang="en-GB" dirty="0" smtClean="0">
+                <a:hlinkClick r:id="rId2"/>
+              </a:rPr>
+              <a:t>https://maven.apache.org/install.html</a:t>
+            </a:r>
+            <a:endParaRPr lang="en-GB" dirty="0" smtClean="0"/>
+          </a:p>
+          <a:p>
+            <a:r>
+              <a:rPr lang="en-GB" dirty="0" smtClean="0">
+                <a:hlinkClick r:id="rId3"/>
+              </a:rPr>
+              <a:t>https://github.com/wakaleo/game-of-life</a:t>
+            </a:r>
+            <a:endParaRPr lang="en-GB" dirty="0" smtClean="0"/>
+          </a:p>
+          <a:p>
+            <a:r>
+              <a:rPr lang="en-GB" dirty="0"/>
+              <a:t>https://github.com/ansible/ansible-examples</a:t>
+            </a:r>
+          </a:p>
+        </p:txBody>
+      </p:sp>
+      <p:sp>
+        <p:nvSpPr>
+          <p:cNvPr id="6" name="Content Placeholder 5"/>
+          <p:cNvSpPr>
+            <a:spLocks noGrp="1"/>
+          </p:cNvSpPr>
+          <p:nvPr>
+            <p:ph sz="quarter" idx="4"/>
+          </p:nvPr>
+        </p:nvSpPr>
+        <p:spPr/>
+        <p:txBody>
+          <a:bodyPr/>
+          <a:lstStyle/>
+          <a:p>
+            <a:endParaRPr lang="en-GB"/>
+          </a:p>
+        </p:txBody>
+      </p:sp>
+    </p:spTree>
+    <p:extLst>
+      <p:ext uri="{BB962C8B-B14F-4D97-AF65-F5344CB8AC3E}">
+        <p14:creationId xmlns:p14="http://schemas.microsoft.com/office/powerpoint/2010/main" val="4220772593"/>
       </p:ext>
     </p:extLst>
   </p:cSld>
@@ -9943,9 +11498,589 @@
           <a:lstStyle/>
           <a:p>
             <a:r>
+              <a:rPr lang="en-GB" dirty="0" smtClean="0"/>
+              <a:t>Tools Used in this Project</a:t>
+            </a:r>
+            <a:endParaRPr lang="en-GB" dirty="0"/>
+          </a:p>
+        </p:txBody>
+      </p:sp>
+      <p:graphicFrame>
+        <p:nvGraphicFramePr>
+          <p:cNvPr id="5" name="Content Placeholder 4"/>
+          <p:cNvGraphicFramePr>
+            <a:graphicFrameLocks noGrp="1"/>
+          </p:cNvGraphicFramePr>
+          <p:nvPr>
+            <p:ph idx="1"/>
+            <p:extLst>
+              <p:ext uri="{D42A27DB-BD31-4B8C-83A1-F6EECF244321}">
+                <p14:modId xmlns:p14="http://schemas.microsoft.com/office/powerpoint/2010/main" val="2259406763"/>
+              </p:ext>
+            </p:extLst>
+          </p:nvPr>
+        </p:nvGraphicFramePr>
+        <p:xfrm>
+          <a:off x="457200" y="1935163"/>
+          <a:ext cx="8229600" cy="2595880"/>
+        </p:xfrm>
+        <a:graphic>
+          <a:graphicData uri="http://schemas.openxmlformats.org/drawingml/2006/table">
+            <a:tbl>
+              <a:tblPr firstRow="1" bandRow="1">
+                <a:tableStyleId>{5C22544A-7EE6-4342-B048-85BDC9FD1C3A}</a:tableStyleId>
+              </a:tblPr>
+              <a:tblGrid>
+                <a:gridCol w="4114800"/>
+                <a:gridCol w="4114800"/>
+              </a:tblGrid>
+              <a:tr h="370840">
+                <a:tc>
+                  <a:txBody>
+                    <a:bodyPr/>
+                    <a:lstStyle/>
+                    <a:p>
+                      <a:pPr algn="ctr"/>
+                      <a:r>
+                        <a:rPr lang="en-GB" dirty="0" smtClean="0"/>
+                        <a:t>Part of Pipeline</a:t>
+                      </a:r>
+                      <a:endParaRPr lang="en-GB" dirty="0"/>
+                    </a:p>
+                  </a:txBody>
+                  <a:tcPr/>
+                </a:tc>
+                <a:tc>
+                  <a:txBody>
+                    <a:bodyPr/>
+                    <a:lstStyle/>
+                    <a:p>
+                      <a:pPr algn="ctr"/>
+                      <a:r>
+                        <a:rPr lang="en-GB" dirty="0" smtClean="0"/>
+                        <a:t>Application</a:t>
+                      </a:r>
+                      <a:endParaRPr lang="en-GB" dirty="0"/>
+                    </a:p>
+                  </a:txBody>
+                  <a:tcPr/>
+                </a:tc>
+              </a:tr>
+              <a:tr h="370840">
+                <a:tc>
+                  <a:txBody>
+                    <a:bodyPr/>
+                    <a:lstStyle/>
+                    <a:p>
+                      <a:pPr algn="ctr"/>
+                      <a:r>
+                        <a:rPr lang="en-GB" dirty="0" smtClean="0"/>
+                        <a:t>CI Tool</a:t>
+                      </a:r>
+                      <a:endParaRPr lang="en-GB" dirty="0"/>
+                    </a:p>
+                  </a:txBody>
+                  <a:tcPr/>
+                </a:tc>
+                <a:tc>
+                  <a:txBody>
+                    <a:bodyPr/>
+                    <a:lstStyle/>
+                    <a:p>
+                      <a:pPr algn="ctr"/>
+                      <a:r>
+                        <a:rPr lang="en-GB" dirty="0" smtClean="0"/>
+                        <a:t>Jenkins</a:t>
+                      </a:r>
+                      <a:endParaRPr lang="en-GB" dirty="0"/>
+                    </a:p>
+                  </a:txBody>
+                  <a:tcPr/>
+                </a:tc>
+              </a:tr>
+              <a:tr h="370840">
+                <a:tc>
+                  <a:txBody>
+                    <a:bodyPr/>
+                    <a:lstStyle/>
+                    <a:p>
+                      <a:pPr marL="0" marR="0" indent="0" algn="ctr" defTabSz="914400" rtl="0" eaLnBrk="1" fontAlgn="auto" latinLnBrk="0" hangingPunct="1">
+                        <a:lnSpc>
+                          <a:spcPct val="100000"/>
+                        </a:lnSpc>
+                        <a:spcBef>
+                          <a:spcPts val="0"/>
+                        </a:spcBef>
+                        <a:spcAft>
+                          <a:spcPts val="0"/>
+                        </a:spcAft>
+                        <a:buClrTx/>
+                        <a:buSzTx/>
+                        <a:buFontTx/>
+                        <a:buNone/>
+                        <a:tabLst/>
+                        <a:defRPr/>
+                      </a:pPr>
+                      <a:r>
+                        <a:rPr lang="en-GB" dirty="0" smtClean="0"/>
+                        <a:t>Code Review Tool</a:t>
+                      </a:r>
+                    </a:p>
+                  </a:txBody>
+                  <a:tcPr/>
+                </a:tc>
+                <a:tc>
+                  <a:txBody>
+                    <a:bodyPr/>
+                    <a:lstStyle/>
+                    <a:p>
+                      <a:pPr algn="ctr"/>
+                      <a:r>
+                        <a:rPr lang="en-GB" dirty="0" smtClean="0"/>
+                        <a:t>Git</a:t>
+                      </a:r>
+                      <a:endParaRPr lang="en-GB" dirty="0"/>
+                    </a:p>
+                  </a:txBody>
+                  <a:tcPr/>
+                </a:tc>
+              </a:tr>
+              <a:tr h="370840">
+                <a:tc>
+                  <a:txBody>
+                    <a:bodyPr/>
+                    <a:lstStyle/>
+                    <a:p>
+                      <a:pPr marL="0" marR="0" indent="0" algn="ctr" defTabSz="914400" rtl="0" eaLnBrk="1" fontAlgn="auto" latinLnBrk="0" hangingPunct="1">
+                        <a:lnSpc>
+                          <a:spcPct val="100000"/>
+                        </a:lnSpc>
+                        <a:spcBef>
+                          <a:spcPts val="0"/>
+                        </a:spcBef>
+                        <a:spcAft>
+                          <a:spcPts val="0"/>
+                        </a:spcAft>
+                        <a:buClrTx/>
+                        <a:buSzTx/>
+                        <a:buFontTx/>
+                        <a:buNone/>
+                        <a:tabLst/>
+                        <a:defRPr/>
+                      </a:pPr>
+                      <a:r>
+                        <a:rPr lang="en-GB" dirty="0" smtClean="0"/>
+                        <a:t>Build Management Tool</a:t>
+                      </a:r>
+                    </a:p>
+                  </a:txBody>
+                  <a:tcPr/>
+                </a:tc>
+                <a:tc>
+                  <a:txBody>
+                    <a:bodyPr/>
+                    <a:lstStyle/>
+                    <a:p>
+                      <a:pPr algn="ctr"/>
+                      <a:r>
+                        <a:rPr lang="en-GB" dirty="0" smtClean="0"/>
+                        <a:t>Maven</a:t>
+                      </a:r>
+                      <a:endParaRPr lang="en-GB" dirty="0"/>
+                    </a:p>
+                  </a:txBody>
+                  <a:tcPr/>
+                </a:tc>
+              </a:tr>
+              <a:tr h="370840">
+                <a:tc>
+                  <a:txBody>
+                    <a:bodyPr/>
+                    <a:lstStyle/>
+                    <a:p>
+                      <a:pPr marL="0" marR="0" indent="0" algn="ctr" defTabSz="914400" rtl="0" eaLnBrk="1" fontAlgn="auto" latinLnBrk="0" hangingPunct="1">
+                        <a:lnSpc>
+                          <a:spcPct val="100000"/>
+                        </a:lnSpc>
+                        <a:spcBef>
+                          <a:spcPts val="0"/>
+                        </a:spcBef>
+                        <a:spcAft>
+                          <a:spcPts val="0"/>
+                        </a:spcAft>
+                        <a:buClrTx/>
+                        <a:buSzTx/>
+                        <a:buFontTx/>
+                        <a:buNone/>
+                        <a:tabLst/>
+                        <a:defRPr/>
+                      </a:pPr>
+                      <a:r>
+                        <a:rPr lang="en-GB" dirty="0" smtClean="0"/>
+                        <a:t>Monitoring Tool</a:t>
+                      </a:r>
+                    </a:p>
+                  </a:txBody>
+                  <a:tcPr/>
+                </a:tc>
+                <a:tc>
+                  <a:txBody>
+                    <a:bodyPr/>
+                    <a:lstStyle/>
+                    <a:p>
+                      <a:pPr algn="ctr"/>
+                      <a:r>
+                        <a:rPr lang="en-GB" dirty="0" err="1" smtClean="0"/>
+                        <a:t>Zabbix</a:t>
+                      </a:r>
+                      <a:endParaRPr lang="en-GB" dirty="0"/>
+                    </a:p>
+                  </a:txBody>
+                  <a:tcPr/>
+                </a:tc>
+              </a:tr>
+              <a:tr h="370840">
+                <a:tc>
+                  <a:txBody>
+                    <a:bodyPr/>
+                    <a:lstStyle/>
+                    <a:p>
+                      <a:pPr marL="0" marR="0" indent="0" algn="ctr" defTabSz="914400" rtl="0" eaLnBrk="1" fontAlgn="auto" latinLnBrk="0" hangingPunct="1">
+                        <a:lnSpc>
+                          <a:spcPct val="100000"/>
+                        </a:lnSpc>
+                        <a:spcBef>
+                          <a:spcPts val="0"/>
+                        </a:spcBef>
+                        <a:spcAft>
+                          <a:spcPts val="0"/>
+                        </a:spcAft>
+                        <a:buClrTx/>
+                        <a:buSzTx/>
+                        <a:buFontTx/>
+                        <a:buNone/>
+                        <a:tabLst/>
+                        <a:defRPr/>
+                      </a:pPr>
+                      <a:r>
+                        <a:rPr lang="en-GB" dirty="0" err="1" smtClean="0"/>
+                        <a:t>Artifact</a:t>
+                      </a:r>
+                      <a:r>
+                        <a:rPr lang="en-GB" dirty="0" smtClean="0"/>
+                        <a:t> Repository</a:t>
+                      </a:r>
+                    </a:p>
+                  </a:txBody>
+                  <a:tcPr/>
+                </a:tc>
+                <a:tc>
+                  <a:txBody>
+                    <a:bodyPr/>
+                    <a:lstStyle/>
+                    <a:p>
+                      <a:pPr algn="ctr"/>
+                      <a:r>
+                        <a:rPr lang="en-GB" dirty="0" smtClean="0"/>
+                        <a:t>Nexus</a:t>
+                      </a:r>
+                      <a:endParaRPr lang="en-GB" dirty="0"/>
+                    </a:p>
+                  </a:txBody>
+                  <a:tcPr/>
+                </a:tc>
+              </a:tr>
+              <a:tr h="370840">
+                <a:tc>
+                  <a:txBody>
+                    <a:bodyPr/>
+                    <a:lstStyle/>
+                    <a:p>
+                      <a:pPr marL="0" marR="0" indent="0" algn="ctr" defTabSz="914400" rtl="0" eaLnBrk="1" fontAlgn="auto" latinLnBrk="0" hangingPunct="1">
+                        <a:lnSpc>
+                          <a:spcPct val="100000"/>
+                        </a:lnSpc>
+                        <a:spcBef>
+                          <a:spcPts val="0"/>
+                        </a:spcBef>
+                        <a:spcAft>
+                          <a:spcPts val="0"/>
+                        </a:spcAft>
+                        <a:buClrTx/>
+                        <a:buSzTx/>
+                        <a:buFontTx/>
+                        <a:buNone/>
+                        <a:tabLst/>
+                        <a:defRPr/>
+                      </a:pPr>
+                      <a:r>
+                        <a:rPr lang="en-GB" dirty="0" smtClean="0"/>
+                        <a:t>Project Tracker</a:t>
+                      </a:r>
+                    </a:p>
+                  </a:txBody>
+                  <a:tcPr/>
+                </a:tc>
+                <a:tc>
+                  <a:txBody>
+                    <a:bodyPr/>
+                    <a:lstStyle/>
+                    <a:p>
+                      <a:pPr algn="ctr"/>
+                      <a:r>
+                        <a:rPr lang="en-GB" dirty="0" smtClean="0"/>
+                        <a:t>Jira</a:t>
+                      </a:r>
+                      <a:endParaRPr lang="en-GB" dirty="0"/>
+                    </a:p>
+                  </a:txBody>
+                  <a:tcPr/>
+                </a:tc>
+              </a:tr>
+            </a:tbl>
+          </a:graphicData>
+        </a:graphic>
+      </p:graphicFrame>
+    </p:spTree>
+    <p:extLst>
+      <p:ext uri="{BB962C8B-B14F-4D97-AF65-F5344CB8AC3E}">
+        <p14:creationId xmlns:p14="http://schemas.microsoft.com/office/powerpoint/2010/main" val="674021090"/>
+      </p:ext>
+    </p:extLst>
+  </p:cSld>
+  <p:clrMapOvr>
+    <a:masterClrMapping/>
+  </p:clrMapOvr>
+</p:sld>
+</file>
+
+<file path=ppt/slides/slide5.xml><?xml version="1.0" encoding="utf-8"?>
+<p:sld xmlns:a="http://schemas.openxmlformats.org/drawingml/2006/main" xmlns:r="http://schemas.openxmlformats.org/officeDocument/2006/relationships" xmlns:p="http://schemas.openxmlformats.org/presentationml/2006/main">
+  <p:cSld>
+    <p:spTree>
+      <p:nvGrpSpPr>
+        <p:cNvPr id="1" name=""/>
+        <p:cNvGrpSpPr/>
+        <p:nvPr/>
+      </p:nvGrpSpPr>
+      <p:grpSpPr>
+        <a:xfrm>
+          <a:off x="0" y="0"/>
+          <a:ext cx="0" cy="0"/>
+          <a:chOff x="0" y="0"/>
+          <a:chExt cx="0" cy="0"/>
+        </a:xfrm>
+      </p:grpSpPr>
+      <p:sp>
+        <p:nvSpPr>
+          <p:cNvPr id="2" name="Title 1"/>
+          <p:cNvSpPr>
+            <a:spLocks noGrp="1"/>
+          </p:cNvSpPr>
+          <p:nvPr>
+            <p:ph type="title"/>
+          </p:nvPr>
+        </p:nvSpPr>
+        <p:spPr/>
+        <p:txBody>
+          <a:bodyPr/>
+          <a:lstStyle/>
+          <a:p>
+            <a:r>
+              <a:rPr lang="en-GB" dirty="0" smtClean="0"/>
+              <a:t>Other Tools </a:t>
+            </a:r>
+            <a:r>
+              <a:rPr lang="en-GB" dirty="0" smtClean="0"/>
+              <a:t>Used in this Project</a:t>
+            </a:r>
+            <a:endParaRPr lang="en-GB" dirty="0"/>
+          </a:p>
+        </p:txBody>
+      </p:sp>
+      <p:sp>
+        <p:nvSpPr>
+          <p:cNvPr id="5" name="Text Placeholder 4"/>
+          <p:cNvSpPr>
+            <a:spLocks noGrp="1"/>
+          </p:cNvSpPr>
+          <p:nvPr>
+            <p:ph type="body" idx="1"/>
+          </p:nvPr>
+        </p:nvSpPr>
+        <p:spPr/>
+        <p:txBody>
+          <a:bodyPr/>
+          <a:lstStyle/>
+          <a:p>
+            <a:r>
+              <a:rPr lang="en-GB" dirty="0" smtClean="0"/>
+              <a:t>Deployment</a:t>
+            </a:r>
+            <a:endParaRPr lang="en-GB" dirty="0"/>
+          </a:p>
+        </p:txBody>
+      </p:sp>
+      <p:sp>
+        <p:nvSpPr>
+          <p:cNvPr id="6" name="Text Placeholder 5"/>
+          <p:cNvSpPr>
+            <a:spLocks noGrp="1"/>
+          </p:cNvSpPr>
+          <p:nvPr>
+            <p:ph type="body" sz="half" idx="3"/>
+          </p:nvPr>
+        </p:nvSpPr>
+        <p:spPr/>
+        <p:txBody>
+          <a:bodyPr/>
+          <a:lstStyle/>
+          <a:p>
+            <a:r>
+              <a:rPr lang="en-GB" dirty="0" smtClean="0"/>
+              <a:t>Setup</a:t>
+            </a:r>
+            <a:endParaRPr lang="en-GB" dirty="0"/>
+          </a:p>
+        </p:txBody>
+      </p:sp>
+      <p:sp>
+        <p:nvSpPr>
+          <p:cNvPr id="3" name="Content Placeholder 2"/>
+          <p:cNvSpPr>
+            <a:spLocks noGrp="1"/>
+          </p:cNvSpPr>
+          <p:nvPr>
+            <p:ph sz="quarter" idx="2"/>
+          </p:nvPr>
+        </p:nvSpPr>
+        <p:spPr/>
+        <p:txBody>
+          <a:bodyPr numCol="1"/>
+          <a:lstStyle/>
+          <a:p>
+            <a:r>
+              <a:rPr lang="en-GB" dirty="0" err="1" smtClean="0"/>
+              <a:t>Ansible</a:t>
+            </a:r>
+            <a:endParaRPr lang="en-GB" dirty="0" smtClean="0"/>
+          </a:p>
+          <a:p>
+            <a:r>
+              <a:rPr lang="en-GB" dirty="0" smtClean="0"/>
+              <a:t>Docker</a:t>
+            </a:r>
+            <a:endParaRPr lang="en-GB" dirty="0" smtClean="0"/>
+          </a:p>
+          <a:p>
+            <a:r>
+              <a:rPr lang="en-GB" dirty="0" smtClean="0"/>
+              <a:t>Tomcat</a:t>
+            </a:r>
+          </a:p>
+          <a:p>
+            <a:r>
+              <a:rPr lang="en-GB" dirty="0"/>
+              <a:t>Amazon AWS</a:t>
+            </a:r>
+          </a:p>
+          <a:p>
+            <a:endParaRPr lang="en-GB" dirty="0" smtClean="0"/>
+          </a:p>
+        </p:txBody>
+      </p:sp>
+      <p:sp>
+        <p:nvSpPr>
+          <p:cNvPr id="4" name="Content Placeholder 3"/>
+          <p:cNvSpPr>
+            <a:spLocks noGrp="1"/>
+          </p:cNvSpPr>
+          <p:nvPr>
+            <p:ph sz="quarter" idx="4"/>
+          </p:nvPr>
+        </p:nvSpPr>
+        <p:spPr/>
+        <p:txBody>
+          <a:bodyPr/>
+          <a:lstStyle/>
+          <a:p>
+            <a:r>
+              <a:rPr lang="en-GB" dirty="0" smtClean="0"/>
+              <a:t>Slack</a:t>
+            </a:r>
+          </a:p>
+          <a:p>
+            <a:r>
               <a:rPr lang="en-GB" dirty="0" err="1" smtClean="0"/>
               <a:t>Trello</a:t>
             </a:r>
+            <a:endParaRPr lang="en-GB" dirty="0" smtClean="0"/>
+          </a:p>
+          <a:p>
+            <a:r>
+              <a:rPr lang="en-GB" dirty="0" smtClean="0"/>
+              <a:t>GitHub</a:t>
+            </a:r>
+            <a:endParaRPr lang="en-GB" dirty="0" smtClean="0"/>
+          </a:p>
+        </p:txBody>
+      </p:sp>
+    </p:spTree>
+    <p:extLst>
+      <p:ext uri="{BB962C8B-B14F-4D97-AF65-F5344CB8AC3E}">
+        <p14:creationId xmlns:p14="http://schemas.microsoft.com/office/powerpoint/2010/main" val="1817540163"/>
+      </p:ext>
+    </p:extLst>
+  </p:cSld>
+  <p:clrMapOvr>
+    <a:masterClrMapping/>
+  </p:clrMapOvr>
+  <p:timing>
+    <p:tnLst>
+      <p:par>
+        <p:cTn id="1" dur="indefinite" restart="never" nodeType="tmRoot"/>
+      </p:par>
+    </p:tnLst>
+  </p:timing>
+</p:sld>
+</file>
+
+<file path=ppt/slides/slide6.xml><?xml version="1.0" encoding="utf-8"?>
+<p:sld xmlns:a="http://schemas.openxmlformats.org/drawingml/2006/main" xmlns:r="http://schemas.openxmlformats.org/officeDocument/2006/relationships" xmlns:p="http://schemas.openxmlformats.org/presentationml/2006/main">
+  <p:cSld>
+    <p:spTree>
+      <p:nvGrpSpPr>
+        <p:cNvPr id="1" name=""/>
+        <p:cNvGrpSpPr/>
+        <p:nvPr/>
+      </p:nvGrpSpPr>
+      <p:grpSpPr>
+        <a:xfrm>
+          <a:off x="0" y="0"/>
+          <a:ext cx="0" cy="0"/>
+          <a:chOff x="0" y="0"/>
+          <a:chExt cx="0" cy="0"/>
+        </a:xfrm>
+      </p:grpSpPr>
+      <p:sp>
+        <p:nvSpPr>
+          <p:cNvPr id="2" name="Title 1"/>
+          <p:cNvSpPr>
+            <a:spLocks noGrp="1"/>
+          </p:cNvSpPr>
+          <p:nvPr>
+            <p:ph type="title"/>
+          </p:nvPr>
+        </p:nvSpPr>
+        <p:spPr/>
+        <p:txBody>
+          <a:bodyPr/>
+          <a:lstStyle/>
+          <a:p>
+            <a:r>
+              <a:rPr lang="en-GB" dirty="0" err="1" smtClean="0"/>
+              <a:t>Trello</a:t>
+            </a:r>
             <a:endParaRPr lang="en-GB" dirty="0"/>
           </a:p>
         </p:txBody>
@@ -9960,7 +12095,12 @@
             <p:ph sz="half" idx="1"/>
           </p:nvPr>
         </p:nvSpPr>
-        <p:spPr/>
+        <p:spPr>
+          <a:xfrm>
+            <a:off x="457200" y="1920085"/>
+            <a:ext cx="8147248" cy="1220883"/>
+          </a:xfrm>
+        </p:spPr>
         <p:txBody>
           <a:bodyPr/>
           <a:lstStyle/>
@@ -9982,25 +12122,35 @@
           </a:p>
         </p:txBody>
       </p:sp>
-      <p:sp>
-        <p:nvSpPr>
-          <p:cNvPr id="12" name="Content Placeholder 11"/>
-          <p:cNvSpPr>
-            <a:spLocks noGrp="1"/>
-          </p:cNvSpPr>
+      <p:pic>
+        <p:nvPicPr>
+          <p:cNvPr id="3" name="Content Placeholder 2"/>
+          <p:cNvPicPr>
+            <a:picLocks noGrp="1" noChangeAspect="1"/>
+          </p:cNvPicPr>
           <p:nvPr>
             <p:ph sz="half" idx="2"/>
           </p:nvPr>
-        </p:nvSpPr>
-        <p:spPr/>
-        <p:txBody>
-          <a:bodyPr/>
-          <a:lstStyle/>
-          <a:p>
-            <a:endParaRPr lang="en-GB" dirty="0"/>
-          </a:p>
-        </p:txBody>
-      </p:sp>
+        </p:nvPicPr>
+        <p:blipFill>
+          <a:blip r:embed="rId2" cstate="print">
+            <a:extLst>
+              <a:ext uri="{28A0092B-C50C-407E-A947-70E740481C1C}">
+                <a14:useLocalDpi xmlns:a14="http://schemas.microsoft.com/office/drawing/2010/main" val="0"/>
+              </a:ext>
+            </a:extLst>
+          </a:blip>
+          <a:stretch>
+            <a:fillRect/>
+          </a:stretch>
+        </p:blipFill>
+        <p:spPr>
+          <a:xfrm>
+            <a:off x="1547664" y="3068960"/>
+            <a:ext cx="6126832" cy="3446342"/>
+          </a:xfrm>
+        </p:spPr>
+      </p:pic>
     </p:spTree>
     <p:extLst>
       <p:ext uri="{BB962C8B-B14F-4D97-AF65-F5344CB8AC3E}">
@@ -10021,7 +12171,7 @@
 </p:sld>
 </file>
 
-<file path=ppt/slides/slide5.xml><?xml version="1.0" encoding="utf-8"?>
+<file path=ppt/slides/slide7.xml><?xml version="1.0" encoding="utf-8"?>
 <p:sld xmlns:a="http://schemas.openxmlformats.org/drawingml/2006/main" xmlns:r="http://schemas.openxmlformats.org/officeDocument/2006/relationships" xmlns:p="http://schemas.openxmlformats.org/presentationml/2006/main">
   <p:cSld>
     <p:spTree>
@@ -10111,6 +12261,12 @@
             <a:r>
               <a:rPr lang="en-GB" dirty="0" smtClean="0"/>
               <a:t>)</a:t>
+            </a:r>
+          </a:p>
+          <a:p>
+            <a:r>
+              <a:rPr lang="en-GB" dirty="0" smtClean="0"/>
+              <a:t>Notification Support</a:t>
             </a:r>
             <a:endParaRPr lang="en-GB" dirty="0"/>
           </a:p>
@@ -10165,7 +12321,7 @@
 </p:sld>
 </file>
 
-<file path=ppt/slides/slide6.xml><?xml version="1.0" encoding="utf-8"?>
+<file path=ppt/slides/slide8.xml><?xml version="1.0" encoding="utf-8"?>
 <p:sld xmlns:a="http://schemas.openxmlformats.org/drawingml/2006/main" xmlns:r="http://schemas.openxmlformats.org/officeDocument/2006/relationships" xmlns:p="http://schemas.openxmlformats.org/presentationml/2006/main">
   <p:cSld>
     <p:spTree>
@@ -10235,7 +12391,7 @@
           </p:nvPr>
         </p:nvPicPr>
         <p:blipFill>
-          <a:blip r:embed="rId2">
+          <a:blip r:embed="rId3">
             <a:extLst>
               <a:ext uri="{28A0092B-C50C-407E-A947-70E740481C1C}">
                 <a14:useLocalDpi xmlns:a14="http://schemas.microsoft.com/office/drawing/2010/main" val="0"/>
@@ -10269,257 +12425,6 @@
 </p:sld>
 </file>
 
-<file path=ppt/slides/slide7.xml><?xml version="1.0" encoding="utf-8"?>
-<p:sld xmlns:a="http://schemas.openxmlformats.org/drawingml/2006/main" xmlns:r="http://schemas.openxmlformats.org/officeDocument/2006/relationships" xmlns:p="http://schemas.openxmlformats.org/presentationml/2006/main">
-  <p:cSld>
-    <p:spTree>
-      <p:nvGrpSpPr>
-        <p:cNvPr id="1" name=""/>
-        <p:cNvGrpSpPr/>
-        <p:nvPr/>
-      </p:nvGrpSpPr>
-      <p:grpSpPr>
-        <a:xfrm>
-          <a:off x="0" y="0"/>
-          <a:ext cx="0" cy="0"/>
-          <a:chOff x="0" y="0"/>
-          <a:chExt cx="0" cy="0"/>
-        </a:xfrm>
-      </p:grpSpPr>
-      <p:sp>
-        <p:nvSpPr>
-          <p:cNvPr id="8" name="Title 7"/>
-          <p:cNvSpPr>
-            <a:spLocks noGrp="1"/>
-          </p:cNvSpPr>
-          <p:nvPr>
-            <p:ph type="title"/>
-          </p:nvPr>
-        </p:nvSpPr>
-        <p:spPr/>
-        <p:txBody>
-          <a:bodyPr/>
-          <a:lstStyle/>
-          <a:p>
-            <a:r>
-              <a:rPr lang="en-GB" dirty="0" smtClean="0"/>
-              <a:t>Git/GitHub</a:t>
-            </a:r>
-            <a:endParaRPr lang="en-GB" dirty="0"/>
-          </a:p>
-        </p:txBody>
-      </p:sp>
-      <p:sp>
-        <p:nvSpPr>
-          <p:cNvPr id="9" name="Content Placeholder 8"/>
-          <p:cNvSpPr>
-            <a:spLocks noGrp="1"/>
-          </p:cNvSpPr>
-          <p:nvPr>
-            <p:ph idx="1"/>
-          </p:nvPr>
-        </p:nvSpPr>
-        <p:spPr/>
-        <p:txBody>
-          <a:bodyPr/>
-          <a:lstStyle/>
-          <a:p>
-            <a:r>
-              <a:rPr lang="en-GB" dirty="0" smtClean="0"/>
-              <a:t>Git is a Version Control Tool</a:t>
-            </a:r>
-          </a:p>
-          <a:p>
-            <a:r>
-              <a:rPr lang="en-GB" dirty="0" smtClean="0"/>
-              <a:t>GitHub is a Repository Tool integrated with Git</a:t>
-            </a:r>
-          </a:p>
-          <a:p>
-            <a:r>
-              <a:rPr lang="en-GB" dirty="0" err="1" smtClean="0"/>
-              <a:t>sudo</a:t>
-            </a:r>
-            <a:r>
-              <a:rPr lang="en-GB" dirty="0" smtClean="0"/>
-              <a:t> apt install git (for </a:t>
-            </a:r>
-            <a:r>
-              <a:rPr lang="en-GB" dirty="0" err="1" smtClean="0"/>
-              <a:t>Debian</a:t>
-            </a:r>
-            <a:r>
-              <a:rPr lang="en-GB" dirty="0" smtClean="0"/>
-              <a:t>-based </a:t>
-            </a:r>
-            <a:r>
-              <a:rPr lang="en-GB" dirty="0" err="1" smtClean="0"/>
-              <a:t>distros</a:t>
-            </a:r>
-            <a:r>
-              <a:rPr lang="en-GB" dirty="0" smtClean="0"/>
-              <a:t>)</a:t>
-            </a:r>
-          </a:p>
-          <a:p>
-            <a:r>
-              <a:rPr lang="en-GB" dirty="0" smtClean="0"/>
-              <a:t>Merged Repository for this Project: https</a:t>
-            </a:r>
-            <a:r>
-              <a:rPr lang="en-GB" dirty="0"/>
-              <a:t>://</a:t>
-            </a:r>
-            <a:r>
-              <a:rPr lang="en-GB" dirty="0" smtClean="0"/>
-              <a:t>github.com/JMurph9/Team2CIProject</a:t>
-            </a:r>
-            <a:endParaRPr lang="en-GB" dirty="0"/>
-          </a:p>
-        </p:txBody>
-      </p:sp>
-    </p:spTree>
-    <p:extLst>
-      <p:ext uri="{BB962C8B-B14F-4D97-AF65-F5344CB8AC3E}">
-        <p14:creationId xmlns:p14="http://schemas.microsoft.com/office/powerpoint/2010/main" val="3664326247"/>
-      </p:ext>
-    </p:extLst>
-  </p:cSld>
-  <p:clrMapOvr>
-    <a:masterClrMapping/>
-  </p:clrMapOvr>
-  <p:timing>
-    <p:tnLst>
-      <p:par>
-        <p:cTn id="1" dur="indefinite" restart="never" nodeType="tmRoot"/>
-      </p:par>
-    </p:tnLst>
-  </p:timing>
-</p:sld>
-</file>
-
-<file path=ppt/slides/slide8.xml><?xml version="1.0" encoding="utf-8"?>
-<p:sld xmlns:a="http://schemas.openxmlformats.org/drawingml/2006/main" xmlns:r="http://schemas.openxmlformats.org/officeDocument/2006/relationships" xmlns:p="http://schemas.openxmlformats.org/presentationml/2006/main">
-  <p:cSld>
-    <p:spTree>
-      <p:nvGrpSpPr>
-        <p:cNvPr id="1" name=""/>
-        <p:cNvGrpSpPr/>
-        <p:nvPr/>
-      </p:nvGrpSpPr>
-      <p:grpSpPr>
-        <a:xfrm>
-          <a:off x="0" y="0"/>
-          <a:ext cx="0" cy="0"/>
-          <a:chOff x="0" y="0"/>
-          <a:chExt cx="0" cy="0"/>
-        </a:xfrm>
-      </p:grpSpPr>
-      <p:sp>
-        <p:nvSpPr>
-          <p:cNvPr id="2" name="Title 1"/>
-          <p:cNvSpPr>
-            <a:spLocks noGrp="1"/>
-          </p:cNvSpPr>
-          <p:nvPr>
-            <p:ph type="title"/>
-          </p:nvPr>
-        </p:nvSpPr>
-        <p:spPr/>
-        <p:txBody>
-          <a:bodyPr/>
-          <a:lstStyle/>
-          <a:p>
-            <a:r>
-              <a:rPr lang="en-GB" dirty="0" smtClean="0"/>
-              <a:t>GitHub Page</a:t>
-            </a:r>
-            <a:endParaRPr lang="en-GB" dirty="0"/>
-          </a:p>
-        </p:txBody>
-      </p:sp>
-      <p:sp>
-        <p:nvSpPr>
-          <p:cNvPr id="3" name="Content Placeholder 2"/>
-          <p:cNvSpPr>
-            <a:spLocks noGrp="1"/>
-          </p:cNvSpPr>
-          <p:nvPr>
-            <p:ph sz="half" idx="1"/>
-          </p:nvPr>
-        </p:nvSpPr>
-        <p:spPr/>
-        <p:txBody>
-          <a:bodyPr/>
-          <a:lstStyle/>
-          <a:p>
-            <a:r>
-              <a:rPr lang="en-GB" dirty="0" smtClean="0"/>
-              <a:t>README.md</a:t>
-            </a:r>
-          </a:p>
-          <a:p>
-            <a:r>
-              <a:rPr lang="en-GB" dirty="0"/>
-              <a:t>Merged Repository for this Project: </a:t>
-            </a:r>
-            <a:r>
-              <a:rPr lang="en-GB" dirty="0" smtClean="0"/>
-              <a:t>https://github.com/JMurph9/Team2CIProject</a:t>
-            </a:r>
-            <a:endParaRPr lang="en-GB" dirty="0"/>
-          </a:p>
-        </p:txBody>
-      </p:sp>
-      <p:pic>
-        <p:nvPicPr>
-          <p:cNvPr id="7" name="Content Placeholder 6"/>
-          <p:cNvPicPr>
-            <a:picLocks noGrp="1" noChangeAspect="1"/>
-          </p:cNvPicPr>
-          <p:nvPr>
-            <p:ph sz="half" idx="2"/>
-          </p:nvPr>
-        </p:nvPicPr>
-        <p:blipFill>
-          <a:blip r:embed="rId2">
-            <a:extLst>
-              <a:ext uri="{28A0092B-C50C-407E-A947-70E740481C1C}">
-                <a14:useLocalDpi xmlns:a14="http://schemas.microsoft.com/office/drawing/2010/main" val="0"/>
-              </a:ext>
-            </a:extLst>
-          </a:blip>
-          <a:stretch>
-            <a:fillRect/>
-          </a:stretch>
-        </p:blipFill>
-        <p:spPr>
-          <a:xfrm>
-            <a:off x="4806080" y="1920875"/>
-            <a:ext cx="3722840" cy="4433888"/>
-          </a:xfrm>
-        </p:spPr>
-      </p:pic>
-    </p:spTree>
-    <p:extLst>
-      <p:ext uri="{BB962C8B-B14F-4D97-AF65-F5344CB8AC3E}">
-        <p14:creationId xmlns:p14="http://schemas.microsoft.com/office/powerpoint/2010/main" val="3430357341"/>
-      </p:ext>
-    </p:extLst>
-  </p:cSld>
-  <p:clrMapOvr>
-    <a:masterClrMapping/>
-  </p:clrMapOvr>
-  <p:timing>
-    <p:tnLst>
-      <p:par>
-        <p:cTn id="1" dur="indefinite" restart="never" nodeType="tmRoot"/>
-      </p:par>
-    </p:tnLst>
-  </p:timing>
-</p:sld>
-</file>
-
 <file path=ppt/slides/slide9.xml><?xml version="1.0" encoding="utf-8"?>
 <p:sld xmlns:a="http://schemas.openxmlformats.org/drawingml/2006/main" xmlns:r="http://schemas.openxmlformats.org/officeDocument/2006/relationships" xmlns:p="http://schemas.openxmlformats.org/presentationml/2006/main">
   <p:cSld>
@@ -10539,7 +12444,7 @@
       </p:grpSpPr>
       <p:sp>
         <p:nvSpPr>
-          <p:cNvPr id="2" name="Title 1"/>
+          <p:cNvPr id="8" name="Title 7"/>
           <p:cNvSpPr>
             <a:spLocks noGrp="1"/>
           </p:cNvSpPr>
@@ -10554,7 +12459,7 @@
           <a:p>
             <a:r>
               <a:rPr lang="en-GB" dirty="0" smtClean="0"/>
-              <a:t>CI Pipeline</a:t>
+              <a:t>Git/GitHub</a:t>
             </a:r>
             <a:endParaRPr lang="en-GB" dirty="0"/>
           </a:p>
@@ -10562,12 +12467,12 @@
       </p:sp>
       <p:sp>
         <p:nvSpPr>
-          <p:cNvPr id="6" name="Text Placeholder 5"/>
-          <p:cNvSpPr>
-            <a:spLocks noGrp="1"/>
-          </p:cNvSpPr>
-          <p:nvPr>
-            <p:ph type="body" idx="2"/>
+          <p:cNvPr id="9" name="Content Placeholder 8"/>
+          <p:cNvSpPr>
+            <a:spLocks noGrp="1"/>
+          </p:cNvSpPr>
+          <p:nvPr>
+            <p:ph idx="1"/>
           </p:nvPr>
         </p:nvSpPr>
         <p:spPr/>
@@ -10577,85 +12482,62 @@
           <a:p>
             <a:r>
               <a:rPr lang="en-GB" dirty="0" smtClean="0"/>
-              <a:t>Git</a:t>
-            </a:r>
-          </a:p>
-          <a:p>
-            <a:r>
-              <a:rPr lang="en-GB" dirty="0" smtClean="0"/>
-              <a:t>Jenkins</a:t>
+              <a:t>Git is a Version Control Tool</a:t>
+            </a:r>
+          </a:p>
+          <a:p>
+            <a:r>
+              <a:rPr lang="en-GB" dirty="0" smtClean="0"/>
+              <a:t>GitHub is a Repository Tool integrated with Git</a:t>
+            </a:r>
+          </a:p>
+          <a:p>
+            <a:r>
+              <a:rPr lang="en-GB" dirty="0" err="1" smtClean="0"/>
+              <a:t>sudo</a:t>
+            </a:r>
+            <a:r>
+              <a:rPr lang="en-GB" dirty="0" smtClean="0"/>
+              <a:t> apt install git (for </a:t>
+            </a:r>
+            <a:r>
+              <a:rPr lang="en-GB" dirty="0" err="1" smtClean="0"/>
+              <a:t>Debian</a:t>
+            </a:r>
+            <a:r>
+              <a:rPr lang="en-GB" dirty="0" smtClean="0"/>
+              <a:t>-based </a:t>
+            </a:r>
+            <a:r>
+              <a:rPr lang="en-GB" dirty="0" err="1" smtClean="0"/>
+              <a:t>distros</a:t>
+            </a:r>
+            <a:r>
+              <a:rPr lang="en-GB" dirty="0" smtClean="0"/>
+              <a:t>)</a:t>
+            </a:r>
+          </a:p>
+          <a:p>
+            <a:r>
+              <a:rPr lang="en-GB" dirty="0" smtClean="0"/>
+              <a:t>Merged Repository for this Project: https</a:t>
+            </a:r>
+            <a:r>
+              <a:rPr lang="en-GB" dirty="0"/>
+              <a:t>://</a:t>
+            </a:r>
+            <a:r>
+              <a:rPr lang="en-GB" dirty="0" smtClean="0"/>
+              <a:t>github.com/JMurph9/Team2CIProject</a:t>
             </a:r>
             <a:endParaRPr lang="en-GB" dirty="0"/>
           </a:p>
-          <a:p>
-            <a:r>
-              <a:rPr lang="en-GB" dirty="0"/>
-              <a:t>Jira</a:t>
-            </a:r>
-          </a:p>
-          <a:p>
-            <a:r>
-              <a:rPr lang="en-GB" dirty="0"/>
-              <a:t>Apache-Tomcat</a:t>
-            </a:r>
-          </a:p>
-          <a:p>
-            <a:r>
-              <a:rPr lang="en-GB" dirty="0" err="1"/>
-              <a:t>Zabbix</a:t>
-            </a:r>
-            <a:endParaRPr lang="en-GB" dirty="0"/>
-          </a:p>
-          <a:p>
-            <a:r>
-              <a:rPr lang="en-GB" dirty="0"/>
-              <a:t>Nexus</a:t>
-            </a:r>
-          </a:p>
-          <a:p>
-            <a:r>
-              <a:rPr lang="en-GB" dirty="0"/>
-              <a:t>Maven</a:t>
-            </a:r>
-          </a:p>
-          <a:p>
-            <a:endParaRPr lang="en-GB" dirty="0"/>
-          </a:p>
-        </p:txBody>
-      </p:sp>
-      <p:pic>
-        <p:nvPicPr>
-          <p:cNvPr id="8" name="Content Placeholder 7"/>
-          <p:cNvPicPr>
-            <a:picLocks noGrp="1" noChangeAspect="1"/>
-          </p:cNvPicPr>
-          <p:nvPr>
-            <p:ph sz="half" idx="1"/>
-          </p:nvPr>
-        </p:nvPicPr>
-        <p:blipFill>
-          <a:blip r:embed="rId2" cstate="print">
-            <a:extLst>
-              <a:ext uri="{28A0092B-C50C-407E-A947-70E740481C1C}">
-                <a14:useLocalDpi xmlns:a14="http://schemas.microsoft.com/office/drawing/2010/main" val="0"/>
-              </a:ext>
-            </a:extLst>
-          </a:blip>
-          <a:stretch>
-            <a:fillRect/>
-          </a:stretch>
-        </p:blipFill>
-        <p:spPr>
-          <a:xfrm>
-            <a:off x="2402725" y="1700809"/>
-            <a:ext cx="6284075" cy="3812030"/>
-          </a:xfrm>
-        </p:spPr>
-      </p:pic>
+        </p:txBody>
+      </p:sp>
     </p:spTree>
     <p:extLst>
       <p:ext uri="{BB962C8B-B14F-4D97-AF65-F5344CB8AC3E}">
-        <p14:creationId xmlns:p14="http://schemas.microsoft.com/office/powerpoint/2010/main" val="1815669209"/>
+        <p14:creationId xmlns:p14="http://schemas.microsoft.com/office/powerpoint/2010/main" val="3664326247"/>
       </p:ext>
     </p:extLst>
   </p:cSld>

--- a/Presentation.pptx
+++ b/Presentation.pptx
@@ -7038,14 +7038,14 @@
             <p:ph idx="1"/>
             <p:extLst>
               <p:ext uri="{D42A27DB-BD31-4B8C-83A1-F6EECF244321}">
-                <p14:modId xmlns:p14="http://schemas.microsoft.com/office/powerpoint/2010/main" val="107549633"/>
+                <p14:modId xmlns:p14="http://schemas.microsoft.com/office/powerpoint/2010/main" val="600288787"/>
               </p:ext>
             </p:extLst>
           </p:nvPr>
         </p:nvGraphicFramePr>
         <p:xfrm>
           <a:off x="457200" y="1935163"/>
-          <a:ext cx="8229600" cy="2763520"/>
+          <a:ext cx="8229600" cy="3307080"/>
         </p:xfrm>
         <a:graphic>
           <a:graphicData uri="http://schemas.openxmlformats.org/drawingml/2006/table">
@@ -7117,7 +7117,15 @@
                       </a:r>
                       <a:r>
                         <a:rPr lang="en-GB" baseline="0" dirty="0" smtClean="0"/>
-                        <a:t> Chart</a:t>
+                        <a:t> Chart. Lead SCRUM meetings. Made all diagrams. Worked with Bradley on </a:t>
+                      </a:r>
+                      <a:r>
+                        <a:rPr lang="en-GB" baseline="0" dirty="0" err="1" smtClean="0"/>
+                        <a:t>Ansible</a:t>
+                      </a:r>
+                      <a:r>
+                        <a:rPr lang="en-GB" baseline="0" smtClean="0"/>
+                        <a:t> script</a:t>
                       </a:r>
                       <a:endParaRPr lang="en-GB" dirty="0"/>
                     </a:p>
@@ -7353,15 +7361,7 @@
           <a:p>
             <a:r>
               <a:rPr lang="en-GB" dirty="0" smtClean="0"/>
-              <a:t>The </a:t>
-            </a:r>
-            <a:r>
-              <a:rPr lang="en-GB" smtClean="0"/>
-              <a:t>correct etiquette </a:t>
-            </a:r>
-            <a:r>
-              <a:rPr lang="en-GB" dirty="0" smtClean="0"/>
-              <a:t>for a SCRUM meeting.</a:t>
+              <a:t>The correct etiquette for a SCRUM meeting.</a:t>
             </a:r>
             <a:endParaRPr lang="en-GB" dirty="0"/>
           </a:p>

--- a/Presentation.pptx
+++ b/Presentation.pptx
@@ -5,7 +5,7 @@
     <p:sldMasterId id="2147483720" r:id="rId1"/>
   </p:sldMasterIdLst>
   <p:notesMasterIdLst>
-    <p:notesMasterId r:id="rId34"/>
+    <p:notesMasterId r:id="rId35"/>
   </p:notesMasterIdLst>
   <p:sldIdLst>
     <p:sldId id="263" r:id="rId2"/>
@@ -31,15 +31,16 @@
     <p:sldId id="261" r:id="rId22"/>
     <p:sldId id="260" r:id="rId23"/>
     <p:sldId id="269" r:id="rId24"/>
-    <p:sldId id="287" r:id="rId25"/>
-    <p:sldId id="288" r:id="rId26"/>
-    <p:sldId id="285" r:id="rId27"/>
-    <p:sldId id="284" r:id="rId28"/>
-    <p:sldId id="282" r:id="rId29"/>
-    <p:sldId id="270" r:id="rId30"/>
-    <p:sldId id="256" r:id="rId31"/>
-    <p:sldId id="258" r:id="rId32"/>
-    <p:sldId id="257" r:id="rId33"/>
+    <p:sldId id="289" r:id="rId25"/>
+    <p:sldId id="287" r:id="rId26"/>
+    <p:sldId id="288" r:id="rId27"/>
+    <p:sldId id="285" r:id="rId28"/>
+    <p:sldId id="284" r:id="rId29"/>
+    <p:sldId id="282" r:id="rId30"/>
+    <p:sldId id="270" r:id="rId31"/>
+    <p:sldId id="256" r:id="rId32"/>
+    <p:sldId id="258" r:id="rId33"/>
+    <p:sldId id="257" r:id="rId34"/>
   </p:sldIdLst>
   <p:sldSz cx="9144000" cy="6858000" type="screen4x3"/>
   <p:notesSz cx="6858000" cy="9144000"/>
@@ -1185,7 +1186,7 @@
           <a:p>
             <a:fld id="{664D53A8-991C-4D1C-8325-58A7A490CFFF}" type="slidenum">
               <a:rPr lang="en-GB" smtClean="0"/>
-              <a:t>28</a:t>
+              <a:t>29</a:t>
             </a:fld>
             <a:endParaRPr lang="en-GB"/>
           </a:p>
@@ -6780,6 +6781,14 @@
           <a:bodyPr/>
           <a:lstStyle/>
           <a:p>
+            <a:r>
+              <a:rPr lang="en-GB" dirty="0" err="1" smtClean="0"/>
+              <a:t>Artifact</a:t>
+            </a:r>
+            <a:r>
+              <a:rPr lang="en-GB" dirty="0" smtClean="0"/>
+              <a:t> Tool</a:t>
+            </a:r>
             <a:endParaRPr lang="en-GB" dirty="0"/>
           </a:p>
         </p:txBody>
@@ -6837,6 +6846,82 @@
           <a:lstStyle/>
           <a:p>
             <a:r>
+              <a:rPr lang="en-GB" dirty="0" err="1" smtClean="0"/>
+              <a:t>Zabbix</a:t>
+            </a:r>
+            <a:endParaRPr lang="en-GB" dirty="0"/>
+          </a:p>
+        </p:txBody>
+      </p:sp>
+      <p:sp>
+        <p:nvSpPr>
+          <p:cNvPr id="3" name="Content Placeholder 2"/>
+          <p:cNvSpPr>
+            <a:spLocks noGrp="1"/>
+          </p:cNvSpPr>
+          <p:nvPr>
+            <p:ph idx="1"/>
+          </p:nvPr>
+        </p:nvSpPr>
+        <p:spPr/>
+        <p:txBody>
+          <a:bodyPr/>
+          <a:lstStyle/>
+          <a:p>
+            <a:r>
+              <a:rPr lang="en-GB" dirty="0" smtClean="0"/>
+              <a:t>No GUI</a:t>
+            </a:r>
+            <a:endParaRPr lang="en-GB" dirty="0"/>
+          </a:p>
+        </p:txBody>
+      </p:sp>
+    </p:spTree>
+    <p:extLst>
+      <p:ext uri="{BB962C8B-B14F-4D97-AF65-F5344CB8AC3E}">
+        <p14:creationId xmlns:p14="http://schemas.microsoft.com/office/powerpoint/2010/main" val="1717524617"/>
+      </p:ext>
+    </p:extLst>
+  </p:cSld>
+  <p:clrMapOvr>
+    <a:masterClrMapping/>
+  </p:clrMapOvr>
+</p:sld>
+</file>
+
+<file path=ppt/slides/slide25.xml><?xml version="1.0" encoding="utf-8"?>
+<p:sld xmlns:a="http://schemas.openxmlformats.org/drawingml/2006/main" xmlns:r="http://schemas.openxmlformats.org/officeDocument/2006/relationships" xmlns:p="http://schemas.openxmlformats.org/presentationml/2006/main">
+  <p:cSld>
+    <p:spTree>
+      <p:nvGrpSpPr>
+        <p:cNvPr id="1" name=""/>
+        <p:cNvGrpSpPr/>
+        <p:nvPr/>
+      </p:nvGrpSpPr>
+      <p:grpSpPr>
+        <a:xfrm>
+          <a:off x="0" y="0"/>
+          <a:ext cx="0" cy="0"/>
+          <a:chOff x="0" y="0"/>
+          <a:chExt cx="0" cy="0"/>
+        </a:xfrm>
+      </p:grpSpPr>
+      <p:sp>
+        <p:nvSpPr>
+          <p:cNvPr id="2" name="Title 1"/>
+          <p:cNvSpPr>
+            <a:spLocks noGrp="1"/>
+          </p:cNvSpPr>
+          <p:nvPr>
+            <p:ph type="title"/>
+          </p:nvPr>
+        </p:nvSpPr>
+        <p:spPr/>
+        <p:txBody>
+          <a:bodyPr/>
+          <a:lstStyle/>
+          <a:p>
+            <a:r>
               <a:rPr lang="en-GB" dirty="0"/>
               <a:t>How </a:t>
             </a:r>
@@ -6907,7 +6992,7 @@
 </p:sld>
 </file>
 
-<file path=ppt/slides/slide25.xml><?xml version="1.0" encoding="utf-8"?>
+<file path=ppt/slides/slide26.xml><?xml version="1.0" encoding="utf-8"?>
 <p:sld xmlns:a="http://schemas.openxmlformats.org/drawingml/2006/main" xmlns:r="http://schemas.openxmlformats.org/officeDocument/2006/relationships" xmlns:p="http://schemas.openxmlformats.org/presentationml/2006/main">
   <p:cSld>
     <p:spTree>
@@ -6989,7 +7074,7 @@
 </p:sld>
 </file>
 
-<file path=ppt/slides/slide26.xml><?xml version="1.0" encoding="utf-8"?>
+<file path=ppt/slides/slide27.xml><?xml version="1.0" encoding="utf-8"?>
 <p:sld xmlns:a="http://schemas.openxmlformats.org/drawingml/2006/main" xmlns:r="http://schemas.openxmlformats.org/officeDocument/2006/relationships" xmlns:p="http://schemas.openxmlformats.org/presentationml/2006/main">
   <p:cSld>
     <p:spTree>
@@ -7124,7 +7209,7 @@
                         <a:t>Ansible</a:t>
                       </a:r>
                       <a:r>
-                        <a:rPr lang="en-GB" baseline="0" smtClean="0"/>
+                        <a:rPr lang="en-GB" baseline="0" dirty="0" smtClean="0"/>
                         <a:t> script</a:t>
                       </a:r>
                       <a:endParaRPr lang="en-GB" dirty="0"/>
@@ -7294,92 +7379,6 @@
 </p:sld>
 </file>
 
-<file path=ppt/slides/slide27.xml><?xml version="1.0" encoding="utf-8"?>
-<p:sld xmlns:a="http://schemas.openxmlformats.org/drawingml/2006/main" xmlns:r="http://schemas.openxmlformats.org/officeDocument/2006/relationships" xmlns:p="http://schemas.openxmlformats.org/presentationml/2006/main">
-  <p:cSld>
-    <p:spTree>
-      <p:nvGrpSpPr>
-        <p:cNvPr id="1" name=""/>
-        <p:cNvGrpSpPr/>
-        <p:nvPr/>
-      </p:nvGrpSpPr>
-      <p:grpSpPr>
-        <a:xfrm>
-          <a:off x="0" y="0"/>
-          <a:ext cx="0" cy="0"/>
-          <a:chOff x="0" y="0"/>
-          <a:chExt cx="0" cy="0"/>
-        </a:xfrm>
-      </p:grpSpPr>
-      <p:sp>
-        <p:nvSpPr>
-          <p:cNvPr id="2" name="Title 1"/>
-          <p:cNvSpPr>
-            <a:spLocks noGrp="1"/>
-          </p:cNvSpPr>
-          <p:nvPr>
-            <p:ph type="title"/>
-          </p:nvPr>
-        </p:nvSpPr>
-        <p:spPr/>
-        <p:txBody>
-          <a:bodyPr/>
-          <a:lstStyle/>
-          <a:p>
-            <a:r>
-              <a:rPr lang="en-GB" dirty="0" smtClean="0"/>
-              <a:t>Conclusion</a:t>
-            </a:r>
-            <a:endParaRPr lang="en-GB" dirty="0"/>
-          </a:p>
-        </p:txBody>
-      </p:sp>
-      <p:sp>
-        <p:nvSpPr>
-          <p:cNvPr id="3" name="Content Placeholder 2"/>
-          <p:cNvSpPr>
-            <a:spLocks noGrp="1"/>
-          </p:cNvSpPr>
-          <p:nvPr>
-            <p:ph idx="1"/>
-          </p:nvPr>
-        </p:nvSpPr>
-        <p:spPr/>
-        <p:txBody>
-          <a:bodyPr/>
-          <a:lstStyle/>
-          <a:p>
-            <a:r>
-              <a:rPr lang="en-GB" dirty="0"/>
-              <a:t>Summarise what went well, what did not, what you’d do the next time</a:t>
-            </a:r>
-            <a:r>
-              <a:rPr lang="en-GB" dirty="0" smtClean="0"/>
-              <a:t>.</a:t>
-            </a:r>
-          </a:p>
-          <a:p>
-            <a:r>
-              <a:rPr lang="en-GB" dirty="0" smtClean="0"/>
-              <a:t>The correct etiquette for a SCRUM meeting.</a:t>
-            </a:r>
-            <a:endParaRPr lang="en-GB" dirty="0"/>
-          </a:p>
-        </p:txBody>
-      </p:sp>
-    </p:spTree>
-    <p:extLst>
-      <p:ext uri="{BB962C8B-B14F-4D97-AF65-F5344CB8AC3E}">
-        <p14:creationId xmlns:p14="http://schemas.microsoft.com/office/powerpoint/2010/main" val="892365887"/>
-      </p:ext>
-    </p:extLst>
-  </p:cSld>
-  <p:clrMapOvr>
-    <a:masterClrMapping/>
-  </p:clrMapOvr>
-</p:sld>
-</file>
-
 <file path=ppt/slides/slide28.xml><?xml version="1.0" encoding="utf-8"?>
 <p:sld xmlns:a="http://schemas.openxmlformats.org/drawingml/2006/main" xmlns:r="http://schemas.openxmlformats.org/officeDocument/2006/relationships" xmlns:p="http://schemas.openxmlformats.org/presentationml/2006/main">
   <p:cSld>
@@ -7404,6 +7403,98 @@
             <a:spLocks noGrp="1"/>
           </p:cNvSpPr>
           <p:nvPr>
+            <p:ph type="title"/>
+          </p:nvPr>
+        </p:nvSpPr>
+        <p:spPr/>
+        <p:txBody>
+          <a:bodyPr/>
+          <a:lstStyle/>
+          <a:p>
+            <a:r>
+              <a:rPr lang="en-GB" dirty="0" smtClean="0"/>
+              <a:t>Conclusion</a:t>
+            </a:r>
+            <a:endParaRPr lang="en-GB" dirty="0"/>
+          </a:p>
+        </p:txBody>
+      </p:sp>
+      <p:sp>
+        <p:nvSpPr>
+          <p:cNvPr id="3" name="Content Placeholder 2"/>
+          <p:cNvSpPr>
+            <a:spLocks noGrp="1"/>
+          </p:cNvSpPr>
+          <p:nvPr>
+            <p:ph idx="1"/>
+          </p:nvPr>
+        </p:nvSpPr>
+        <p:spPr/>
+        <p:txBody>
+          <a:bodyPr/>
+          <a:lstStyle/>
+          <a:p>
+            <a:r>
+              <a:rPr lang="en-GB" dirty="0"/>
+              <a:t>Summarise what went well, what did not, what you’d do the next time</a:t>
+            </a:r>
+            <a:r>
+              <a:rPr lang="en-GB" dirty="0" smtClean="0"/>
+              <a:t>.</a:t>
+            </a:r>
+          </a:p>
+          <a:p>
+            <a:r>
+              <a:rPr lang="en-GB" dirty="0" smtClean="0"/>
+              <a:t>The correct etiquette for a SCRUM meeting.</a:t>
+            </a:r>
+          </a:p>
+          <a:p>
+            <a:r>
+              <a:rPr lang="en-GB" dirty="0" smtClean="0"/>
+              <a:t>Makes me re-think Puppet Quest</a:t>
+            </a:r>
+            <a:endParaRPr lang="en-GB" dirty="0"/>
+          </a:p>
+        </p:txBody>
+      </p:sp>
+    </p:spTree>
+    <p:extLst>
+      <p:ext uri="{BB962C8B-B14F-4D97-AF65-F5344CB8AC3E}">
+        <p14:creationId xmlns:p14="http://schemas.microsoft.com/office/powerpoint/2010/main" val="892365887"/>
+      </p:ext>
+    </p:extLst>
+  </p:cSld>
+  <p:clrMapOvr>
+    <a:masterClrMapping/>
+  </p:clrMapOvr>
+</p:sld>
+</file>
+
+<file path=ppt/slides/slide29.xml><?xml version="1.0" encoding="utf-8"?>
+<p:sld xmlns:a="http://schemas.openxmlformats.org/drawingml/2006/main" xmlns:r="http://schemas.openxmlformats.org/officeDocument/2006/relationships" xmlns:p="http://schemas.openxmlformats.org/presentationml/2006/main">
+  <p:cSld>
+    <p:spTree>
+      <p:nvGrpSpPr>
+        <p:cNvPr id="1" name=""/>
+        <p:cNvGrpSpPr/>
+        <p:nvPr/>
+      </p:nvGrpSpPr>
+      <p:grpSpPr>
+        <a:xfrm>
+          <a:off x="0" y="0"/>
+          <a:ext cx="0" cy="0"/>
+          <a:chOff x="0" y="0"/>
+          <a:chExt cx="0" cy="0"/>
+        </a:xfrm>
+      </p:grpSpPr>
+      <p:sp>
+        <p:nvSpPr>
+          <p:cNvPr id="2" name="Title 1"/>
+          <p:cNvSpPr>
+            <a:spLocks noGrp="1"/>
+          </p:cNvSpPr>
+          <p:nvPr>
             <p:ph type="ctrTitle"/>
           </p:nvPr>
         </p:nvSpPr>
@@ -7452,7 +7543,136 @@
 </p:sld>
 </file>
 
-<file path=ppt/slides/slide29.xml><?xml version="1.0" encoding="utf-8"?>
+<file path=ppt/slides/slide3.xml><?xml version="1.0" encoding="utf-8"?>
+<p:sld xmlns:a="http://schemas.openxmlformats.org/drawingml/2006/main" xmlns:r="http://schemas.openxmlformats.org/officeDocument/2006/relationships" xmlns:p="http://schemas.openxmlformats.org/presentationml/2006/main">
+  <p:cSld>
+    <p:spTree>
+      <p:nvGrpSpPr>
+        <p:cNvPr id="1" name=""/>
+        <p:cNvGrpSpPr/>
+        <p:nvPr/>
+      </p:nvGrpSpPr>
+      <p:grpSpPr>
+        <a:xfrm>
+          <a:off x="0" y="0"/>
+          <a:ext cx="0" cy="0"/>
+          <a:chOff x="0" y="0"/>
+          <a:chExt cx="0" cy="0"/>
+        </a:xfrm>
+      </p:grpSpPr>
+      <p:sp>
+        <p:nvSpPr>
+          <p:cNvPr id="2" name="Title 1"/>
+          <p:cNvSpPr>
+            <a:spLocks noGrp="1"/>
+          </p:cNvSpPr>
+          <p:nvPr>
+            <p:ph type="title"/>
+          </p:nvPr>
+        </p:nvSpPr>
+        <p:spPr/>
+        <p:txBody>
+          <a:bodyPr/>
+          <a:lstStyle/>
+          <a:p>
+            <a:r>
+              <a:rPr lang="en-GB" dirty="0" smtClean="0"/>
+              <a:t>What does this require?</a:t>
+            </a:r>
+            <a:endParaRPr lang="en-GB" dirty="0"/>
+          </a:p>
+        </p:txBody>
+      </p:sp>
+      <p:sp>
+        <p:nvSpPr>
+          <p:cNvPr id="3" name="Content Placeholder 2"/>
+          <p:cNvSpPr>
+            <a:spLocks noGrp="1"/>
+          </p:cNvSpPr>
+          <p:nvPr>
+            <p:ph idx="1"/>
+          </p:nvPr>
+        </p:nvSpPr>
+        <p:spPr/>
+        <p:txBody>
+          <a:bodyPr/>
+          <a:lstStyle/>
+          <a:p>
+            <a:r>
+              <a:rPr lang="en-GB" dirty="0" smtClean="0"/>
+              <a:t>CI Tool</a:t>
+            </a:r>
+          </a:p>
+          <a:p>
+            <a:r>
+              <a:rPr lang="en-GB" dirty="0" smtClean="0"/>
+              <a:t>Code </a:t>
+            </a:r>
+            <a:r>
+              <a:rPr lang="en-GB" dirty="0"/>
+              <a:t>Review </a:t>
+            </a:r>
+            <a:r>
+              <a:rPr lang="en-GB" dirty="0" smtClean="0"/>
+              <a:t>Tool</a:t>
+            </a:r>
+          </a:p>
+          <a:p>
+            <a:r>
+              <a:rPr lang="en-GB" dirty="0" smtClean="0"/>
+              <a:t>Build </a:t>
+            </a:r>
+            <a:r>
+              <a:rPr lang="en-GB" dirty="0"/>
+              <a:t>Management </a:t>
+            </a:r>
+            <a:r>
+              <a:rPr lang="en-GB" dirty="0" smtClean="0"/>
+              <a:t>Tool</a:t>
+            </a:r>
+          </a:p>
+          <a:p>
+            <a:r>
+              <a:rPr lang="en-GB" dirty="0" smtClean="0"/>
+              <a:t>Monitoring Tool</a:t>
+            </a:r>
+          </a:p>
+          <a:p>
+            <a:r>
+              <a:rPr lang="en-GB" dirty="0" err="1" smtClean="0"/>
+              <a:t>Artifact</a:t>
+            </a:r>
+            <a:r>
+              <a:rPr lang="en-GB" dirty="0" smtClean="0"/>
+              <a:t> Repository</a:t>
+            </a:r>
+          </a:p>
+          <a:p>
+            <a:r>
+              <a:rPr lang="en-GB" dirty="0" smtClean="0"/>
+              <a:t>Project </a:t>
+            </a:r>
+            <a:r>
+              <a:rPr lang="en-GB" dirty="0"/>
+              <a:t>Tracker</a:t>
+            </a:r>
+          </a:p>
+        </p:txBody>
+      </p:sp>
+    </p:spTree>
+    <p:extLst>
+      <p:ext uri="{BB962C8B-B14F-4D97-AF65-F5344CB8AC3E}">
+        <p14:creationId xmlns:p14="http://schemas.microsoft.com/office/powerpoint/2010/main" val="2162456449"/>
+      </p:ext>
+    </p:extLst>
+  </p:cSld>
+  <p:clrMapOvr>
+    <a:masterClrMapping/>
+  </p:clrMapOvr>
+</p:sld>
+</file>
+
+<file path=ppt/slides/slide30.xml><?xml version="1.0" encoding="utf-8"?>
 <p:sld xmlns:a="http://schemas.openxmlformats.org/drawingml/2006/main" xmlns:r="http://schemas.openxmlformats.org/officeDocument/2006/relationships" xmlns:p="http://schemas.openxmlformats.org/presentationml/2006/main">
   <p:cSld>
     <p:spTree>
@@ -10612,136 +10832,7 @@
 </p:sld>
 </file>
 
-<file path=ppt/slides/slide3.xml><?xml version="1.0" encoding="utf-8"?>
-<p:sld xmlns:a="http://schemas.openxmlformats.org/drawingml/2006/main" xmlns:r="http://schemas.openxmlformats.org/officeDocument/2006/relationships" xmlns:p="http://schemas.openxmlformats.org/presentationml/2006/main">
-  <p:cSld>
-    <p:spTree>
-      <p:nvGrpSpPr>
-        <p:cNvPr id="1" name=""/>
-        <p:cNvGrpSpPr/>
-        <p:nvPr/>
-      </p:nvGrpSpPr>
-      <p:grpSpPr>
-        <a:xfrm>
-          <a:off x="0" y="0"/>
-          <a:ext cx="0" cy="0"/>
-          <a:chOff x="0" y="0"/>
-          <a:chExt cx="0" cy="0"/>
-        </a:xfrm>
-      </p:grpSpPr>
-      <p:sp>
-        <p:nvSpPr>
-          <p:cNvPr id="2" name="Title 1"/>
-          <p:cNvSpPr>
-            <a:spLocks noGrp="1"/>
-          </p:cNvSpPr>
-          <p:nvPr>
-            <p:ph type="title"/>
-          </p:nvPr>
-        </p:nvSpPr>
-        <p:spPr/>
-        <p:txBody>
-          <a:bodyPr/>
-          <a:lstStyle/>
-          <a:p>
-            <a:r>
-              <a:rPr lang="en-GB" dirty="0" smtClean="0"/>
-              <a:t>What does this require?</a:t>
-            </a:r>
-            <a:endParaRPr lang="en-GB" dirty="0"/>
-          </a:p>
-        </p:txBody>
-      </p:sp>
-      <p:sp>
-        <p:nvSpPr>
-          <p:cNvPr id="3" name="Content Placeholder 2"/>
-          <p:cNvSpPr>
-            <a:spLocks noGrp="1"/>
-          </p:cNvSpPr>
-          <p:nvPr>
-            <p:ph idx="1"/>
-          </p:nvPr>
-        </p:nvSpPr>
-        <p:spPr/>
-        <p:txBody>
-          <a:bodyPr/>
-          <a:lstStyle/>
-          <a:p>
-            <a:r>
-              <a:rPr lang="en-GB" dirty="0" smtClean="0"/>
-              <a:t>CI Tool</a:t>
-            </a:r>
-          </a:p>
-          <a:p>
-            <a:r>
-              <a:rPr lang="en-GB" dirty="0" smtClean="0"/>
-              <a:t>Code </a:t>
-            </a:r>
-            <a:r>
-              <a:rPr lang="en-GB" dirty="0"/>
-              <a:t>Review </a:t>
-            </a:r>
-            <a:r>
-              <a:rPr lang="en-GB" dirty="0" smtClean="0"/>
-              <a:t>Tool</a:t>
-            </a:r>
-          </a:p>
-          <a:p>
-            <a:r>
-              <a:rPr lang="en-GB" dirty="0" smtClean="0"/>
-              <a:t>Build </a:t>
-            </a:r>
-            <a:r>
-              <a:rPr lang="en-GB" dirty="0"/>
-              <a:t>Management </a:t>
-            </a:r>
-            <a:r>
-              <a:rPr lang="en-GB" dirty="0" smtClean="0"/>
-              <a:t>Tool</a:t>
-            </a:r>
-          </a:p>
-          <a:p>
-            <a:r>
-              <a:rPr lang="en-GB" dirty="0" smtClean="0"/>
-              <a:t>Monitoring Tool</a:t>
-            </a:r>
-          </a:p>
-          <a:p>
-            <a:r>
-              <a:rPr lang="en-GB" dirty="0" err="1" smtClean="0"/>
-              <a:t>Artifact</a:t>
-            </a:r>
-            <a:r>
-              <a:rPr lang="en-GB" dirty="0" smtClean="0"/>
-              <a:t> Repository</a:t>
-            </a:r>
-          </a:p>
-          <a:p>
-            <a:r>
-              <a:rPr lang="en-GB" dirty="0" smtClean="0"/>
-              <a:t>Project </a:t>
-            </a:r>
-            <a:r>
-              <a:rPr lang="en-GB" dirty="0"/>
-              <a:t>Tracker</a:t>
-            </a:r>
-          </a:p>
-        </p:txBody>
-      </p:sp>
-    </p:spTree>
-    <p:extLst>
-      <p:ext uri="{BB962C8B-B14F-4D97-AF65-F5344CB8AC3E}">
-        <p14:creationId xmlns:p14="http://schemas.microsoft.com/office/powerpoint/2010/main" val="2162456449"/>
-      </p:ext>
-    </p:extLst>
-  </p:cSld>
-  <p:clrMapOvr>
-    <a:masterClrMapping/>
-  </p:clrMapOvr>
-</p:sld>
-</file>
-
-<file path=ppt/slides/slide30.xml><?xml version="1.0" encoding="utf-8"?>
+<file path=ppt/slides/slide31.xml><?xml version="1.0" encoding="utf-8"?>
 <p:sld xmlns:a="http://schemas.openxmlformats.org/drawingml/2006/main" xmlns:r="http://schemas.openxmlformats.org/officeDocument/2006/relationships" xmlns:p="http://schemas.openxmlformats.org/presentationml/2006/main">
   <p:cSld>
     <p:spTree>
@@ -11040,7 +11131,7 @@
 </p:sld>
 </file>
 
-<file path=ppt/slides/slide31.xml><?xml version="1.0" encoding="utf-8"?>
+<file path=ppt/slides/slide32.xml><?xml version="1.0" encoding="utf-8"?>
 <p:sld xmlns:a="http://schemas.openxmlformats.org/drawingml/2006/main" xmlns:r="http://schemas.openxmlformats.org/officeDocument/2006/relationships" xmlns:p="http://schemas.openxmlformats.org/presentationml/2006/main">
   <p:cSld>
     <p:spTree>
@@ -11308,7 +11399,7 @@
 </p:sld>
 </file>
 
-<file path=ppt/slides/slide32.xml><?xml version="1.0" encoding="utf-8"?>
+<file path=ppt/slides/slide33.xml><?xml version="1.0" encoding="utf-8"?>
 <p:sld xmlns:a="http://schemas.openxmlformats.org/drawingml/2006/main" xmlns:r="http://schemas.openxmlformats.org/officeDocument/2006/relationships" xmlns:p="http://schemas.openxmlformats.org/presentationml/2006/main">
   <p:cSld>
     <p:spTree>

--- a/Presentation.pptx
+++ b/Presentation.pptx
@@ -5,7 +5,7 @@
     <p:sldMasterId id="2147483720" r:id="rId1"/>
   </p:sldMasterIdLst>
   <p:notesMasterIdLst>
-    <p:notesMasterId r:id="rId35"/>
+    <p:notesMasterId r:id="rId36"/>
   </p:notesMasterIdLst>
   <p:sldIdLst>
     <p:sldId id="263" r:id="rId2"/>
@@ -27,20 +27,21 @@
     <p:sldId id="276" r:id="rId18"/>
     <p:sldId id="278" r:id="rId19"/>
     <p:sldId id="279" r:id="rId20"/>
-    <p:sldId id="259" r:id="rId21"/>
-    <p:sldId id="261" r:id="rId22"/>
-    <p:sldId id="260" r:id="rId23"/>
-    <p:sldId id="269" r:id="rId24"/>
-    <p:sldId id="289" r:id="rId25"/>
-    <p:sldId id="287" r:id="rId26"/>
-    <p:sldId id="288" r:id="rId27"/>
-    <p:sldId id="285" r:id="rId28"/>
-    <p:sldId id="284" r:id="rId29"/>
-    <p:sldId id="282" r:id="rId30"/>
-    <p:sldId id="270" r:id="rId31"/>
-    <p:sldId id="256" r:id="rId32"/>
-    <p:sldId id="258" r:id="rId33"/>
-    <p:sldId id="257" r:id="rId34"/>
+    <p:sldId id="290" r:id="rId21"/>
+    <p:sldId id="259" r:id="rId22"/>
+    <p:sldId id="261" r:id="rId23"/>
+    <p:sldId id="260" r:id="rId24"/>
+    <p:sldId id="269" r:id="rId25"/>
+    <p:sldId id="289" r:id="rId26"/>
+    <p:sldId id="287" r:id="rId27"/>
+    <p:sldId id="288" r:id="rId28"/>
+    <p:sldId id="285" r:id="rId29"/>
+    <p:sldId id="284" r:id="rId30"/>
+    <p:sldId id="282" r:id="rId31"/>
+    <p:sldId id="270" r:id="rId32"/>
+    <p:sldId id="256" r:id="rId33"/>
+    <p:sldId id="258" r:id="rId34"/>
+    <p:sldId id="257" r:id="rId35"/>
   </p:sldIdLst>
   <p:sldSz cx="9144000" cy="6858000" type="screen4x3"/>
   <p:notesSz cx="6858000" cy="9144000"/>
@@ -1186,7 +1187,7 @@
           <a:p>
             <a:fld id="{664D53A8-991C-4D1C-8325-58A7A490CFFF}" type="slidenum">
               <a:rPr lang="en-GB" smtClean="0"/>
-              <a:t>29</a:t>
+              <a:t>30</a:t>
             </a:fld>
             <a:endParaRPr lang="en-GB"/>
           </a:p>
@@ -6408,8 +6409,8 @@
           <a:lstStyle/>
           <a:p>
             <a:r>
-              <a:rPr lang="en-GB" dirty="0" smtClean="0"/>
-              <a:t>Jenkins</a:t>
+              <a:rPr lang="en-GB" dirty="0" err="1" smtClean="0"/>
+              <a:t>Ansible</a:t>
             </a:r>
             <a:endParaRPr lang="en-GB" dirty="0"/>
           </a:p>
@@ -6417,12 +6418,12 @@
       </p:sp>
       <p:sp>
         <p:nvSpPr>
-          <p:cNvPr id="3" name="Text Placeholder 2"/>
-          <p:cNvSpPr>
-            <a:spLocks noGrp="1"/>
-          </p:cNvSpPr>
-          <p:nvPr>
-            <p:ph type="body" idx="1"/>
+          <p:cNvPr id="3" name="Content Placeholder 2"/>
+          <p:cNvSpPr>
+            <a:spLocks noGrp="1"/>
+          </p:cNvSpPr>
+          <p:nvPr>
+            <p:ph idx="1"/>
           </p:nvPr>
         </p:nvSpPr>
         <p:spPr/>
@@ -6432,79 +6433,34 @@
           <a:p>
             <a:r>
               <a:rPr lang="en-GB" dirty="0" smtClean="0"/>
-              <a:t>Functions</a:t>
-            </a:r>
-            <a:endParaRPr lang="en-GB" dirty="0"/>
-          </a:p>
-        </p:txBody>
-      </p:sp>
-      <p:sp>
-        <p:nvSpPr>
-          <p:cNvPr id="5" name="Text Placeholder 4"/>
-          <p:cNvSpPr>
-            <a:spLocks noGrp="1"/>
-          </p:cNvSpPr>
-          <p:nvPr>
-            <p:ph type="body" sz="half" idx="3"/>
-          </p:nvPr>
-        </p:nvSpPr>
-        <p:spPr/>
-        <p:txBody>
-          <a:bodyPr/>
-          <a:lstStyle/>
-          <a:p>
-            <a:r>
-              <a:rPr lang="en-GB" dirty="0" smtClean="0"/>
-              <a:t>Troubles</a:t>
-            </a:r>
-            <a:endParaRPr lang="en-GB" dirty="0"/>
-          </a:p>
-        </p:txBody>
-      </p:sp>
-      <p:sp>
-        <p:nvSpPr>
-          <p:cNvPr id="4" name="Content Placeholder 3"/>
-          <p:cNvSpPr>
-            <a:spLocks noGrp="1"/>
-          </p:cNvSpPr>
-          <p:nvPr>
-            <p:ph sz="quarter" idx="2"/>
-          </p:nvPr>
-        </p:nvSpPr>
-        <p:spPr/>
-        <p:txBody>
-          <a:bodyPr/>
-          <a:lstStyle/>
-          <a:p>
-            <a:r>
-              <a:rPr lang="en-GB" dirty="0" smtClean="0"/>
-              <a:t>Builds pipeline</a:t>
-            </a:r>
-            <a:endParaRPr lang="en-GB" dirty="0"/>
-          </a:p>
-        </p:txBody>
-      </p:sp>
-      <p:sp>
-        <p:nvSpPr>
-          <p:cNvPr id="6" name="Content Placeholder 5"/>
-          <p:cNvSpPr>
-            <a:spLocks noGrp="1"/>
-          </p:cNvSpPr>
-          <p:nvPr>
-            <p:ph sz="quarter" idx="4"/>
-          </p:nvPr>
-        </p:nvSpPr>
-        <p:spPr/>
-        <p:txBody>
-          <a:bodyPr/>
-          <a:lstStyle/>
-          <a:p>
-            <a:r>
-              <a:rPr lang="en-GB" dirty="0"/>
-              <a:t>Docker version is not dependent on Maven</a:t>
-            </a:r>
-          </a:p>
-          <a:p>
+              <a:t>Provisioning Tool</a:t>
+            </a:r>
+          </a:p>
+          <a:p>
+            <a:r>
+              <a:rPr lang="en-GB" dirty="0" smtClean="0"/>
+              <a:t>Use and Create slaves from a master</a:t>
+            </a:r>
+          </a:p>
+          <a:p>
+            <a:r>
+              <a:rPr lang="en-GB" dirty="0" smtClean="0"/>
+              <a:t>Can setup up all other tools involved in the pipeline</a:t>
+            </a:r>
+          </a:p>
+          <a:p>
+            <a:r>
+              <a:rPr lang="en-GB" dirty="0" smtClean="0"/>
+              <a:t>Uses .</a:t>
+            </a:r>
+            <a:r>
+              <a:rPr lang="en-GB" dirty="0" err="1" smtClean="0"/>
+              <a:t>yml</a:t>
+            </a:r>
+            <a:r>
+              <a:rPr lang="en-GB" smtClean="0"/>
+              <a:t> files</a:t>
+            </a:r>
             <a:endParaRPr lang="en-GB" dirty="0"/>
           </a:p>
         </p:txBody>
@@ -6512,7 +6468,7 @@
     </p:spTree>
     <p:extLst>
       <p:ext uri="{BB962C8B-B14F-4D97-AF65-F5344CB8AC3E}">
-        <p14:creationId xmlns:p14="http://schemas.microsoft.com/office/powerpoint/2010/main" val="4134426618"/>
+        <p14:creationId xmlns:p14="http://schemas.microsoft.com/office/powerpoint/2010/main" val="60582538"/>
       </p:ext>
     </p:extLst>
   </p:cSld>
@@ -6556,7 +6512,7 @@
           <a:p>
             <a:r>
               <a:rPr lang="en-GB" dirty="0" smtClean="0"/>
-              <a:t>Jira</a:t>
+              <a:t>Jenkins</a:t>
             </a:r>
             <a:endParaRPr lang="en-GB" dirty="0"/>
           </a:p>
@@ -6564,12 +6520,12 @@
       </p:sp>
       <p:sp>
         <p:nvSpPr>
-          <p:cNvPr id="7" name="Content Placeholder 6"/>
-          <p:cNvSpPr>
-            <a:spLocks noGrp="1"/>
-          </p:cNvSpPr>
-          <p:nvPr>
-            <p:ph sz="half" idx="1"/>
+          <p:cNvPr id="3" name="Text Placeholder 2"/>
+          <p:cNvSpPr>
+            <a:spLocks noGrp="1"/>
+          </p:cNvSpPr>
+          <p:nvPr>
+            <p:ph type="body" idx="1"/>
           </p:nvPr>
         </p:nvSpPr>
         <p:spPr/>
@@ -6579,7 +6535,7 @@
           <a:p>
             <a:r>
               <a:rPr lang="en-GB" dirty="0" smtClean="0"/>
-              <a:t>Monitoring Tool</a:t>
+              <a:t>Functions</a:t>
             </a:r>
             <a:endParaRPr lang="en-GB" dirty="0"/>
           </a:p>
@@ -6587,12 +6543,12 @@
       </p:sp>
       <p:sp>
         <p:nvSpPr>
-          <p:cNvPr id="8" name="Content Placeholder 7"/>
-          <p:cNvSpPr>
-            <a:spLocks noGrp="1"/>
-          </p:cNvSpPr>
-          <p:nvPr>
-            <p:ph sz="half" idx="2"/>
+          <p:cNvPr id="5" name="Text Placeholder 4"/>
+          <p:cNvSpPr>
+            <a:spLocks noGrp="1"/>
+          </p:cNvSpPr>
+          <p:nvPr>
+            <p:ph type="body" sz="half" idx="3"/>
           </p:nvPr>
         </p:nvSpPr>
         <p:spPr/>
@@ -6600,27 +6556,72 @@
           <a:bodyPr/>
           <a:lstStyle/>
           <a:p>
-            <a:endParaRPr lang="en-GB"/>
+            <a:r>
+              <a:rPr lang="en-GB" dirty="0" smtClean="0"/>
+              <a:t>Troubles</a:t>
+            </a:r>
+            <a:endParaRPr lang="en-GB" dirty="0"/>
+          </a:p>
+        </p:txBody>
+      </p:sp>
+      <p:sp>
+        <p:nvSpPr>
+          <p:cNvPr id="4" name="Content Placeholder 3"/>
+          <p:cNvSpPr>
+            <a:spLocks noGrp="1"/>
+          </p:cNvSpPr>
+          <p:nvPr>
+            <p:ph sz="quarter" idx="2"/>
+          </p:nvPr>
+        </p:nvSpPr>
+        <p:spPr/>
+        <p:txBody>
+          <a:bodyPr/>
+          <a:lstStyle/>
+          <a:p>
+            <a:r>
+              <a:rPr lang="en-GB" dirty="0" smtClean="0"/>
+              <a:t>Builds pipeline</a:t>
+            </a:r>
+            <a:endParaRPr lang="en-GB" dirty="0"/>
+          </a:p>
+        </p:txBody>
+      </p:sp>
+      <p:sp>
+        <p:nvSpPr>
+          <p:cNvPr id="6" name="Content Placeholder 5"/>
+          <p:cNvSpPr>
+            <a:spLocks noGrp="1"/>
+          </p:cNvSpPr>
+          <p:nvPr>
+            <p:ph sz="quarter" idx="4"/>
+          </p:nvPr>
+        </p:nvSpPr>
+        <p:spPr/>
+        <p:txBody>
+          <a:bodyPr/>
+          <a:lstStyle/>
+          <a:p>
+            <a:r>
+              <a:rPr lang="en-GB" dirty="0"/>
+              <a:t>Docker version is not dependent on Maven</a:t>
+            </a:r>
+          </a:p>
+          <a:p>
+            <a:endParaRPr lang="en-GB" dirty="0"/>
           </a:p>
         </p:txBody>
       </p:sp>
     </p:spTree>
     <p:extLst>
       <p:ext uri="{BB962C8B-B14F-4D97-AF65-F5344CB8AC3E}">
-        <p14:creationId xmlns:p14="http://schemas.microsoft.com/office/powerpoint/2010/main" val="3059990103"/>
+        <p14:creationId xmlns:p14="http://schemas.microsoft.com/office/powerpoint/2010/main" val="4134426618"/>
       </p:ext>
     </p:extLst>
   </p:cSld>
   <p:clrMapOvr>
     <a:masterClrMapping/>
   </p:clrMapOvr>
-  <p:timing>
-    <p:tnLst>
-      <p:par>
-        <p:cTn id="1" dur="indefinite" restart="never" nodeType="tmRoot"/>
-      </p:par>
-    </p:tnLst>
-  </p:timing>
 </p:sld>
 </file>
 
@@ -6658,7 +6659,7 @@
           <a:p>
             <a:r>
               <a:rPr lang="en-GB" dirty="0" smtClean="0"/>
-              <a:t>Tomcat</a:t>
+              <a:t>Jira</a:t>
             </a:r>
             <a:endParaRPr lang="en-GB" dirty="0"/>
           </a:p>
@@ -6681,7 +6682,7 @@
           <a:p>
             <a:r>
               <a:rPr lang="en-GB" dirty="0" smtClean="0"/>
-              <a:t>Used for deployment</a:t>
+              <a:t>Monitoring Tool</a:t>
             </a:r>
             <a:endParaRPr lang="en-GB" dirty="0"/>
           </a:p>
@@ -6709,7 +6710,7 @@
     </p:spTree>
     <p:extLst>
       <p:ext uri="{BB962C8B-B14F-4D97-AF65-F5344CB8AC3E}">
-        <p14:creationId xmlns:p14="http://schemas.microsoft.com/office/powerpoint/2010/main" val="4258329989"/>
+        <p14:creationId xmlns:p14="http://schemas.microsoft.com/office/powerpoint/2010/main" val="3059990103"/>
       </p:ext>
     </p:extLst>
   </p:cSld>
@@ -6745,7 +6746,7 @@
       </p:grpSpPr>
       <p:sp>
         <p:nvSpPr>
-          <p:cNvPr id="9" name="Title 8"/>
+          <p:cNvPr id="2" name="Title 1"/>
           <p:cNvSpPr>
             <a:spLocks noGrp="1"/>
           </p:cNvSpPr>
@@ -6760,7 +6761,7 @@
           <a:p>
             <a:r>
               <a:rPr lang="en-GB" dirty="0" smtClean="0"/>
-              <a:t>Nexus</a:t>
+              <a:t>Tomcat</a:t>
             </a:r>
             <a:endParaRPr lang="en-GB" dirty="0"/>
           </a:p>
@@ -6768,12 +6769,12 @@
       </p:sp>
       <p:sp>
         <p:nvSpPr>
-          <p:cNvPr id="10" name="Content Placeholder 9"/>
-          <p:cNvSpPr>
-            <a:spLocks noGrp="1"/>
-          </p:cNvSpPr>
-          <p:nvPr>
-            <p:ph idx="1"/>
+          <p:cNvPr id="7" name="Content Placeholder 6"/>
+          <p:cNvSpPr>
+            <a:spLocks noGrp="1"/>
+          </p:cNvSpPr>
+          <p:nvPr>
+            <p:ph sz="half" idx="1"/>
           </p:nvPr>
         </p:nvSpPr>
         <p:spPr/>
@@ -6782,21 +6783,36 @@
           <a:lstStyle/>
           <a:p>
             <a:r>
-              <a:rPr lang="en-GB" dirty="0" err="1" smtClean="0"/>
-              <a:t>Artifact</a:t>
-            </a:r>
-            <a:r>
-              <a:rPr lang="en-GB" dirty="0" smtClean="0"/>
-              <a:t> Tool</a:t>
+              <a:rPr lang="en-GB" dirty="0" smtClean="0"/>
+              <a:t>Used for deployment</a:t>
             </a:r>
             <a:endParaRPr lang="en-GB" dirty="0"/>
+          </a:p>
+        </p:txBody>
+      </p:sp>
+      <p:sp>
+        <p:nvSpPr>
+          <p:cNvPr id="8" name="Content Placeholder 7"/>
+          <p:cNvSpPr>
+            <a:spLocks noGrp="1"/>
+          </p:cNvSpPr>
+          <p:nvPr>
+            <p:ph sz="half" idx="2"/>
+          </p:nvPr>
+        </p:nvSpPr>
+        <p:spPr/>
+        <p:txBody>
+          <a:bodyPr/>
+          <a:lstStyle/>
+          <a:p>
+            <a:endParaRPr lang="en-GB"/>
           </a:p>
         </p:txBody>
       </p:sp>
     </p:spTree>
     <p:extLst>
       <p:ext uri="{BB962C8B-B14F-4D97-AF65-F5344CB8AC3E}">
-        <p14:creationId xmlns:p14="http://schemas.microsoft.com/office/powerpoint/2010/main" val="2624361914"/>
+        <p14:creationId xmlns:p14="http://schemas.microsoft.com/office/powerpoint/2010/main" val="4258329989"/>
       </p:ext>
     </p:extLst>
   </p:cSld>
@@ -6832,7 +6848,7 @@
       </p:grpSpPr>
       <p:sp>
         <p:nvSpPr>
-          <p:cNvPr id="2" name="Title 1"/>
+          <p:cNvPr id="9" name="Title 8"/>
           <p:cNvSpPr>
             <a:spLocks noGrp="1"/>
           </p:cNvSpPr>
@@ -6846,31 +6862,35 @@
           <a:lstStyle/>
           <a:p>
             <a:r>
+              <a:rPr lang="en-GB" dirty="0" smtClean="0"/>
+              <a:t>Nexus</a:t>
+            </a:r>
+            <a:endParaRPr lang="en-GB" dirty="0"/>
+          </a:p>
+        </p:txBody>
+      </p:sp>
+      <p:sp>
+        <p:nvSpPr>
+          <p:cNvPr id="10" name="Content Placeholder 9"/>
+          <p:cNvSpPr>
+            <a:spLocks noGrp="1"/>
+          </p:cNvSpPr>
+          <p:nvPr>
+            <p:ph idx="1"/>
+          </p:nvPr>
+        </p:nvSpPr>
+        <p:spPr/>
+        <p:txBody>
+          <a:bodyPr/>
+          <a:lstStyle/>
+          <a:p>
+            <a:r>
               <a:rPr lang="en-GB" dirty="0" err="1" smtClean="0"/>
-              <a:t>Zabbix</a:t>
-            </a:r>
-            <a:endParaRPr lang="en-GB" dirty="0"/>
-          </a:p>
-        </p:txBody>
-      </p:sp>
-      <p:sp>
-        <p:nvSpPr>
-          <p:cNvPr id="3" name="Content Placeholder 2"/>
-          <p:cNvSpPr>
-            <a:spLocks noGrp="1"/>
-          </p:cNvSpPr>
-          <p:nvPr>
-            <p:ph idx="1"/>
-          </p:nvPr>
-        </p:nvSpPr>
-        <p:spPr/>
-        <p:txBody>
-          <a:bodyPr/>
-          <a:lstStyle/>
-          <a:p>
-            <a:r>
-              <a:rPr lang="en-GB" dirty="0" smtClean="0"/>
-              <a:t>No GUI</a:t>
+              <a:t>Artifact</a:t>
+            </a:r>
+            <a:r>
+              <a:rPr lang="en-GB" dirty="0" smtClean="0"/>
+              <a:t> Tool</a:t>
             </a:r>
             <a:endParaRPr lang="en-GB" dirty="0"/>
           </a:p>
@@ -6879,13 +6899,20 @@
     </p:spTree>
     <p:extLst>
       <p:ext uri="{BB962C8B-B14F-4D97-AF65-F5344CB8AC3E}">
-        <p14:creationId xmlns:p14="http://schemas.microsoft.com/office/powerpoint/2010/main" val="1717524617"/>
+        <p14:creationId xmlns:p14="http://schemas.microsoft.com/office/powerpoint/2010/main" val="2624361914"/>
       </p:ext>
     </p:extLst>
   </p:cSld>
   <p:clrMapOvr>
     <a:masterClrMapping/>
   </p:clrMapOvr>
+  <p:timing>
+    <p:tnLst>
+      <p:par>
+        <p:cTn id="1" dur="indefinite" restart="never" nodeType="tmRoot"/>
+      </p:par>
+    </p:tnLst>
+  </p:timing>
 </p:sld>
 </file>
 
@@ -6922,6 +6949,82 @@
           <a:lstStyle/>
           <a:p>
             <a:r>
+              <a:rPr lang="en-GB" dirty="0" err="1" smtClean="0"/>
+              <a:t>Zabbix</a:t>
+            </a:r>
+            <a:endParaRPr lang="en-GB" dirty="0"/>
+          </a:p>
+        </p:txBody>
+      </p:sp>
+      <p:sp>
+        <p:nvSpPr>
+          <p:cNvPr id="3" name="Content Placeholder 2"/>
+          <p:cNvSpPr>
+            <a:spLocks noGrp="1"/>
+          </p:cNvSpPr>
+          <p:nvPr>
+            <p:ph idx="1"/>
+          </p:nvPr>
+        </p:nvSpPr>
+        <p:spPr/>
+        <p:txBody>
+          <a:bodyPr/>
+          <a:lstStyle/>
+          <a:p>
+            <a:r>
+              <a:rPr lang="en-GB" dirty="0" smtClean="0"/>
+              <a:t>No GUI</a:t>
+            </a:r>
+            <a:endParaRPr lang="en-GB" dirty="0"/>
+          </a:p>
+        </p:txBody>
+      </p:sp>
+    </p:spTree>
+    <p:extLst>
+      <p:ext uri="{BB962C8B-B14F-4D97-AF65-F5344CB8AC3E}">
+        <p14:creationId xmlns:p14="http://schemas.microsoft.com/office/powerpoint/2010/main" val="1717524617"/>
+      </p:ext>
+    </p:extLst>
+  </p:cSld>
+  <p:clrMapOvr>
+    <a:masterClrMapping/>
+  </p:clrMapOvr>
+</p:sld>
+</file>
+
+<file path=ppt/slides/slide26.xml><?xml version="1.0" encoding="utf-8"?>
+<p:sld xmlns:a="http://schemas.openxmlformats.org/drawingml/2006/main" xmlns:r="http://schemas.openxmlformats.org/officeDocument/2006/relationships" xmlns:p="http://schemas.openxmlformats.org/presentationml/2006/main">
+  <p:cSld>
+    <p:spTree>
+      <p:nvGrpSpPr>
+        <p:cNvPr id="1" name=""/>
+        <p:cNvGrpSpPr/>
+        <p:nvPr/>
+      </p:nvGrpSpPr>
+      <p:grpSpPr>
+        <a:xfrm>
+          <a:off x="0" y="0"/>
+          <a:ext cx="0" cy="0"/>
+          <a:chOff x="0" y="0"/>
+          <a:chExt cx="0" cy="0"/>
+        </a:xfrm>
+      </p:grpSpPr>
+      <p:sp>
+        <p:nvSpPr>
+          <p:cNvPr id="2" name="Title 1"/>
+          <p:cNvSpPr>
+            <a:spLocks noGrp="1"/>
+          </p:cNvSpPr>
+          <p:nvPr>
+            <p:ph type="title"/>
+          </p:nvPr>
+        </p:nvSpPr>
+        <p:spPr/>
+        <p:txBody>
+          <a:bodyPr/>
+          <a:lstStyle/>
+          <a:p>
+            <a:r>
               <a:rPr lang="en-GB" dirty="0"/>
               <a:t>How </a:t>
             </a:r>
@@ -6992,7 +7095,7 @@
 </p:sld>
 </file>
 
-<file path=ppt/slides/slide26.xml><?xml version="1.0" encoding="utf-8"?>
+<file path=ppt/slides/slide27.xml><?xml version="1.0" encoding="utf-8"?>
 <p:sld xmlns:a="http://schemas.openxmlformats.org/drawingml/2006/main" xmlns:r="http://schemas.openxmlformats.org/officeDocument/2006/relationships" xmlns:p="http://schemas.openxmlformats.org/presentationml/2006/main">
   <p:cSld>
     <p:spTree>
@@ -7074,7 +7177,7 @@
 </p:sld>
 </file>
 
-<file path=ppt/slides/slide27.xml><?xml version="1.0" encoding="utf-8"?>
+<file path=ppt/slides/slide28.xml><?xml version="1.0" encoding="utf-8"?>
 <p:sld xmlns:a="http://schemas.openxmlformats.org/drawingml/2006/main" xmlns:r="http://schemas.openxmlformats.org/officeDocument/2006/relationships" xmlns:p="http://schemas.openxmlformats.org/presentationml/2006/main">
   <p:cSld>
     <p:spTree>
@@ -7379,98 +7482,6 @@
 </p:sld>
 </file>
 
-<file path=ppt/slides/slide28.xml><?xml version="1.0" encoding="utf-8"?>
-<p:sld xmlns:a="http://schemas.openxmlformats.org/drawingml/2006/main" xmlns:r="http://schemas.openxmlformats.org/officeDocument/2006/relationships" xmlns:p="http://schemas.openxmlformats.org/presentationml/2006/main">
-  <p:cSld>
-    <p:spTree>
-      <p:nvGrpSpPr>
-        <p:cNvPr id="1" name=""/>
-        <p:cNvGrpSpPr/>
-        <p:nvPr/>
-      </p:nvGrpSpPr>
-      <p:grpSpPr>
-        <a:xfrm>
-          <a:off x="0" y="0"/>
-          <a:ext cx="0" cy="0"/>
-          <a:chOff x="0" y="0"/>
-          <a:chExt cx="0" cy="0"/>
-        </a:xfrm>
-      </p:grpSpPr>
-      <p:sp>
-        <p:nvSpPr>
-          <p:cNvPr id="2" name="Title 1"/>
-          <p:cNvSpPr>
-            <a:spLocks noGrp="1"/>
-          </p:cNvSpPr>
-          <p:nvPr>
-            <p:ph type="title"/>
-          </p:nvPr>
-        </p:nvSpPr>
-        <p:spPr/>
-        <p:txBody>
-          <a:bodyPr/>
-          <a:lstStyle/>
-          <a:p>
-            <a:r>
-              <a:rPr lang="en-GB" dirty="0" smtClean="0"/>
-              <a:t>Conclusion</a:t>
-            </a:r>
-            <a:endParaRPr lang="en-GB" dirty="0"/>
-          </a:p>
-        </p:txBody>
-      </p:sp>
-      <p:sp>
-        <p:nvSpPr>
-          <p:cNvPr id="3" name="Content Placeholder 2"/>
-          <p:cNvSpPr>
-            <a:spLocks noGrp="1"/>
-          </p:cNvSpPr>
-          <p:nvPr>
-            <p:ph idx="1"/>
-          </p:nvPr>
-        </p:nvSpPr>
-        <p:spPr/>
-        <p:txBody>
-          <a:bodyPr/>
-          <a:lstStyle/>
-          <a:p>
-            <a:r>
-              <a:rPr lang="en-GB" dirty="0"/>
-              <a:t>Summarise what went well, what did not, what you’d do the next time</a:t>
-            </a:r>
-            <a:r>
-              <a:rPr lang="en-GB" dirty="0" smtClean="0"/>
-              <a:t>.</a:t>
-            </a:r>
-          </a:p>
-          <a:p>
-            <a:r>
-              <a:rPr lang="en-GB" dirty="0" smtClean="0"/>
-              <a:t>The correct etiquette for a SCRUM meeting.</a:t>
-            </a:r>
-          </a:p>
-          <a:p>
-            <a:r>
-              <a:rPr lang="en-GB" dirty="0" smtClean="0"/>
-              <a:t>Makes me re-think Puppet Quest</a:t>
-            </a:r>
-            <a:endParaRPr lang="en-GB" dirty="0"/>
-          </a:p>
-        </p:txBody>
-      </p:sp>
-    </p:spTree>
-    <p:extLst>
-      <p:ext uri="{BB962C8B-B14F-4D97-AF65-F5344CB8AC3E}">
-        <p14:creationId xmlns:p14="http://schemas.microsoft.com/office/powerpoint/2010/main" val="892365887"/>
-      </p:ext>
-    </p:extLst>
-  </p:cSld>
-  <p:clrMapOvr>
-    <a:masterClrMapping/>
-  </p:clrMapOvr>
-</p:sld>
-</file>
-
 <file path=ppt/slides/slide29.xml><?xml version="1.0" encoding="utf-8"?>
 <p:sld xmlns:a="http://schemas.openxmlformats.org/drawingml/2006/main" xmlns:r="http://schemas.openxmlformats.org/officeDocument/2006/relationships" xmlns:p="http://schemas.openxmlformats.org/presentationml/2006/main">
   <p:cSld>
@@ -7495,7 +7506,7 @@
             <a:spLocks noGrp="1"/>
           </p:cNvSpPr>
           <p:nvPr>
-            <p:ph type="ctrTitle"/>
+            <p:ph type="title"/>
           </p:nvPr>
         </p:nvSpPr>
         <p:spPr/>
@@ -7505,7 +7516,7 @@
           <a:p>
             <a:r>
               <a:rPr lang="en-GB" dirty="0" smtClean="0"/>
-              <a:t>Any Questions?</a:t>
+              <a:t>Conclusion</a:t>
             </a:r>
             <a:endParaRPr lang="en-GB" dirty="0"/>
           </a:p>
@@ -7513,12 +7524,12 @@
       </p:sp>
       <p:sp>
         <p:nvSpPr>
-          <p:cNvPr id="5" name="Subtitle 4"/>
-          <p:cNvSpPr>
-            <a:spLocks noGrp="1"/>
-          </p:cNvSpPr>
-          <p:nvPr>
-            <p:ph type="subTitle" idx="1"/>
+          <p:cNvPr id="3" name="Content Placeholder 2"/>
+          <p:cNvSpPr>
+            <a:spLocks noGrp="1"/>
+          </p:cNvSpPr>
+          <p:nvPr>
+            <p:ph idx="1"/>
           </p:nvPr>
         </p:nvSpPr>
         <p:spPr/>
@@ -7526,14 +7537,34 @@
           <a:bodyPr/>
           <a:lstStyle/>
           <a:p>
-            <a:endParaRPr lang="en-GB"/>
+            <a:r>
+              <a:rPr lang="en-GB" dirty="0"/>
+              <a:t>Summarise what went well, what did not, what you’d do the next time</a:t>
+            </a:r>
+            <a:r>
+              <a:rPr lang="en-GB" dirty="0" smtClean="0"/>
+              <a:t>.</a:t>
+            </a:r>
+          </a:p>
+          <a:p>
+            <a:r>
+              <a:rPr lang="en-GB" dirty="0" smtClean="0"/>
+              <a:t>The correct etiquette for a SCRUM meeting.</a:t>
+            </a:r>
+          </a:p>
+          <a:p>
+            <a:r>
+              <a:rPr lang="en-GB" dirty="0" smtClean="0"/>
+              <a:t>Makes me re-think Puppet Quest</a:t>
+            </a:r>
+            <a:endParaRPr lang="en-GB" dirty="0"/>
           </a:p>
         </p:txBody>
       </p:sp>
     </p:spTree>
     <p:extLst>
       <p:ext uri="{BB962C8B-B14F-4D97-AF65-F5344CB8AC3E}">
-        <p14:creationId xmlns:p14="http://schemas.microsoft.com/office/powerpoint/2010/main" val="28601293"/>
+        <p14:creationId xmlns:p14="http://schemas.microsoft.com/office/powerpoint/2010/main" val="892365887"/>
       </p:ext>
     </p:extLst>
   </p:cSld>
@@ -7673,6 +7704,78 @@
 </file>
 
 <file path=ppt/slides/slide30.xml><?xml version="1.0" encoding="utf-8"?>
+<p:sld xmlns:a="http://schemas.openxmlformats.org/drawingml/2006/main" xmlns:r="http://schemas.openxmlformats.org/officeDocument/2006/relationships" xmlns:p="http://schemas.openxmlformats.org/presentationml/2006/main">
+  <p:cSld>
+    <p:spTree>
+      <p:nvGrpSpPr>
+        <p:cNvPr id="1" name=""/>
+        <p:cNvGrpSpPr/>
+        <p:nvPr/>
+      </p:nvGrpSpPr>
+      <p:grpSpPr>
+        <a:xfrm>
+          <a:off x="0" y="0"/>
+          <a:ext cx="0" cy="0"/>
+          <a:chOff x="0" y="0"/>
+          <a:chExt cx="0" cy="0"/>
+        </a:xfrm>
+      </p:grpSpPr>
+      <p:sp>
+        <p:nvSpPr>
+          <p:cNvPr id="2" name="Title 1"/>
+          <p:cNvSpPr>
+            <a:spLocks noGrp="1"/>
+          </p:cNvSpPr>
+          <p:nvPr>
+            <p:ph type="ctrTitle"/>
+          </p:nvPr>
+        </p:nvSpPr>
+        <p:spPr/>
+        <p:txBody>
+          <a:bodyPr/>
+          <a:lstStyle/>
+          <a:p>
+            <a:r>
+              <a:rPr lang="en-GB" dirty="0" smtClean="0"/>
+              <a:t>Any Questions?</a:t>
+            </a:r>
+            <a:endParaRPr lang="en-GB" dirty="0"/>
+          </a:p>
+        </p:txBody>
+      </p:sp>
+      <p:sp>
+        <p:nvSpPr>
+          <p:cNvPr id="5" name="Subtitle 4"/>
+          <p:cNvSpPr>
+            <a:spLocks noGrp="1"/>
+          </p:cNvSpPr>
+          <p:nvPr>
+            <p:ph type="subTitle" idx="1"/>
+          </p:nvPr>
+        </p:nvSpPr>
+        <p:spPr/>
+        <p:txBody>
+          <a:bodyPr/>
+          <a:lstStyle/>
+          <a:p>
+            <a:endParaRPr lang="en-GB"/>
+          </a:p>
+        </p:txBody>
+      </p:sp>
+    </p:spTree>
+    <p:extLst>
+      <p:ext uri="{BB962C8B-B14F-4D97-AF65-F5344CB8AC3E}">
+        <p14:creationId xmlns:p14="http://schemas.microsoft.com/office/powerpoint/2010/main" val="28601293"/>
+      </p:ext>
+    </p:extLst>
+  </p:cSld>
+  <p:clrMapOvr>
+    <a:masterClrMapping/>
+  </p:clrMapOvr>
+</p:sld>
+</file>
+
+<file path=ppt/slides/slide31.xml><?xml version="1.0" encoding="utf-8"?>
 <p:sld xmlns:a="http://schemas.openxmlformats.org/drawingml/2006/main" xmlns:r="http://schemas.openxmlformats.org/officeDocument/2006/relationships" xmlns:p="http://schemas.openxmlformats.org/presentationml/2006/main">
   <p:cSld>
     <p:spTree>
@@ -10832,7 +10935,7 @@
 </p:sld>
 </file>
 
-<file path=ppt/slides/slide31.xml><?xml version="1.0" encoding="utf-8"?>
+<file path=ppt/slides/slide32.xml><?xml version="1.0" encoding="utf-8"?>
 <p:sld xmlns:a="http://schemas.openxmlformats.org/drawingml/2006/main" xmlns:r="http://schemas.openxmlformats.org/officeDocument/2006/relationships" xmlns:p="http://schemas.openxmlformats.org/presentationml/2006/main">
   <p:cSld>
     <p:spTree>
@@ -11131,7 +11234,7 @@
 </p:sld>
 </file>
 
-<file path=ppt/slides/slide32.xml><?xml version="1.0" encoding="utf-8"?>
+<file path=ppt/slides/slide33.xml><?xml version="1.0" encoding="utf-8"?>
 <p:sld xmlns:a="http://schemas.openxmlformats.org/drawingml/2006/main" xmlns:r="http://schemas.openxmlformats.org/officeDocument/2006/relationships" xmlns:p="http://schemas.openxmlformats.org/presentationml/2006/main">
   <p:cSld>
     <p:spTree>
@@ -11399,7 +11502,7 @@
 </p:sld>
 </file>
 
-<file path=ppt/slides/slide33.xml><?xml version="1.0" encoding="utf-8"?>
+<file path=ppt/slides/slide34.xml><?xml version="1.0" encoding="utf-8"?>
 <p:sld xmlns:a="http://schemas.openxmlformats.org/drawingml/2006/main" xmlns:r="http://schemas.openxmlformats.org/officeDocument/2006/relationships" xmlns:p="http://schemas.openxmlformats.org/presentationml/2006/main">
   <p:cSld>
     <p:spTree>

--- a/Presentation.pptx
+++ b/Presentation.pptx
@@ -5,7 +5,7 @@
     <p:sldMasterId id="2147483720" r:id="rId1"/>
   </p:sldMasterIdLst>
   <p:notesMasterIdLst>
-    <p:notesMasterId r:id="rId36"/>
+    <p:notesMasterId r:id="rId41"/>
   </p:notesMasterIdLst>
   <p:sldIdLst>
     <p:sldId id="263" r:id="rId2"/>
@@ -13,35 +13,40 @@
     <p:sldId id="283" r:id="rId4"/>
     <p:sldId id="286" r:id="rId5"/>
     <p:sldId id="265" r:id="rId6"/>
-    <p:sldId id="262" r:id="rId7"/>
-    <p:sldId id="267" r:id="rId8"/>
-    <p:sldId id="268" r:id="rId9"/>
-    <p:sldId id="271" r:id="rId10"/>
-    <p:sldId id="280" r:id="rId11"/>
-    <p:sldId id="266" r:id="rId12"/>
-    <p:sldId id="273" r:id="rId13"/>
-    <p:sldId id="281" r:id="rId14"/>
-    <p:sldId id="275" r:id="rId15"/>
-    <p:sldId id="274" r:id="rId16"/>
-    <p:sldId id="277" r:id="rId17"/>
-    <p:sldId id="276" r:id="rId18"/>
-    <p:sldId id="278" r:id="rId19"/>
-    <p:sldId id="279" r:id="rId20"/>
-    <p:sldId id="290" r:id="rId21"/>
-    <p:sldId id="259" r:id="rId22"/>
-    <p:sldId id="261" r:id="rId23"/>
-    <p:sldId id="260" r:id="rId24"/>
-    <p:sldId id="269" r:id="rId25"/>
-    <p:sldId id="289" r:id="rId26"/>
-    <p:sldId id="287" r:id="rId27"/>
-    <p:sldId id="288" r:id="rId28"/>
-    <p:sldId id="285" r:id="rId29"/>
-    <p:sldId id="284" r:id="rId30"/>
-    <p:sldId id="282" r:id="rId31"/>
-    <p:sldId id="270" r:id="rId32"/>
-    <p:sldId id="256" r:id="rId33"/>
-    <p:sldId id="258" r:id="rId34"/>
-    <p:sldId id="257" r:id="rId35"/>
+    <p:sldId id="291" r:id="rId7"/>
+    <p:sldId id="262" r:id="rId8"/>
+    <p:sldId id="267" r:id="rId9"/>
+    <p:sldId id="268" r:id="rId10"/>
+    <p:sldId id="271" r:id="rId11"/>
+    <p:sldId id="280" r:id="rId12"/>
+    <p:sldId id="266" r:id="rId13"/>
+    <p:sldId id="273" r:id="rId14"/>
+    <p:sldId id="281" r:id="rId15"/>
+    <p:sldId id="292" r:id="rId16"/>
+    <p:sldId id="275" r:id="rId17"/>
+    <p:sldId id="274" r:id="rId18"/>
+    <p:sldId id="277" r:id="rId19"/>
+    <p:sldId id="278" r:id="rId20"/>
+    <p:sldId id="279" r:id="rId21"/>
+    <p:sldId id="276" r:id="rId22"/>
+    <p:sldId id="290" r:id="rId23"/>
+    <p:sldId id="259" r:id="rId24"/>
+    <p:sldId id="294" r:id="rId25"/>
+    <p:sldId id="295" r:id="rId26"/>
+    <p:sldId id="261" r:id="rId27"/>
+    <p:sldId id="260" r:id="rId28"/>
+    <p:sldId id="269" r:id="rId29"/>
+    <p:sldId id="289" r:id="rId30"/>
+    <p:sldId id="293" r:id="rId31"/>
+    <p:sldId id="287" r:id="rId32"/>
+    <p:sldId id="288" r:id="rId33"/>
+    <p:sldId id="285" r:id="rId34"/>
+    <p:sldId id="284" r:id="rId35"/>
+    <p:sldId id="282" r:id="rId36"/>
+    <p:sldId id="270" r:id="rId37"/>
+    <p:sldId id="256" r:id="rId38"/>
+    <p:sldId id="258" r:id="rId39"/>
+    <p:sldId id="257" r:id="rId40"/>
   </p:sldIdLst>
   <p:sldSz cx="9144000" cy="6858000" type="screen4x3"/>
   <p:notesSz cx="6858000" cy="9144000"/>
@@ -225,7 +230,7 @@
           <a:p>
             <a:fld id="{51CAB389-9EB1-41EE-A316-CFC79F9D582A}" type="datetimeFigureOut">
               <a:rPr lang="en-GB" smtClean="0"/>
-              <a:t>19/06/2017</a:t>
+              <a:t>20/06/2017</a:t>
             </a:fld>
             <a:endParaRPr lang="en-GB"/>
           </a:p>
@@ -539,11 +544,7 @@
           <a:p>
             <a:r>
               <a:rPr lang="en-GB" dirty="0" smtClean="0"/>
-              <a:t>Hello, this is a presentation for Team </a:t>
-            </a:r>
-            <a:r>
-              <a:rPr lang="en-GB" dirty="0" smtClean="0"/>
-              <a:t>2’s including Jack,</a:t>
+              <a:t>Hello, this is a presentation for Team 2’s including Jack,</a:t>
             </a:r>
             <a:r>
               <a:rPr lang="en-GB" baseline="0" dirty="0" smtClean="0"/>
@@ -995,7 +996,7 @@
           <a:p>
             <a:fld id="{664D53A8-991C-4D1C-8325-58A7A490CFFF}" type="slidenum">
               <a:rPr lang="en-GB" smtClean="0"/>
-              <a:t>8</a:t>
+              <a:t>9</a:t>
             </a:fld>
             <a:endParaRPr lang="en-GB"/>
           </a:p>
@@ -1095,7 +1096,7 @@
           <a:p>
             <a:fld id="{664D53A8-991C-4D1C-8325-58A7A490CFFF}" type="slidenum">
               <a:rPr lang="en-GB" smtClean="0"/>
-              <a:t>17</a:t>
+              <a:t>21</a:t>
             </a:fld>
             <a:endParaRPr lang="en-GB"/>
           </a:p>
@@ -1158,6 +1159,113 @@
           <a:bodyPr/>
           <a:lstStyle/>
           <a:p>
+            <a:pPr marL="0" marR="0" indent="0" algn="l" defTabSz="914400" rtl="0" eaLnBrk="1" fontAlgn="auto" latinLnBrk="0" hangingPunct="1">
+              <a:lnSpc>
+                <a:spcPct val="100000"/>
+              </a:lnSpc>
+              <a:spcBef>
+                <a:spcPts val="0"/>
+              </a:spcBef>
+              <a:spcAft>
+                <a:spcPts val="0"/>
+              </a:spcAft>
+              <a:buClrTx/>
+              <a:buSzTx/>
+              <a:buFontTx/>
+              <a:buNone/>
+              <a:tabLst/>
+              <a:defRPr/>
+            </a:pPr>
+            <a:r>
+              <a:rPr lang="en-GB" dirty="0" smtClean="0"/>
+              <a:t>Docker version is not dependent on Maven</a:t>
+            </a:r>
+          </a:p>
+          <a:p>
+            <a:endParaRPr lang="en-GB" dirty="0"/>
+          </a:p>
+        </p:txBody>
+      </p:sp>
+      <p:sp>
+        <p:nvSpPr>
+          <p:cNvPr id="4" name="Slide Number Placeholder 3"/>
+          <p:cNvSpPr>
+            <a:spLocks noGrp="1"/>
+          </p:cNvSpPr>
+          <p:nvPr>
+            <p:ph type="sldNum" sz="quarter" idx="10"/>
+          </p:nvPr>
+        </p:nvSpPr>
+        <p:spPr/>
+        <p:txBody>
+          <a:bodyPr/>
+          <a:lstStyle/>
+          <a:p>
+            <a:fld id="{664D53A8-991C-4D1C-8325-58A7A490CFFF}" type="slidenum">
+              <a:rPr lang="en-GB" smtClean="0"/>
+              <a:t>23</a:t>
+            </a:fld>
+            <a:endParaRPr lang="en-GB"/>
+          </a:p>
+        </p:txBody>
+      </p:sp>
+    </p:spTree>
+    <p:extLst>
+      <p:ext uri="{BB962C8B-B14F-4D97-AF65-F5344CB8AC3E}">
+        <p14:creationId xmlns:p14="http://schemas.microsoft.com/office/powerpoint/2010/main" val="3830933778"/>
+      </p:ext>
+    </p:extLst>
+  </p:cSld>
+  <p:clrMapOvr>
+    <a:masterClrMapping/>
+  </p:clrMapOvr>
+</p:notes>
+</file>
+
+<file path=ppt/notesSlides/notesSlide8.xml><?xml version="1.0" encoding="utf-8"?>
+<p:notes xmlns:a="http://schemas.openxmlformats.org/drawingml/2006/main" xmlns:r="http://schemas.openxmlformats.org/officeDocument/2006/relationships" xmlns:p="http://schemas.openxmlformats.org/presentationml/2006/main">
+  <p:cSld>
+    <p:spTree>
+      <p:nvGrpSpPr>
+        <p:cNvPr id="1" name=""/>
+        <p:cNvGrpSpPr/>
+        <p:nvPr/>
+      </p:nvGrpSpPr>
+      <p:grpSpPr>
+        <a:xfrm>
+          <a:off x="0" y="0"/>
+          <a:ext cx="0" cy="0"/>
+          <a:chOff x="0" y="0"/>
+          <a:chExt cx="0" cy="0"/>
+        </a:xfrm>
+      </p:grpSpPr>
+      <p:sp>
+        <p:nvSpPr>
+          <p:cNvPr id="2" name="Slide Image Placeholder 1"/>
+          <p:cNvSpPr>
+            <a:spLocks noGrp="1" noRot="1" noChangeAspect="1"/>
+          </p:cNvSpPr>
+          <p:nvPr>
+            <p:ph type="sldImg"/>
+          </p:nvPr>
+        </p:nvSpPr>
+        <p:spPr/>
+      </p:sp>
+      <p:sp>
+        <p:nvSpPr>
+          <p:cNvPr id="3" name="Notes Placeholder 2"/>
+          <p:cNvSpPr>
+            <a:spLocks noGrp="1"/>
+          </p:cNvSpPr>
+          <p:nvPr>
+            <p:ph type="body" idx="1"/>
+          </p:nvPr>
+        </p:nvSpPr>
+        <p:spPr/>
+        <p:txBody>
+          <a:bodyPr/>
+          <a:lstStyle/>
+          <a:p>
             <a:r>
               <a:rPr lang="en-GB" dirty="0" smtClean="0"/>
               <a:t>Thank</a:t>
@@ -1187,7 +1295,7 @@
           <a:p>
             <a:fld id="{664D53A8-991C-4D1C-8325-58A7A490CFFF}" type="slidenum">
               <a:rPr lang="en-GB" smtClean="0"/>
-              <a:t>30</a:t>
+              <a:t>35</a:t>
             </a:fld>
             <a:endParaRPr lang="en-GB"/>
           </a:p>
@@ -1379,7 +1487,7 @@
           <a:p>
             <a:fld id="{FA07CD40-CCD8-437E-A806-8CFFAB48193D}" type="datetimeFigureOut">
               <a:rPr lang="en-GB" smtClean="0"/>
-              <a:t>19/06/2017</a:t>
+              <a:t>20/06/2017</a:t>
             </a:fld>
             <a:endParaRPr lang="en-GB"/>
           </a:p>
@@ -1544,7 +1652,7 @@
           <a:p>
             <a:fld id="{FA07CD40-CCD8-437E-A806-8CFFAB48193D}" type="datetimeFigureOut">
               <a:rPr lang="en-GB" smtClean="0"/>
-              <a:t>19/06/2017</a:t>
+              <a:t>20/06/2017</a:t>
             </a:fld>
             <a:endParaRPr lang="en-GB"/>
           </a:p>
@@ -1719,7 +1827,7 @@
           <a:p>
             <a:fld id="{FA07CD40-CCD8-437E-A806-8CFFAB48193D}" type="datetimeFigureOut">
               <a:rPr lang="en-GB" smtClean="0"/>
-              <a:t>19/06/2017</a:t>
+              <a:t>20/06/2017</a:t>
             </a:fld>
             <a:endParaRPr lang="en-GB"/>
           </a:p>
@@ -1884,7 +1992,7 @@
           <a:p>
             <a:fld id="{FA07CD40-CCD8-437E-A806-8CFFAB48193D}" type="datetimeFigureOut">
               <a:rPr lang="en-GB" smtClean="0"/>
-              <a:t>19/06/2017</a:t>
+              <a:t>20/06/2017</a:t>
             </a:fld>
             <a:endParaRPr lang="en-GB"/>
           </a:p>
@@ -2126,7 +2234,7 @@
           <a:p>
             <a:fld id="{FA07CD40-CCD8-437E-A806-8CFFAB48193D}" type="datetimeFigureOut">
               <a:rPr lang="en-GB" smtClean="0"/>
-              <a:t>19/06/2017</a:t>
+              <a:t>20/06/2017</a:t>
             </a:fld>
             <a:endParaRPr lang="en-GB"/>
           </a:p>
@@ -2390,7 +2498,7 @@
           <a:p>
             <a:fld id="{FA07CD40-CCD8-437E-A806-8CFFAB48193D}" type="datetimeFigureOut">
               <a:rPr lang="en-GB" smtClean="0"/>
-              <a:t>19/06/2017</a:t>
+              <a:t>20/06/2017</a:t>
             </a:fld>
             <a:endParaRPr lang="en-GB"/>
           </a:p>
@@ -2768,7 +2876,7 @@
           <a:p>
             <a:fld id="{FA07CD40-CCD8-437E-A806-8CFFAB48193D}" type="datetimeFigureOut">
               <a:rPr lang="en-GB" smtClean="0"/>
-              <a:t>19/06/2017</a:t>
+              <a:t>20/06/2017</a:t>
             </a:fld>
             <a:endParaRPr lang="en-GB"/>
           </a:p>
@@ -2918,7 +3026,7 @@
           <a:p>
             <a:fld id="{FA07CD40-CCD8-437E-A806-8CFFAB48193D}" type="datetimeFigureOut">
               <a:rPr lang="en-GB" smtClean="0"/>
-              <a:t>19/06/2017</a:t>
+              <a:t>20/06/2017</a:t>
             </a:fld>
             <a:endParaRPr lang="en-GB"/>
           </a:p>
@@ -3008,7 +3116,7 @@
           <a:p>
             <a:fld id="{FA07CD40-CCD8-437E-A806-8CFFAB48193D}" type="datetimeFigureOut">
               <a:rPr lang="en-GB" smtClean="0"/>
-              <a:t>19/06/2017</a:t>
+              <a:t>20/06/2017</a:t>
             </a:fld>
             <a:endParaRPr lang="en-GB"/>
           </a:p>
@@ -3269,7 +3377,7 @@
           <a:p>
             <a:fld id="{FA07CD40-CCD8-437E-A806-8CFFAB48193D}" type="datetimeFigureOut">
               <a:rPr lang="en-GB" smtClean="0"/>
-              <a:t>19/06/2017</a:t>
+              <a:t>20/06/2017</a:t>
             </a:fld>
             <a:endParaRPr lang="en-GB"/>
           </a:p>
@@ -3557,7 +3665,7 @@
           <a:p>
             <a:fld id="{FA07CD40-CCD8-437E-A806-8CFFAB48193D}" type="datetimeFigureOut">
               <a:rPr lang="en-GB" smtClean="0"/>
-              <a:t>19/06/2017</a:t>
+              <a:t>20/06/2017</a:t>
             </a:fld>
             <a:endParaRPr lang="en-GB"/>
           </a:p>
@@ -4328,7 +4436,7 @@
           <a:p>
             <a:fld id="{FA07CD40-CCD8-437E-A806-8CFFAB48193D}" type="datetimeFigureOut">
               <a:rPr lang="en-GB" smtClean="0"/>
-              <a:t>19/06/2017</a:t>
+              <a:t>20/06/2017</a:t>
             </a:fld>
             <a:endParaRPr lang="en-GB"/>
           </a:p>
@@ -5107,6 +5215,135 @@
       </p:grpSpPr>
       <p:sp>
         <p:nvSpPr>
+          <p:cNvPr id="8" name="Title 7"/>
+          <p:cNvSpPr>
+            <a:spLocks noGrp="1"/>
+          </p:cNvSpPr>
+          <p:nvPr>
+            <p:ph type="title"/>
+          </p:nvPr>
+        </p:nvSpPr>
+        <p:spPr/>
+        <p:txBody>
+          <a:bodyPr/>
+          <a:lstStyle/>
+          <a:p>
+            <a:r>
+              <a:rPr lang="en-GB" dirty="0" smtClean="0"/>
+              <a:t>Git/GitHub</a:t>
+            </a:r>
+            <a:endParaRPr lang="en-GB" dirty="0"/>
+          </a:p>
+        </p:txBody>
+      </p:sp>
+      <p:sp>
+        <p:nvSpPr>
+          <p:cNvPr id="9" name="Content Placeholder 8"/>
+          <p:cNvSpPr>
+            <a:spLocks noGrp="1"/>
+          </p:cNvSpPr>
+          <p:nvPr>
+            <p:ph idx="1"/>
+          </p:nvPr>
+        </p:nvSpPr>
+        <p:spPr/>
+        <p:txBody>
+          <a:bodyPr/>
+          <a:lstStyle/>
+          <a:p>
+            <a:r>
+              <a:rPr lang="en-GB" dirty="0" smtClean="0"/>
+              <a:t>Git is a Version Control Tool</a:t>
+            </a:r>
+          </a:p>
+          <a:p>
+            <a:r>
+              <a:rPr lang="en-GB" dirty="0" smtClean="0"/>
+              <a:t>GitHub is a Repository Tool integrated with Git</a:t>
+            </a:r>
+          </a:p>
+          <a:p>
+            <a:r>
+              <a:rPr lang="en-GB" dirty="0" err="1" smtClean="0"/>
+              <a:t>sudo</a:t>
+            </a:r>
+            <a:r>
+              <a:rPr lang="en-GB" dirty="0" smtClean="0"/>
+              <a:t> apt install git (for </a:t>
+            </a:r>
+            <a:r>
+              <a:rPr lang="en-GB" dirty="0" err="1" smtClean="0"/>
+              <a:t>Debian</a:t>
+            </a:r>
+            <a:r>
+              <a:rPr lang="en-GB" dirty="0" smtClean="0"/>
+              <a:t>-based </a:t>
+            </a:r>
+            <a:r>
+              <a:rPr lang="en-GB" dirty="0" err="1" smtClean="0"/>
+              <a:t>distros</a:t>
+            </a:r>
+            <a:r>
+              <a:rPr lang="en-GB" dirty="0" smtClean="0"/>
+              <a:t>)</a:t>
+            </a:r>
+          </a:p>
+          <a:p>
+            <a:r>
+              <a:rPr lang="en-GB" dirty="0" smtClean="0"/>
+              <a:t>Merged Repository for this Project: https</a:t>
+            </a:r>
+            <a:r>
+              <a:rPr lang="en-GB" dirty="0"/>
+              <a:t>://</a:t>
+            </a:r>
+            <a:r>
+              <a:rPr lang="en-GB" dirty="0" smtClean="0"/>
+              <a:t>github.com/JMurph9/Team2CIProject</a:t>
+            </a:r>
+            <a:endParaRPr lang="en-GB" dirty="0"/>
+          </a:p>
+        </p:txBody>
+      </p:sp>
+    </p:spTree>
+    <p:extLst>
+      <p:ext uri="{BB962C8B-B14F-4D97-AF65-F5344CB8AC3E}">
+        <p14:creationId xmlns:p14="http://schemas.microsoft.com/office/powerpoint/2010/main" val="3664326247"/>
+      </p:ext>
+    </p:extLst>
+  </p:cSld>
+  <p:clrMapOvr>
+    <a:masterClrMapping/>
+  </p:clrMapOvr>
+  <p:timing>
+    <p:tnLst>
+      <p:par>
+        <p:cTn id="1" dur="indefinite" restart="never" nodeType="tmRoot"/>
+      </p:par>
+    </p:tnLst>
+  </p:timing>
+</p:sld>
+</file>
+
+<file path=ppt/slides/slide11.xml><?xml version="1.0" encoding="utf-8"?>
+<p:sld xmlns:a="http://schemas.openxmlformats.org/drawingml/2006/main" xmlns:r="http://schemas.openxmlformats.org/officeDocument/2006/relationships" xmlns:p="http://schemas.openxmlformats.org/presentationml/2006/main">
+  <p:cSld>
+    <p:spTree>
+      <p:nvGrpSpPr>
+        <p:cNvPr id="1" name=""/>
+        <p:cNvGrpSpPr/>
+        <p:nvPr/>
+      </p:nvGrpSpPr>
+      <p:grpSpPr>
+        <a:xfrm>
+          <a:off x="0" y="0"/>
+          <a:ext cx="0" cy="0"/>
+          <a:chOff x="0" y="0"/>
+          <a:chExt cx="0" cy="0"/>
+        </a:xfrm>
+      </p:grpSpPr>
+      <p:sp>
+        <p:nvSpPr>
           <p:cNvPr id="2" name="Title 1"/>
           <p:cNvSpPr>
             <a:spLocks noGrp="1"/>
@@ -5210,7 +5447,7 @@
 </p:sld>
 </file>
 
-<file path=ppt/slides/slide11.xml><?xml version="1.0" encoding="utf-8"?>
+<file path=ppt/slides/slide12.xml><?xml version="1.0" encoding="utf-8"?>
 <p:sld xmlns:a="http://schemas.openxmlformats.org/drawingml/2006/main" xmlns:r="http://schemas.openxmlformats.org/officeDocument/2006/relationships" xmlns:p="http://schemas.openxmlformats.org/presentationml/2006/main">
   <p:cSld>
     <p:spTree>
@@ -5285,9 +5522,10 @@
           </a:p>
           <a:p>
             <a:r>
-              <a:rPr lang="en-GB" dirty="0"/>
-              <a:t>Apache-Tomcat</a:t>
-            </a:r>
+              <a:rPr lang="en-GB" dirty="0" smtClean="0"/>
+              <a:t>Tomcat</a:t>
+            </a:r>
+            <a:endParaRPr lang="en-GB" dirty="0"/>
           </a:p>
           <a:p>
             <a:r>
@@ -5362,7 +5600,7 @@
 </p:sld>
 </file>
 
-<file path=ppt/slides/slide12.xml><?xml version="1.0" encoding="utf-8"?>
+<file path=ppt/slides/slide13.xml><?xml version="1.0" encoding="utf-8"?>
 <p:sld xmlns:a="http://schemas.openxmlformats.org/drawingml/2006/main" xmlns:r="http://schemas.openxmlformats.org/officeDocument/2006/relationships" xmlns:p="http://schemas.openxmlformats.org/presentationml/2006/main">
   <p:cSld>
     <p:spTree>
@@ -5521,7 +5759,7 @@
 </p:sld>
 </file>
 
-<file path=ppt/slides/slide13.xml><?xml version="1.0" encoding="utf-8"?>
+<file path=ppt/slides/slide14.xml><?xml version="1.0" encoding="utf-8"?>
 <p:sld xmlns:a="http://schemas.openxmlformats.org/drawingml/2006/main" xmlns:r="http://schemas.openxmlformats.org/officeDocument/2006/relationships" xmlns:p="http://schemas.openxmlformats.org/presentationml/2006/main">
   <p:cSld>
     <p:spTree>
@@ -5571,38 +5809,75 @@
             <p:ph sz="half" idx="1"/>
           </p:nvPr>
         </p:nvSpPr>
-        <p:spPr/>
+        <p:spPr>
+          <a:xfrm>
+            <a:off x="457200" y="1920085"/>
+            <a:ext cx="8075240" cy="2373011"/>
+          </a:xfrm>
+        </p:spPr>
         <p:txBody>
           <a:bodyPr/>
           <a:lstStyle/>
           <a:p>
             <a:r>
               <a:rPr lang="en-GB" dirty="0" smtClean="0"/>
-              <a:t>Java application</a:t>
+              <a:t>Java </a:t>
+            </a:r>
+            <a:r>
+              <a:rPr lang="en-GB" dirty="0" smtClean="0"/>
+              <a:t>web servlet</a:t>
+            </a:r>
+          </a:p>
+          <a:p>
+            <a:r>
+              <a:rPr lang="en-GB" dirty="0" smtClean="0"/>
+              <a:t>Requires building before running</a:t>
+            </a:r>
+          </a:p>
+          <a:p>
+            <a:r>
+              <a:rPr lang="en-GB" dirty="0" smtClean="0"/>
+              <a:t>Contains acceptance tests</a:t>
+            </a:r>
+          </a:p>
+          <a:p>
+            <a:r>
+              <a:rPr lang="en-GB" dirty="0" smtClean="0"/>
+              <a:t>Can flow through the pipeline</a:t>
             </a:r>
             <a:endParaRPr lang="en-GB" dirty="0"/>
           </a:p>
         </p:txBody>
       </p:sp>
-      <p:sp>
-        <p:nvSpPr>
-          <p:cNvPr id="2" name="Content Placeholder 1"/>
-          <p:cNvSpPr>
-            <a:spLocks noGrp="1"/>
-          </p:cNvSpPr>
+      <p:pic>
+        <p:nvPicPr>
+          <p:cNvPr id="7" name="Content Placeholder 6"/>
+          <p:cNvPicPr>
+            <a:picLocks noGrp="1" noChangeAspect="1"/>
+          </p:cNvPicPr>
           <p:nvPr>
             <p:ph sz="half" idx="2"/>
           </p:nvPr>
-        </p:nvSpPr>
-        <p:spPr/>
-        <p:txBody>
-          <a:bodyPr/>
-          <a:lstStyle/>
-          <a:p>
-            <a:endParaRPr lang="en-GB"/>
-          </a:p>
-        </p:txBody>
-      </p:sp>
+        </p:nvPicPr>
+        <p:blipFill>
+          <a:blip r:embed="rId2" cstate="print">
+            <a:extLst>
+              <a:ext uri="{28A0092B-C50C-407E-A947-70E740481C1C}">
+                <a14:useLocalDpi xmlns:a14="http://schemas.microsoft.com/office/drawing/2010/main" val="0"/>
+              </a:ext>
+            </a:extLst>
+          </a:blip>
+          <a:stretch>
+            <a:fillRect/>
+          </a:stretch>
+        </p:blipFill>
+        <p:spPr>
+          <a:xfrm>
+            <a:off x="755576" y="4149080"/>
+            <a:ext cx="7814483" cy="1937340"/>
+          </a:xfrm>
+        </p:spPr>
+      </p:pic>
     </p:spTree>
     <p:extLst>
       <p:ext uri="{BB962C8B-B14F-4D97-AF65-F5344CB8AC3E}">
@@ -5623,7 +5898,79 @@
 </p:sld>
 </file>
 
-<file path=ppt/slides/slide14.xml><?xml version="1.0" encoding="utf-8"?>
+<file path=ppt/slides/slide15.xml><?xml version="1.0" encoding="utf-8"?>
+<p:sld xmlns:a="http://schemas.openxmlformats.org/drawingml/2006/main" xmlns:r="http://schemas.openxmlformats.org/officeDocument/2006/relationships" xmlns:p="http://schemas.openxmlformats.org/presentationml/2006/main">
+  <p:cSld>
+    <p:spTree>
+      <p:nvGrpSpPr>
+        <p:cNvPr id="1" name=""/>
+        <p:cNvGrpSpPr/>
+        <p:nvPr/>
+      </p:nvGrpSpPr>
+      <p:grpSpPr>
+        <a:xfrm>
+          <a:off x="0" y="0"/>
+          <a:ext cx="0" cy="0"/>
+          <a:chOff x="0" y="0"/>
+          <a:chExt cx="0" cy="0"/>
+        </a:xfrm>
+      </p:grpSpPr>
+      <p:sp>
+        <p:nvSpPr>
+          <p:cNvPr id="5" name="Title 4"/>
+          <p:cNvSpPr>
+            <a:spLocks noGrp="1"/>
+          </p:cNvSpPr>
+          <p:nvPr>
+            <p:ph type="title"/>
+          </p:nvPr>
+        </p:nvSpPr>
+        <p:spPr/>
+        <p:txBody>
+          <a:bodyPr/>
+          <a:lstStyle/>
+          <a:p>
+            <a:r>
+              <a:rPr lang="en-GB" dirty="0" smtClean="0"/>
+              <a:t>Automated Tools</a:t>
+            </a:r>
+            <a:endParaRPr lang="en-GB" dirty="0"/>
+          </a:p>
+        </p:txBody>
+      </p:sp>
+      <p:sp>
+        <p:nvSpPr>
+          <p:cNvPr id="6" name="Text Placeholder 5"/>
+          <p:cNvSpPr>
+            <a:spLocks noGrp="1"/>
+          </p:cNvSpPr>
+          <p:nvPr>
+            <p:ph type="body" idx="1"/>
+          </p:nvPr>
+        </p:nvSpPr>
+        <p:spPr/>
+        <p:txBody>
+          <a:bodyPr/>
+          <a:lstStyle/>
+          <a:p>
+            <a:endParaRPr lang="en-GB"/>
+          </a:p>
+        </p:txBody>
+      </p:sp>
+    </p:spTree>
+    <p:extLst>
+      <p:ext uri="{BB962C8B-B14F-4D97-AF65-F5344CB8AC3E}">
+        <p14:creationId xmlns:p14="http://schemas.microsoft.com/office/powerpoint/2010/main" val="3206606036"/>
+      </p:ext>
+    </p:extLst>
+  </p:cSld>
+  <p:clrMapOvr>
+    <a:masterClrMapping/>
+  </p:clrMapOvr>
+</p:sld>
+</file>
+
+<file path=ppt/slides/slide16.xml><?xml version="1.0" encoding="utf-8"?>
 <p:sld xmlns:a="http://schemas.openxmlformats.org/drawingml/2006/main" xmlns:r="http://schemas.openxmlformats.org/officeDocument/2006/relationships" xmlns:p="http://schemas.openxmlformats.org/presentationml/2006/main">
   <p:cSld>
     <p:spTree>
@@ -5732,7 +6079,7 @@
 </p:sld>
 </file>
 
-<file path=ppt/slides/slide15.xml><?xml version="1.0" encoding="utf-8"?>
+<file path=ppt/slides/slide17.xml><?xml version="1.0" encoding="utf-8"?>
 <p:sld xmlns:a="http://schemas.openxmlformats.org/drawingml/2006/main" xmlns:r="http://schemas.openxmlformats.org/officeDocument/2006/relationships" xmlns:p="http://schemas.openxmlformats.org/presentationml/2006/main">
   <p:cSld>
     <p:spTree>
@@ -5909,7 +6256,7 @@
 </p:sld>
 </file>
 
-<file path=ppt/slides/slide16.xml><?xml version="1.0" encoding="utf-8"?>
+<file path=ppt/slides/slide18.xml><?xml version="1.0" encoding="utf-8"?>
 <p:sld xmlns:a="http://schemas.openxmlformats.org/drawingml/2006/main" xmlns:r="http://schemas.openxmlformats.org/officeDocument/2006/relationships" xmlns:p="http://schemas.openxmlformats.org/presentationml/2006/main">
   <p:cSld>
     <p:spTree>
@@ -5998,196 +6345,6 @@
 </p:sld>
 </file>
 
-<file path=ppt/slides/slide17.xml><?xml version="1.0" encoding="utf-8"?>
-<p:sld xmlns:a="http://schemas.openxmlformats.org/drawingml/2006/main" xmlns:r="http://schemas.openxmlformats.org/officeDocument/2006/relationships" xmlns:p="http://schemas.openxmlformats.org/presentationml/2006/main">
-  <p:cSld>
-    <p:spTree>
-      <p:nvGrpSpPr>
-        <p:cNvPr id="1" name=""/>
-        <p:cNvGrpSpPr/>
-        <p:nvPr/>
-      </p:nvGrpSpPr>
-      <p:grpSpPr>
-        <a:xfrm>
-          <a:off x="0" y="0"/>
-          <a:ext cx="0" cy="0"/>
-          <a:chOff x="0" y="0"/>
-          <a:chExt cx="0" cy="0"/>
-        </a:xfrm>
-      </p:grpSpPr>
-      <p:sp>
-        <p:nvSpPr>
-          <p:cNvPr id="2" name="Title 1"/>
-          <p:cNvSpPr>
-            <a:spLocks noGrp="1"/>
-          </p:cNvSpPr>
-          <p:nvPr>
-            <p:ph type="title"/>
-          </p:nvPr>
-        </p:nvSpPr>
-        <p:spPr/>
-        <p:txBody>
-          <a:bodyPr/>
-          <a:lstStyle/>
-          <a:p>
-            <a:r>
-              <a:rPr lang="en-GB" dirty="0" smtClean="0"/>
-              <a:t>Java</a:t>
-            </a:r>
-            <a:endParaRPr lang="en-GB" dirty="0"/>
-          </a:p>
-        </p:txBody>
-      </p:sp>
-      <p:sp>
-        <p:nvSpPr>
-          <p:cNvPr id="5" name="Content Placeholder 4"/>
-          <p:cNvSpPr>
-            <a:spLocks noGrp="1"/>
-          </p:cNvSpPr>
-          <p:nvPr>
-            <p:ph idx="1"/>
-          </p:nvPr>
-        </p:nvSpPr>
-        <p:spPr/>
-        <p:txBody>
-          <a:bodyPr/>
-          <a:lstStyle/>
-          <a:p>
-            <a:r>
-              <a:rPr lang="en-GB" dirty="0" smtClean="0"/>
-              <a:t>Object-Orientated Compiler Programming Language</a:t>
-            </a:r>
-          </a:p>
-          <a:p>
-            <a:r>
-              <a:rPr lang="en-GB" dirty="0" smtClean="0"/>
-              <a:t>All Tools used in this Project require Java as a dependency</a:t>
-            </a:r>
-            <a:endParaRPr lang="en-GB" dirty="0"/>
-          </a:p>
-        </p:txBody>
-      </p:sp>
-    </p:spTree>
-    <p:extLst>
-      <p:ext uri="{BB962C8B-B14F-4D97-AF65-F5344CB8AC3E}">
-        <p14:creationId xmlns:p14="http://schemas.microsoft.com/office/powerpoint/2010/main" val="3378289155"/>
-      </p:ext>
-    </p:extLst>
-  </p:cSld>
-  <p:clrMapOvr>
-    <a:masterClrMapping/>
-  </p:clrMapOvr>
-  <p:timing>
-    <p:tnLst>
-      <p:par>
-        <p:cTn id="1" dur="indefinite" restart="never" nodeType="tmRoot"/>
-      </p:par>
-    </p:tnLst>
-  </p:timing>
-</p:sld>
-</file>
-
-<file path=ppt/slides/slide18.xml><?xml version="1.0" encoding="utf-8"?>
-<p:sld xmlns:a="http://schemas.openxmlformats.org/drawingml/2006/main" xmlns:r="http://schemas.openxmlformats.org/officeDocument/2006/relationships" xmlns:p="http://schemas.openxmlformats.org/presentationml/2006/main">
-  <p:cSld>
-    <p:spTree>
-      <p:nvGrpSpPr>
-        <p:cNvPr id="1" name=""/>
-        <p:cNvGrpSpPr/>
-        <p:nvPr/>
-      </p:nvGrpSpPr>
-      <p:grpSpPr>
-        <a:xfrm>
-          <a:off x="0" y="0"/>
-          <a:ext cx="0" cy="0"/>
-          <a:chOff x="0" y="0"/>
-          <a:chExt cx="0" cy="0"/>
-        </a:xfrm>
-      </p:grpSpPr>
-      <p:sp>
-        <p:nvSpPr>
-          <p:cNvPr id="2" name="Title 1"/>
-          <p:cNvSpPr>
-            <a:spLocks noGrp="1"/>
-          </p:cNvSpPr>
-          <p:nvPr>
-            <p:ph type="title"/>
-          </p:nvPr>
-        </p:nvSpPr>
-        <p:spPr/>
-        <p:txBody>
-          <a:bodyPr/>
-          <a:lstStyle/>
-          <a:p>
-            <a:r>
-              <a:rPr lang="en-GB" dirty="0" smtClean="0"/>
-              <a:t>Cloud Computing</a:t>
-            </a:r>
-            <a:endParaRPr lang="en-GB" dirty="0"/>
-          </a:p>
-        </p:txBody>
-      </p:sp>
-      <p:sp>
-        <p:nvSpPr>
-          <p:cNvPr id="3" name="Content Placeholder 2"/>
-          <p:cNvSpPr>
-            <a:spLocks noGrp="1"/>
-          </p:cNvSpPr>
-          <p:nvPr>
-            <p:ph idx="1"/>
-          </p:nvPr>
-        </p:nvSpPr>
-        <p:spPr/>
-        <p:txBody>
-          <a:bodyPr/>
-          <a:lstStyle/>
-          <a:p>
-            <a:r>
-              <a:rPr lang="en-GB" dirty="0" smtClean="0"/>
-              <a:t>What is Cloud Computing?</a:t>
-            </a:r>
-          </a:p>
-          <a:p>
-            <a:r>
-              <a:rPr lang="en-GB" dirty="0" smtClean="0"/>
-              <a:t>A meaningless buzzword</a:t>
-            </a:r>
-          </a:p>
-          <a:p>
-            <a:r>
-              <a:rPr lang="en-GB" dirty="0" smtClean="0"/>
-              <a:t>A remote server hosted in an external location</a:t>
-            </a:r>
-          </a:p>
-          <a:p>
-            <a:r>
-              <a:rPr lang="en-GB" dirty="0" smtClean="0"/>
-              <a:t>Infrastructure</a:t>
-            </a:r>
-            <a:endParaRPr lang="en-GB" dirty="0"/>
-          </a:p>
-        </p:txBody>
-      </p:sp>
-    </p:spTree>
-    <p:extLst>
-      <p:ext uri="{BB962C8B-B14F-4D97-AF65-F5344CB8AC3E}">
-        <p14:creationId xmlns:p14="http://schemas.microsoft.com/office/powerpoint/2010/main" val="3416163288"/>
-      </p:ext>
-    </p:extLst>
-  </p:cSld>
-  <p:clrMapOvr>
-    <a:masterClrMapping/>
-  </p:clrMapOvr>
-  <p:timing>
-    <p:tnLst>
-      <p:par>
-        <p:cTn id="1" dur="indefinite" restart="never" nodeType="tmRoot"/>
-      </p:par>
-    </p:tnLst>
-  </p:timing>
-</p:sld>
-</file>
-
 <file path=ppt/slides/slide19.xml><?xml version="1.0" encoding="utf-8"?>
 <p:sld xmlns:a="http://schemas.openxmlformats.org/drawingml/2006/main" xmlns:r="http://schemas.openxmlformats.org/officeDocument/2006/relationships" xmlns:p="http://schemas.openxmlformats.org/presentationml/2006/main">
   <p:cSld>
@@ -6222,7 +6379,7 @@
           <a:p>
             <a:r>
               <a:rPr lang="en-GB" dirty="0" smtClean="0"/>
-              <a:t>Amazon AWS</a:t>
+              <a:t>Cloud Computing</a:t>
             </a:r>
             <a:endParaRPr lang="en-GB" dirty="0"/>
           </a:p>
@@ -6245,17 +6402,25 @@
           <a:p>
             <a:r>
               <a:rPr lang="en-GB" dirty="0" smtClean="0"/>
-              <a:t>Instances with easily variable </a:t>
-            </a:r>
-            <a:r>
-              <a:rPr lang="en-GB" dirty="0" smtClean="0"/>
-              <a:t>RAM</a:t>
-            </a:r>
-          </a:p>
-          <a:p>
-            <a:r>
-              <a:rPr lang="en-GB" dirty="0" smtClean="0"/>
-              <a:t>1 Master instance and 3 Master instances</a:t>
+              <a:t>What is Cloud Computing?</a:t>
+            </a:r>
+          </a:p>
+          <a:p>
+            <a:r>
+              <a:rPr lang="en-GB" dirty="0" smtClean="0"/>
+              <a:t>A meaningless buzzword</a:t>
+            </a:r>
+          </a:p>
+          <a:p>
+            <a:r>
+              <a:rPr lang="en-GB" dirty="0" smtClean="0"/>
+              <a:t>A remote server hosted in an external location</a:t>
+            </a:r>
+          </a:p>
+          <a:p>
+            <a:r>
+              <a:rPr lang="en-GB" dirty="0" smtClean="0"/>
+              <a:t>Infrastructure</a:t>
             </a:r>
             <a:endParaRPr lang="en-GB" dirty="0"/>
           </a:p>
@@ -6264,7 +6429,7 @@
     </p:spTree>
     <p:extLst>
       <p:ext uri="{BB962C8B-B14F-4D97-AF65-F5344CB8AC3E}">
-        <p14:creationId xmlns:p14="http://schemas.microsoft.com/office/powerpoint/2010/main" val="1110118096"/>
+        <p14:creationId xmlns:p14="http://schemas.microsoft.com/office/powerpoint/2010/main" val="3416163288"/>
       </p:ext>
     </p:extLst>
   </p:cSld>
@@ -6338,15 +6503,7 @@
           <a:p>
             <a:r>
               <a:rPr lang="en-GB" dirty="0" smtClean="0"/>
-              <a:t>To automate the process of setting up a </a:t>
-            </a:r>
-            <a:r>
-              <a:rPr lang="en-GB" dirty="0" smtClean="0"/>
-              <a:t>Continuous Integration (CI) </a:t>
-            </a:r>
-            <a:r>
-              <a:rPr lang="en-GB" dirty="0" smtClean="0"/>
-              <a:t>pipeline using </a:t>
+              <a:t>To automate the process of setting up a Continuous Integration (CI) pipeline using </a:t>
             </a:r>
             <a:r>
               <a:rPr lang="en-GB" dirty="0" err="1" smtClean="0"/>
@@ -6409,8 +6566,8 @@
           <a:lstStyle/>
           <a:p>
             <a:r>
-              <a:rPr lang="en-GB" dirty="0" err="1" smtClean="0"/>
-              <a:t>Ansible</a:t>
+              <a:rPr lang="en-GB" dirty="0" smtClean="0"/>
+              <a:t>Amazon AWS</a:t>
             </a:r>
             <a:endParaRPr lang="en-GB" dirty="0"/>
           </a:p>
@@ -6433,33 +6590,24 @@
           <a:p>
             <a:r>
               <a:rPr lang="en-GB" dirty="0" smtClean="0"/>
-              <a:t>Provisioning Tool</a:t>
-            </a:r>
-          </a:p>
-          <a:p>
-            <a:r>
-              <a:rPr lang="en-GB" dirty="0" smtClean="0"/>
-              <a:t>Use and Create slaves from a master</a:t>
-            </a:r>
-          </a:p>
-          <a:p>
-            <a:r>
-              <a:rPr lang="en-GB" dirty="0" smtClean="0"/>
-              <a:t>Can setup up all other tools involved in the pipeline</a:t>
-            </a:r>
-          </a:p>
-          <a:p>
-            <a:r>
-              <a:rPr lang="en-GB" dirty="0" smtClean="0"/>
-              <a:t>Uses .</a:t>
-            </a:r>
-            <a:r>
-              <a:rPr lang="en-GB" dirty="0" err="1" smtClean="0"/>
-              <a:t>yml</a:t>
-            </a:r>
-            <a:r>
-              <a:rPr lang="en-GB" smtClean="0"/>
-              <a:t> files</a:t>
+              <a:t>Instances with easily variable </a:t>
+            </a:r>
+            <a:r>
+              <a:rPr lang="en-GB" dirty="0" smtClean="0"/>
+              <a:t>RAM</a:t>
+            </a:r>
+          </a:p>
+          <a:p>
+            <a:r>
+              <a:rPr lang="en-GB" dirty="0" smtClean="0"/>
+              <a:t>Have a higher upload and download rate than our desktop computers</a:t>
+            </a:r>
+            <a:endParaRPr lang="en-GB" dirty="0" smtClean="0"/>
+          </a:p>
+          <a:p>
+            <a:r>
+              <a:rPr lang="en-GB" dirty="0" smtClean="0"/>
+              <a:t>1 Master instance and 3 Master instances</a:t>
             </a:r>
             <a:endParaRPr lang="en-GB" dirty="0"/>
           </a:p>
@@ -6468,13 +6616,20 @@
     </p:spTree>
     <p:extLst>
       <p:ext uri="{BB962C8B-B14F-4D97-AF65-F5344CB8AC3E}">
-        <p14:creationId xmlns:p14="http://schemas.microsoft.com/office/powerpoint/2010/main" val="60582538"/>
+        <p14:creationId xmlns:p14="http://schemas.microsoft.com/office/powerpoint/2010/main" val="1110118096"/>
       </p:ext>
     </p:extLst>
   </p:cSld>
   <p:clrMapOvr>
     <a:masterClrMapping/>
   </p:clrMapOvr>
+  <p:timing>
+    <p:tnLst>
+      <p:par>
+        <p:cTn id="1" dur="indefinite" restart="never" nodeType="tmRoot"/>
+      </p:par>
+    </p:tnLst>
+  </p:timing>
 </p:sld>
 </file>
 
@@ -6512,7 +6667,7 @@
           <a:p>
             <a:r>
               <a:rPr lang="en-GB" dirty="0" smtClean="0"/>
-              <a:t>Jenkins</a:t>
+              <a:t>Java</a:t>
             </a:r>
             <a:endParaRPr lang="en-GB" dirty="0"/>
           </a:p>
@@ -6520,12 +6675,12 @@
       </p:sp>
       <p:sp>
         <p:nvSpPr>
-          <p:cNvPr id="3" name="Text Placeholder 2"/>
-          <p:cNvSpPr>
-            <a:spLocks noGrp="1"/>
-          </p:cNvSpPr>
-          <p:nvPr>
-            <p:ph type="body" idx="1"/>
+          <p:cNvPr id="5" name="Content Placeholder 4"/>
+          <p:cNvSpPr>
+            <a:spLocks noGrp="1"/>
+          </p:cNvSpPr>
+          <p:nvPr>
+            <p:ph idx="1"/>
           </p:nvPr>
         </p:nvSpPr>
         <p:spPr/>
@@ -6535,79 +6690,14 @@
           <a:p>
             <a:r>
               <a:rPr lang="en-GB" dirty="0" smtClean="0"/>
-              <a:t>Functions</a:t>
-            </a:r>
-            <a:endParaRPr lang="en-GB" dirty="0"/>
-          </a:p>
-        </p:txBody>
-      </p:sp>
-      <p:sp>
-        <p:nvSpPr>
-          <p:cNvPr id="5" name="Text Placeholder 4"/>
-          <p:cNvSpPr>
-            <a:spLocks noGrp="1"/>
-          </p:cNvSpPr>
-          <p:nvPr>
-            <p:ph type="body" sz="half" idx="3"/>
-          </p:nvPr>
-        </p:nvSpPr>
-        <p:spPr/>
-        <p:txBody>
-          <a:bodyPr/>
-          <a:lstStyle/>
-          <a:p>
-            <a:r>
-              <a:rPr lang="en-GB" dirty="0" smtClean="0"/>
-              <a:t>Troubles</a:t>
-            </a:r>
-            <a:endParaRPr lang="en-GB" dirty="0"/>
-          </a:p>
-        </p:txBody>
-      </p:sp>
-      <p:sp>
-        <p:nvSpPr>
-          <p:cNvPr id="4" name="Content Placeholder 3"/>
-          <p:cNvSpPr>
-            <a:spLocks noGrp="1"/>
-          </p:cNvSpPr>
-          <p:nvPr>
-            <p:ph sz="quarter" idx="2"/>
-          </p:nvPr>
-        </p:nvSpPr>
-        <p:spPr/>
-        <p:txBody>
-          <a:bodyPr/>
-          <a:lstStyle/>
-          <a:p>
-            <a:r>
-              <a:rPr lang="en-GB" dirty="0" smtClean="0"/>
-              <a:t>Builds pipeline</a:t>
-            </a:r>
-            <a:endParaRPr lang="en-GB" dirty="0"/>
-          </a:p>
-        </p:txBody>
-      </p:sp>
-      <p:sp>
-        <p:nvSpPr>
-          <p:cNvPr id="6" name="Content Placeholder 5"/>
-          <p:cNvSpPr>
-            <a:spLocks noGrp="1"/>
-          </p:cNvSpPr>
-          <p:nvPr>
-            <p:ph sz="quarter" idx="4"/>
-          </p:nvPr>
-        </p:nvSpPr>
-        <p:spPr/>
-        <p:txBody>
-          <a:bodyPr/>
-          <a:lstStyle/>
-          <a:p>
-            <a:r>
-              <a:rPr lang="en-GB" dirty="0"/>
-              <a:t>Docker version is not dependent on Maven</a:t>
-            </a:r>
-          </a:p>
-          <a:p>
+              <a:t>Object-Orientated Compiler Programming Language</a:t>
+            </a:r>
+          </a:p>
+          <a:p>
+            <a:r>
+              <a:rPr lang="en-GB" dirty="0" smtClean="0"/>
+              <a:t>All Tools used in this Project require Java as a dependency</a:t>
+            </a:r>
             <a:endParaRPr lang="en-GB" dirty="0"/>
           </a:p>
         </p:txBody>
@@ -6615,13 +6705,20 @@
     </p:spTree>
     <p:extLst>
       <p:ext uri="{BB962C8B-B14F-4D97-AF65-F5344CB8AC3E}">
-        <p14:creationId xmlns:p14="http://schemas.microsoft.com/office/powerpoint/2010/main" val="4134426618"/>
+        <p14:creationId xmlns:p14="http://schemas.microsoft.com/office/powerpoint/2010/main" val="3378289155"/>
       </p:ext>
     </p:extLst>
   </p:cSld>
   <p:clrMapOvr>
     <a:masterClrMapping/>
   </p:clrMapOvr>
+  <p:timing>
+    <p:tnLst>
+      <p:par>
+        <p:cTn id="1" dur="indefinite" restart="never" nodeType="tmRoot"/>
+      </p:par>
+    </p:tnLst>
+  </p:timing>
 </p:sld>
 </file>
 
@@ -6658,8 +6755,8 @@
           <a:lstStyle/>
           <a:p>
             <a:r>
-              <a:rPr lang="en-GB" dirty="0" smtClean="0"/>
-              <a:t>Jira</a:t>
+              <a:rPr lang="en-GB" dirty="0" err="1" smtClean="0"/>
+              <a:t>Ansible</a:t>
             </a:r>
             <a:endParaRPr lang="en-GB" dirty="0"/>
           </a:p>
@@ -6667,12 +6764,12 @@
       </p:sp>
       <p:sp>
         <p:nvSpPr>
-          <p:cNvPr id="7" name="Content Placeholder 6"/>
-          <p:cNvSpPr>
-            <a:spLocks noGrp="1"/>
-          </p:cNvSpPr>
-          <p:nvPr>
-            <p:ph sz="half" idx="1"/>
+          <p:cNvPr id="3" name="Content Placeholder 2"/>
+          <p:cNvSpPr>
+            <a:spLocks noGrp="1"/>
+          </p:cNvSpPr>
+          <p:nvPr>
+            <p:ph idx="1"/>
           </p:nvPr>
         </p:nvSpPr>
         <p:spPr/>
@@ -6682,48 +6779,60 @@
           <a:p>
             <a:r>
               <a:rPr lang="en-GB" dirty="0" smtClean="0"/>
-              <a:t>Monitoring Tool</a:t>
+              <a:t>Provisioning Tool</a:t>
+            </a:r>
+          </a:p>
+          <a:p>
+            <a:r>
+              <a:rPr lang="en-GB" dirty="0" smtClean="0"/>
+              <a:t>Create and use </a:t>
+            </a:r>
+            <a:r>
+              <a:rPr lang="en-GB" dirty="0" smtClean="0"/>
+              <a:t>slaves from a master</a:t>
+            </a:r>
+          </a:p>
+          <a:p>
+            <a:r>
+              <a:rPr lang="en-GB" dirty="0" smtClean="0"/>
+              <a:t>Can setup </a:t>
+            </a:r>
+            <a:r>
+              <a:rPr lang="en-GB" dirty="0" smtClean="0"/>
+              <a:t>all </a:t>
+            </a:r>
+            <a:r>
+              <a:rPr lang="en-GB" dirty="0" smtClean="0"/>
+              <a:t>other tools involved in the pipeline</a:t>
+            </a:r>
+          </a:p>
+          <a:p>
+            <a:r>
+              <a:rPr lang="en-GB" dirty="0" smtClean="0"/>
+              <a:t>Uses .</a:t>
+            </a:r>
+            <a:r>
+              <a:rPr lang="en-GB" dirty="0" err="1" smtClean="0"/>
+              <a:t>yml</a:t>
+            </a:r>
+            <a:r>
+              <a:rPr lang="en-GB" dirty="0" smtClean="0"/>
+              <a:t> files</a:t>
             </a:r>
             <a:endParaRPr lang="en-GB" dirty="0"/>
-          </a:p>
-        </p:txBody>
-      </p:sp>
-      <p:sp>
-        <p:nvSpPr>
-          <p:cNvPr id="8" name="Content Placeholder 7"/>
-          <p:cNvSpPr>
-            <a:spLocks noGrp="1"/>
-          </p:cNvSpPr>
-          <p:nvPr>
-            <p:ph sz="half" idx="2"/>
-          </p:nvPr>
-        </p:nvSpPr>
-        <p:spPr/>
-        <p:txBody>
-          <a:bodyPr/>
-          <a:lstStyle/>
-          <a:p>
-            <a:endParaRPr lang="en-GB"/>
           </a:p>
         </p:txBody>
       </p:sp>
     </p:spTree>
     <p:extLst>
       <p:ext uri="{BB962C8B-B14F-4D97-AF65-F5344CB8AC3E}">
-        <p14:creationId xmlns:p14="http://schemas.microsoft.com/office/powerpoint/2010/main" val="3059990103"/>
+        <p14:creationId xmlns:p14="http://schemas.microsoft.com/office/powerpoint/2010/main" val="60582538"/>
       </p:ext>
     </p:extLst>
   </p:cSld>
   <p:clrMapOvr>
     <a:masterClrMapping/>
   </p:clrMapOvr>
-  <p:timing>
-    <p:tnLst>
-      <p:par>
-        <p:cTn id="1" dur="indefinite" restart="never" nodeType="tmRoot"/>
-      </p:par>
-    </p:tnLst>
-  </p:timing>
 </p:sld>
 </file>
 
@@ -6761,7 +6870,7 @@
           <a:p>
             <a:r>
               <a:rPr lang="en-GB" dirty="0" smtClean="0"/>
-              <a:t>Tomcat</a:t>
+              <a:t>Jenkins</a:t>
             </a:r>
             <a:endParaRPr lang="en-GB" dirty="0"/>
           </a:p>
@@ -6769,12 +6878,12 @@
       </p:sp>
       <p:sp>
         <p:nvSpPr>
-          <p:cNvPr id="7" name="Content Placeholder 6"/>
-          <p:cNvSpPr>
-            <a:spLocks noGrp="1"/>
-          </p:cNvSpPr>
-          <p:nvPr>
-            <p:ph sz="half" idx="1"/>
+          <p:cNvPr id="9" name="Text Placeholder 8"/>
+          <p:cNvSpPr>
+            <a:spLocks noGrp="1"/>
+          </p:cNvSpPr>
+          <p:nvPr>
+            <p:ph type="body" idx="1"/>
           </p:nvPr>
         </p:nvSpPr>
         <p:spPr/>
@@ -6784,7 +6893,7 @@
           <a:p>
             <a:r>
               <a:rPr lang="en-GB" dirty="0" smtClean="0"/>
-              <a:t>Used for deployment</a:t>
+              <a:t>Functions</a:t>
             </a:r>
             <a:endParaRPr lang="en-GB" dirty="0"/>
           </a:p>
@@ -6792,12 +6901,12 @@
       </p:sp>
       <p:sp>
         <p:nvSpPr>
-          <p:cNvPr id="8" name="Content Placeholder 7"/>
-          <p:cNvSpPr>
-            <a:spLocks noGrp="1"/>
-          </p:cNvSpPr>
-          <p:nvPr>
-            <p:ph sz="half" idx="2"/>
+          <p:cNvPr id="10" name="Text Placeholder 9"/>
+          <p:cNvSpPr>
+            <a:spLocks noGrp="1"/>
+          </p:cNvSpPr>
+          <p:nvPr>
+            <p:ph type="body" sz="half" idx="3"/>
           </p:nvPr>
         </p:nvSpPr>
         <p:spPr/>
@@ -6805,27 +6914,89 @@
           <a:bodyPr/>
           <a:lstStyle/>
           <a:p>
-            <a:endParaRPr lang="en-GB"/>
+            <a:r>
+              <a:rPr lang="en-GB" dirty="0" smtClean="0"/>
+              <a:t>Problems</a:t>
+            </a:r>
+            <a:endParaRPr lang="en-GB" dirty="0"/>
+          </a:p>
+        </p:txBody>
+      </p:sp>
+      <p:sp>
+        <p:nvSpPr>
+          <p:cNvPr id="4" name="Content Placeholder 3"/>
+          <p:cNvSpPr>
+            <a:spLocks noGrp="1"/>
+          </p:cNvSpPr>
+          <p:nvPr>
+            <p:ph sz="quarter" idx="2"/>
+          </p:nvPr>
+        </p:nvSpPr>
+        <p:spPr/>
+        <p:txBody>
+          <a:bodyPr/>
+          <a:lstStyle/>
+          <a:p>
+            <a:r>
+              <a:rPr lang="en-GB" dirty="0" smtClean="0"/>
+              <a:t>Builds </a:t>
+            </a:r>
+            <a:r>
+              <a:rPr lang="en-GB" dirty="0" smtClean="0"/>
+              <a:t>pipeline</a:t>
+            </a:r>
+          </a:p>
+          <a:p>
+            <a:r>
+              <a:rPr lang="en-GB" dirty="0" smtClean="0"/>
+              <a:t>Maven added as </a:t>
+            </a:r>
+            <a:r>
+              <a:rPr lang="en-GB" smtClean="0"/>
+              <a:t>a plugin</a:t>
+            </a:r>
+            <a:endParaRPr lang="en-GB" dirty="0" smtClean="0"/>
+          </a:p>
+          <a:p>
+            <a:endParaRPr lang="en-GB" dirty="0"/>
+          </a:p>
+        </p:txBody>
+      </p:sp>
+      <p:sp>
+        <p:nvSpPr>
+          <p:cNvPr id="11" name="Content Placeholder 10"/>
+          <p:cNvSpPr>
+            <a:spLocks noGrp="1"/>
+          </p:cNvSpPr>
+          <p:nvPr>
+            <p:ph sz="quarter" idx="4"/>
+          </p:nvPr>
+        </p:nvSpPr>
+        <p:spPr/>
+        <p:txBody>
+          <a:bodyPr/>
+          <a:lstStyle/>
+          <a:p>
+            <a:r>
+              <a:rPr lang="en-GB" dirty="0"/>
+              <a:t>Docker version is not dependent on Maven</a:t>
+            </a:r>
+          </a:p>
+          <a:p>
+            <a:endParaRPr lang="en-GB" dirty="0"/>
           </a:p>
         </p:txBody>
       </p:sp>
     </p:spTree>
     <p:extLst>
       <p:ext uri="{BB962C8B-B14F-4D97-AF65-F5344CB8AC3E}">
-        <p14:creationId xmlns:p14="http://schemas.microsoft.com/office/powerpoint/2010/main" val="4258329989"/>
+        <p14:creationId xmlns:p14="http://schemas.microsoft.com/office/powerpoint/2010/main" val="4134426618"/>
       </p:ext>
     </p:extLst>
   </p:cSld>
   <p:clrMapOvr>
     <a:masterClrMapping/>
   </p:clrMapOvr>
-  <p:timing>
-    <p:tnLst>
-      <p:par>
-        <p:cTn id="1" dur="indefinite" restart="never" nodeType="tmRoot"/>
-      </p:par>
-    </p:tnLst>
-  </p:timing>
 </p:sld>
 </file>
 
@@ -6846,73 +7017,45 @@
           <a:chExt cx="0" cy="0"/>
         </a:xfrm>
       </p:grpSpPr>
-      <p:sp>
-        <p:nvSpPr>
-          <p:cNvPr id="9" name="Title 8"/>
-          <p:cNvSpPr>
-            <a:spLocks noGrp="1"/>
-          </p:cNvSpPr>
-          <p:nvPr>
-            <p:ph type="title"/>
-          </p:nvPr>
-        </p:nvSpPr>
-        <p:spPr/>
-        <p:txBody>
-          <a:bodyPr/>
-          <a:lstStyle/>
-          <a:p>
-            <a:r>
-              <a:rPr lang="en-GB" dirty="0" smtClean="0"/>
-              <a:t>Nexus</a:t>
-            </a:r>
-            <a:endParaRPr lang="en-GB" dirty="0"/>
-          </a:p>
-        </p:txBody>
-      </p:sp>
-      <p:sp>
-        <p:nvSpPr>
-          <p:cNvPr id="10" name="Content Placeholder 9"/>
-          <p:cNvSpPr>
-            <a:spLocks noGrp="1"/>
-          </p:cNvSpPr>
-          <p:nvPr>
-            <p:ph idx="1"/>
-          </p:nvPr>
-        </p:nvSpPr>
-        <p:spPr/>
-        <p:txBody>
-          <a:bodyPr/>
-          <a:lstStyle/>
-          <a:p>
-            <a:r>
-              <a:rPr lang="en-GB" dirty="0" err="1" smtClean="0"/>
-              <a:t>Artifact</a:t>
-            </a:r>
-            <a:r>
-              <a:rPr lang="en-GB" dirty="0" smtClean="0"/>
-              <a:t> Tool</a:t>
-            </a:r>
-            <a:endParaRPr lang="en-GB" dirty="0"/>
-          </a:p>
-        </p:txBody>
-      </p:sp>
+      <p:pic>
+        <p:nvPicPr>
+          <p:cNvPr id="5" name="Content Placeholder 6"/>
+          <p:cNvPicPr>
+            <a:picLocks noGrp="1" noChangeAspect="1"/>
+          </p:cNvPicPr>
+          <p:nvPr>
+            <p:ph sz="half" idx="2"/>
+          </p:nvPr>
+        </p:nvPicPr>
+        <p:blipFill>
+          <a:blip r:embed="rId2" cstate="print">
+            <a:extLst>
+              <a:ext uri="{28A0092B-C50C-407E-A947-70E740481C1C}">
+                <a14:useLocalDpi xmlns:a14="http://schemas.microsoft.com/office/drawing/2010/main" val="0"/>
+              </a:ext>
+            </a:extLst>
+          </a:blip>
+          <a:stretch>
+            <a:fillRect/>
+          </a:stretch>
+        </p:blipFill>
+        <p:spPr>
+          <a:xfrm>
+            <a:off x="611560" y="1412776"/>
+            <a:ext cx="8015042" cy="4508460"/>
+          </a:xfrm>
+        </p:spPr>
+      </p:pic>
     </p:spTree>
     <p:extLst>
       <p:ext uri="{BB962C8B-B14F-4D97-AF65-F5344CB8AC3E}">
-        <p14:creationId xmlns:p14="http://schemas.microsoft.com/office/powerpoint/2010/main" val="2624361914"/>
+        <p14:creationId xmlns:p14="http://schemas.microsoft.com/office/powerpoint/2010/main" val="2342331763"/>
       </p:ext>
     </p:extLst>
   </p:cSld>
   <p:clrMapOvr>
     <a:masterClrMapping/>
   </p:clrMapOvr>
-  <p:timing>
-    <p:tnLst>
-      <p:par>
-        <p:cTn id="1" dur="indefinite" restart="never" nodeType="tmRoot"/>
-      </p:par>
-    </p:tnLst>
-  </p:timing>
 </p:sld>
 </file>
 
@@ -6948,11 +7091,7 @@
           <a:bodyPr/>
           <a:lstStyle/>
           <a:p>
-            <a:r>
-              <a:rPr lang="en-GB" dirty="0" err="1" smtClean="0"/>
-              <a:t>Zabbix</a:t>
-            </a:r>
-            <a:endParaRPr lang="en-GB" dirty="0"/>
+            <a:endParaRPr lang="en-GB"/>
           </a:p>
         </p:txBody>
       </p:sp>
@@ -6963,7 +7102,7 @@
             <a:spLocks noGrp="1"/>
           </p:cNvSpPr>
           <p:nvPr>
-            <p:ph idx="1"/>
+            <p:ph sz="half" idx="1"/>
           </p:nvPr>
         </p:nvSpPr>
         <p:spPr/>
@@ -6971,18 +7110,33 @@
           <a:bodyPr/>
           <a:lstStyle/>
           <a:p>
-            <a:r>
-              <a:rPr lang="en-GB" dirty="0" smtClean="0"/>
-              <a:t>No GUI</a:t>
-            </a:r>
-            <a:endParaRPr lang="en-GB" dirty="0"/>
+            <a:endParaRPr lang="en-GB"/>
+          </a:p>
+        </p:txBody>
+      </p:sp>
+      <p:sp>
+        <p:nvSpPr>
+          <p:cNvPr id="4" name="Content Placeholder 3"/>
+          <p:cNvSpPr>
+            <a:spLocks noGrp="1"/>
+          </p:cNvSpPr>
+          <p:nvPr>
+            <p:ph sz="half" idx="2"/>
+          </p:nvPr>
+        </p:nvSpPr>
+        <p:spPr/>
+        <p:txBody>
+          <a:bodyPr/>
+          <a:lstStyle/>
+          <a:p>
+            <a:endParaRPr lang="en-GB"/>
           </a:p>
         </p:txBody>
       </p:sp>
     </p:spTree>
     <p:extLst>
       <p:ext uri="{BB962C8B-B14F-4D97-AF65-F5344CB8AC3E}">
-        <p14:creationId xmlns:p14="http://schemas.microsoft.com/office/powerpoint/2010/main" val="1717524617"/>
+        <p14:creationId xmlns:p14="http://schemas.microsoft.com/office/powerpoint/2010/main" val="2697384449"/>
       </p:ext>
     </p:extLst>
   </p:cSld>
@@ -7025,6 +7179,614 @@
           <a:lstStyle/>
           <a:p>
             <a:r>
+              <a:rPr lang="en-GB" dirty="0" smtClean="0"/>
+              <a:t>Jira</a:t>
+            </a:r>
+            <a:endParaRPr lang="en-GB" dirty="0"/>
+          </a:p>
+        </p:txBody>
+      </p:sp>
+      <p:sp>
+        <p:nvSpPr>
+          <p:cNvPr id="7" name="Content Placeholder 6"/>
+          <p:cNvSpPr>
+            <a:spLocks noGrp="1"/>
+          </p:cNvSpPr>
+          <p:nvPr>
+            <p:ph sz="half" idx="1"/>
+          </p:nvPr>
+        </p:nvSpPr>
+        <p:spPr/>
+        <p:txBody>
+          <a:bodyPr/>
+          <a:lstStyle/>
+          <a:p>
+            <a:r>
+              <a:rPr lang="en-GB" dirty="0" err="1" smtClean="0"/>
+              <a:t>Atlassia</a:t>
+            </a:r>
+            <a:r>
+              <a:rPr lang="en-GB" dirty="0" err="1" smtClean="0"/>
+              <a:t>n</a:t>
+            </a:r>
+            <a:r>
+              <a:rPr lang="en-GB" dirty="0" smtClean="0"/>
+              <a:t> Product</a:t>
+            </a:r>
+            <a:endParaRPr lang="en-GB" dirty="0" smtClean="0"/>
+          </a:p>
+          <a:p>
+            <a:r>
+              <a:rPr lang="en-GB" dirty="0" smtClean="0"/>
+              <a:t>Project Tracker</a:t>
+            </a:r>
+            <a:endParaRPr lang="en-GB" dirty="0"/>
+          </a:p>
+        </p:txBody>
+      </p:sp>
+      <p:sp>
+        <p:nvSpPr>
+          <p:cNvPr id="8" name="Content Placeholder 7"/>
+          <p:cNvSpPr>
+            <a:spLocks noGrp="1"/>
+          </p:cNvSpPr>
+          <p:nvPr>
+            <p:ph sz="half" idx="2"/>
+          </p:nvPr>
+        </p:nvSpPr>
+        <p:spPr/>
+        <p:txBody>
+          <a:bodyPr/>
+          <a:lstStyle/>
+          <a:p>
+            <a:endParaRPr lang="en-GB"/>
+          </a:p>
+        </p:txBody>
+      </p:sp>
+    </p:spTree>
+    <p:extLst>
+      <p:ext uri="{BB962C8B-B14F-4D97-AF65-F5344CB8AC3E}">
+        <p14:creationId xmlns:p14="http://schemas.microsoft.com/office/powerpoint/2010/main" val="3059990103"/>
+      </p:ext>
+    </p:extLst>
+  </p:cSld>
+  <p:clrMapOvr>
+    <a:masterClrMapping/>
+  </p:clrMapOvr>
+  <p:timing>
+    <p:tnLst>
+      <p:par>
+        <p:cTn id="1" dur="indefinite" restart="never" nodeType="tmRoot"/>
+      </p:par>
+    </p:tnLst>
+  </p:timing>
+</p:sld>
+</file>
+
+<file path=ppt/slides/slide27.xml><?xml version="1.0" encoding="utf-8"?>
+<p:sld xmlns:a="http://schemas.openxmlformats.org/drawingml/2006/main" xmlns:r="http://schemas.openxmlformats.org/officeDocument/2006/relationships" xmlns:p="http://schemas.openxmlformats.org/presentationml/2006/main">
+  <p:cSld>
+    <p:spTree>
+      <p:nvGrpSpPr>
+        <p:cNvPr id="1" name=""/>
+        <p:cNvGrpSpPr/>
+        <p:nvPr/>
+      </p:nvGrpSpPr>
+      <p:grpSpPr>
+        <a:xfrm>
+          <a:off x="0" y="0"/>
+          <a:ext cx="0" cy="0"/>
+          <a:chOff x="0" y="0"/>
+          <a:chExt cx="0" cy="0"/>
+        </a:xfrm>
+      </p:grpSpPr>
+      <p:sp>
+        <p:nvSpPr>
+          <p:cNvPr id="2" name="Title 1"/>
+          <p:cNvSpPr>
+            <a:spLocks noGrp="1"/>
+          </p:cNvSpPr>
+          <p:nvPr>
+            <p:ph type="title"/>
+          </p:nvPr>
+        </p:nvSpPr>
+        <p:spPr/>
+        <p:txBody>
+          <a:bodyPr/>
+          <a:lstStyle/>
+          <a:p>
+            <a:r>
+              <a:rPr lang="en-GB" dirty="0" smtClean="0"/>
+              <a:t>Tomcat</a:t>
+            </a:r>
+            <a:endParaRPr lang="en-GB" dirty="0"/>
+          </a:p>
+        </p:txBody>
+      </p:sp>
+      <p:sp>
+        <p:nvSpPr>
+          <p:cNvPr id="7" name="Content Placeholder 6"/>
+          <p:cNvSpPr>
+            <a:spLocks noGrp="1"/>
+          </p:cNvSpPr>
+          <p:nvPr>
+            <p:ph sz="half" idx="1"/>
+          </p:nvPr>
+        </p:nvSpPr>
+        <p:spPr/>
+        <p:txBody>
+          <a:bodyPr/>
+          <a:lstStyle/>
+          <a:p>
+            <a:r>
+              <a:rPr lang="en-GB" dirty="0" smtClean="0"/>
+              <a:t>Apache product</a:t>
+            </a:r>
+          </a:p>
+          <a:p>
+            <a:r>
+              <a:rPr lang="en-GB" dirty="0" smtClean="0"/>
+              <a:t>Used </a:t>
+            </a:r>
+            <a:r>
+              <a:rPr lang="en-GB" dirty="0" smtClean="0"/>
+              <a:t>for deployment</a:t>
+            </a:r>
+            <a:endParaRPr lang="en-GB" dirty="0"/>
+          </a:p>
+        </p:txBody>
+      </p:sp>
+      <p:sp>
+        <p:nvSpPr>
+          <p:cNvPr id="8" name="Content Placeholder 7"/>
+          <p:cNvSpPr>
+            <a:spLocks noGrp="1"/>
+          </p:cNvSpPr>
+          <p:nvPr>
+            <p:ph sz="half" idx="2"/>
+          </p:nvPr>
+        </p:nvSpPr>
+        <p:spPr/>
+        <p:txBody>
+          <a:bodyPr/>
+          <a:lstStyle/>
+          <a:p>
+            <a:endParaRPr lang="en-GB"/>
+          </a:p>
+        </p:txBody>
+      </p:sp>
+    </p:spTree>
+    <p:extLst>
+      <p:ext uri="{BB962C8B-B14F-4D97-AF65-F5344CB8AC3E}">
+        <p14:creationId xmlns:p14="http://schemas.microsoft.com/office/powerpoint/2010/main" val="4258329989"/>
+      </p:ext>
+    </p:extLst>
+  </p:cSld>
+  <p:clrMapOvr>
+    <a:masterClrMapping/>
+  </p:clrMapOvr>
+  <p:timing>
+    <p:tnLst>
+      <p:par>
+        <p:cTn id="1" dur="indefinite" restart="never" nodeType="tmRoot"/>
+      </p:par>
+    </p:tnLst>
+  </p:timing>
+</p:sld>
+</file>
+
+<file path=ppt/slides/slide28.xml><?xml version="1.0" encoding="utf-8"?>
+<p:sld xmlns:a="http://schemas.openxmlformats.org/drawingml/2006/main" xmlns:r="http://schemas.openxmlformats.org/officeDocument/2006/relationships" xmlns:p="http://schemas.openxmlformats.org/presentationml/2006/main">
+  <p:cSld>
+    <p:spTree>
+      <p:nvGrpSpPr>
+        <p:cNvPr id="1" name=""/>
+        <p:cNvGrpSpPr/>
+        <p:nvPr/>
+      </p:nvGrpSpPr>
+      <p:grpSpPr>
+        <a:xfrm>
+          <a:off x="0" y="0"/>
+          <a:ext cx="0" cy="0"/>
+          <a:chOff x="0" y="0"/>
+          <a:chExt cx="0" cy="0"/>
+        </a:xfrm>
+      </p:grpSpPr>
+      <p:sp>
+        <p:nvSpPr>
+          <p:cNvPr id="9" name="Title 8"/>
+          <p:cNvSpPr>
+            <a:spLocks noGrp="1"/>
+          </p:cNvSpPr>
+          <p:nvPr>
+            <p:ph type="title"/>
+          </p:nvPr>
+        </p:nvSpPr>
+        <p:spPr/>
+        <p:txBody>
+          <a:bodyPr/>
+          <a:lstStyle/>
+          <a:p>
+            <a:r>
+              <a:rPr lang="en-GB" dirty="0" smtClean="0"/>
+              <a:t>Nexus</a:t>
+            </a:r>
+            <a:endParaRPr lang="en-GB" dirty="0"/>
+          </a:p>
+        </p:txBody>
+      </p:sp>
+      <p:sp>
+        <p:nvSpPr>
+          <p:cNvPr id="10" name="Content Placeholder 9"/>
+          <p:cNvSpPr>
+            <a:spLocks noGrp="1"/>
+          </p:cNvSpPr>
+          <p:nvPr>
+            <p:ph idx="1"/>
+          </p:nvPr>
+        </p:nvSpPr>
+        <p:spPr/>
+        <p:txBody>
+          <a:bodyPr/>
+          <a:lstStyle/>
+          <a:p>
+            <a:r>
+              <a:rPr lang="en-GB" dirty="0" err="1" smtClean="0"/>
+              <a:t>Artifact</a:t>
+            </a:r>
+            <a:r>
+              <a:rPr lang="en-GB" dirty="0" smtClean="0"/>
+              <a:t> Tool</a:t>
+            </a:r>
+            <a:endParaRPr lang="en-GB" dirty="0"/>
+          </a:p>
+        </p:txBody>
+      </p:sp>
+    </p:spTree>
+    <p:extLst>
+      <p:ext uri="{BB962C8B-B14F-4D97-AF65-F5344CB8AC3E}">
+        <p14:creationId xmlns:p14="http://schemas.microsoft.com/office/powerpoint/2010/main" val="2624361914"/>
+      </p:ext>
+    </p:extLst>
+  </p:cSld>
+  <p:clrMapOvr>
+    <a:masterClrMapping/>
+  </p:clrMapOvr>
+  <p:timing>
+    <p:tnLst>
+      <p:par>
+        <p:cTn id="1" dur="indefinite" restart="never" nodeType="tmRoot"/>
+      </p:par>
+    </p:tnLst>
+  </p:timing>
+</p:sld>
+</file>
+
+<file path=ppt/slides/slide29.xml><?xml version="1.0" encoding="utf-8"?>
+<p:sld xmlns:a="http://schemas.openxmlformats.org/drawingml/2006/main" xmlns:r="http://schemas.openxmlformats.org/officeDocument/2006/relationships" xmlns:p="http://schemas.openxmlformats.org/presentationml/2006/main">
+  <p:cSld>
+    <p:spTree>
+      <p:nvGrpSpPr>
+        <p:cNvPr id="1" name=""/>
+        <p:cNvGrpSpPr/>
+        <p:nvPr/>
+      </p:nvGrpSpPr>
+      <p:grpSpPr>
+        <a:xfrm>
+          <a:off x="0" y="0"/>
+          <a:ext cx="0" cy="0"/>
+          <a:chOff x="0" y="0"/>
+          <a:chExt cx="0" cy="0"/>
+        </a:xfrm>
+      </p:grpSpPr>
+      <p:sp>
+        <p:nvSpPr>
+          <p:cNvPr id="2" name="Title 1"/>
+          <p:cNvSpPr>
+            <a:spLocks noGrp="1"/>
+          </p:cNvSpPr>
+          <p:nvPr>
+            <p:ph type="title"/>
+          </p:nvPr>
+        </p:nvSpPr>
+        <p:spPr/>
+        <p:txBody>
+          <a:bodyPr/>
+          <a:lstStyle/>
+          <a:p>
+            <a:r>
+              <a:rPr lang="en-GB" dirty="0" err="1" smtClean="0"/>
+              <a:t>Zabbix</a:t>
+            </a:r>
+            <a:endParaRPr lang="en-GB" dirty="0"/>
+          </a:p>
+        </p:txBody>
+      </p:sp>
+      <p:sp>
+        <p:nvSpPr>
+          <p:cNvPr id="3" name="Content Placeholder 2"/>
+          <p:cNvSpPr>
+            <a:spLocks noGrp="1"/>
+          </p:cNvSpPr>
+          <p:nvPr>
+            <p:ph idx="1"/>
+          </p:nvPr>
+        </p:nvSpPr>
+        <p:spPr/>
+        <p:txBody>
+          <a:bodyPr/>
+          <a:lstStyle/>
+          <a:p>
+            <a:r>
+              <a:rPr lang="en-GB" dirty="0"/>
+              <a:t>Monitoring </a:t>
+            </a:r>
+            <a:r>
+              <a:rPr lang="en-GB" dirty="0" smtClean="0"/>
+              <a:t>Tool</a:t>
+            </a:r>
+            <a:endParaRPr lang="en-GB" dirty="0" smtClean="0"/>
+          </a:p>
+          <a:p>
+            <a:r>
+              <a:rPr lang="en-GB" dirty="0" smtClean="0"/>
+              <a:t>No </a:t>
+            </a:r>
+            <a:r>
+              <a:rPr lang="en-GB" dirty="0" smtClean="0"/>
+              <a:t>GUI</a:t>
+            </a:r>
+            <a:endParaRPr lang="en-GB" dirty="0"/>
+          </a:p>
+        </p:txBody>
+      </p:sp>
+    </p:spTree>
+    <p:extLst>
+      <p:ext uri="{BB962C8B-B14F-4D97-AF65-F5344CB8AC3E}">
+        <p14:creationId xmlns:p14="http://schemas.microsoft.com/office/powerpoint/2010/main" val="1717524617"/>
+      </p:ext>
+    </p:extLst>
+  </p:cSld>
+  <p:clrMapOvr>
+    <a:masterClrMapping/>
+  </p:clrMapOvr>
+</p:sld>
+</file>
+
+<file path=ppt/slides/slide3.xml><?xml version="1.0" encoding="utf-8"?>
+<p:sld xmlns:a="http://schemas.openxmlformats.org/drawingml/2006/main" xmlns:r="http://schemas.openxmlformats.org/officeDocument/2006/relationships" xmlns:p="http://schemas.openxmlformats.org/presentationml/2006/main">
+  <p:cSld>
+    <p:spTree>
+      <p:nvGrpSpPr>
+        <p:cNvPr id="1" name=""/>
+        <p:cNvGrpSpPr/>
+        <p:nvPr/>
+      </p:nvGrpSpPr>
+      <p:grpSpPr>
+        <a:xfrm>
+          <a:off x="0" y="0"/>
+          <a:ext cx="0" cy="0"/>
+          <a:chOff x="0" y="0"/>
+          <a:chExt cx="0" cy="0"/>
+        </a:xfrm>
+      </p:grpSpPr>
+      <p:sp>
+        <p:nvSpPr>
+          <p:cNvPr id="2" name="Title 1"/>
+          <p:cNvSpPr>
+            <a:spLocks noGrp="1"/>
+          </p:cNvSpPr>
+          <p:nvPr>
+            <p:ph type="title"/>
+          </p:nvPr>
+        </p:nvSpPr>
+        <p:spPr/>
+        <p:txBody>
+          <a:bodyPr/>
+          <a:lstStyle/>
+          <a:p>
+            <a:r>
+              <a:rPr lang="en-GB" dirty="0" smtClean="0"/>
+              <a:t>What does this require?</a:t>
+            </a:r>
+            <a:endParaRPr lang="en-GB" dirty="0"/>
+          </a:p>
+        </p:txBody>
+      </p:sp>
+      <p:sp>
+        <p:nvSpPr>
+          <p:cNvPr id="3" name="Content Placeholder 2"/>
+          <p:cNvSpPr>
+            <a:spLocks noGrp="1"/>
+          </p:cNvSpPr>
+          <p:nvPr>
+            <p:ph idx="1"/>
+          </p:nvPr>
+        </p:nvSpPr>
+        <p:spPr/>
+        <p:txBody>
+          <a:bodyPr/>
+          <a:lstStyle/>
+          <a:p>
+            <a:r>
+              <a:rPr lang="en-GB" dirty="0" smtClean="0"/>
+              <a:t>CI Tool</a:t>
+            </a:r>
+          </a:p>
+          <a:p>
+            <a:r>
+              <a:rPr lang="en-GB" dirty="0" smtClean="0"/>
+              <a:t>Code </a:t>
+            </a:r>
+            <a:r>
+              <a:rPr lang="en-GB" dirty="0"/>
+              <a:t>Review </a:t>
+            </a:r>
+            <a:r>
+              <a:rPr lang="en-GB" dirty="0" smtClean="0"/>
+              <a:t>Tool</a:t>
+            </a:r>
+          </a:p>
+          <a:p>
+            <a:r>
+              <a:rPr lang="en-GB" dirty="0" smtClean="0"/>
+              <a:t>Build </a:t>
+            </a:r>
+            <a:r>
+              <a:rPr lang="en-GB" dirty="0"/>
+              <a:t>Management </a:t>
+            </a:r>
+            <a:r>
+              <a:rPr lang="en-GB" dirty="0" smtClean="0"/>
+              <a:t>Tool</a:t>
+            </a:r>
+          </a:p>
+          <a:p>
+            <a:r>
+              <a:rPr lang="en-GB" dirty="0" smtClean="0"/>
+              <a:t>Monitoring Tool</a:t>
+            </a:r>
+          </a:p>
+          <a:p>
+            <a:r>
+              <a:rPr lang="en-GB" dirty="0" err="1" smtClean="0"/>
+              <a:t>Artifact</a:t>
+            </a:r>
+            <a:r>
+              <a:rPr lang="en-GB" dirty="0" smtClean="0"/>
+              <a:t> Repository</a:t>
+            </a:r>
+          </a:p>
+          <a:p>
+            <a:r>
+              <a:rPr lang="en-GB" dirty="0" smtClean="0"/>
+              <a:t>Project </a:t>
+            </a:r>
+            <a:r>
+              <a:rPr lang="en-GB" dirty="0"/>
+              <a:t>Tracker</a:t>
+            </a:r>
+          </a:p>
+        </p:txBody>
+      </p:sp>
+    </p:spTree>
+    <p:extLst>
+      <p:ext uri="{BB962C8B-B14F-4D97-AF65-F5344CB8AC3E}">
+        <p14:creationId xmlns:p14="http://schemas.microsoft.com/office/powerpoint/2010/main" val="2162456449"/>
+      </p:ext>
+    </p:extLst>
+  </p:cSld>
+  <p:clrMapOvr>
+    <a:masterClrMapping/>
+  </p:clrMapOvr>
+</p:sld>
+</file>
+
+<file path=ppt/slides/slide30.xml><?xml version="1.0" encoding="utf-8"?>
+<p:sld xmlns:a="http://schemas.openxmlformats.org/drawingml/2006/main" xmlns:r="http://schemas.openxmlformats.org/officeDocument/2006/relationships" xmlns:p="http://schemas.openxmlformats.org/presentationml/2006/main">
+  <p:cSld>
+    <p:spTree>
+      <p:nvGrpSpPr>
+        <p:cNvPr id="1" name=""/>
+        <p:cNvGrpSpPr/>
+        <p:nvPr/>
+      </p:nvGrpSpPr>
+      <p:grpSpPr>
+        <a:xfrm>
+          <a:off x="0" y="0"/>
+          <a:ext cx="0" cy="0"/>
+          <a:chOff x="0" y="0"/>
+          <a:chExt cx="0" cy="0"/>
+        </a:xfrm>
+      </p:grpSpPr>
+      <p:sp>
+        <p:nvSpPr>
+          <p:cNvPr id="2" name="Title 1"/>
+          <p:cNvSpPr>
+            <a:spLocks noGrp="1"/>
+          </p:cNvSpPr>
+          <p:nvPr>
+            <p:ph type="title"/>
+          </p:nvPr>
+        </p:nvSpPr>
+        <p:spPr/>
+        <p:txBody>
+          <a:bodyPr/>
+          <a:lstStyle/>
+          <a:p>
+            <a:r>
+              <a:rPr lang="en-GB" dirty="0" smtClean="0"/>
+              <a:t>Project Method</a:t>
+            </a:r>
+            <a:endParaRPr lang="en-GB" dirty="0"/>
+          </a:p>
+        </p:txBody>
+      </p:sp>
+      <p:sp>
+        <p:nvSpPr>
+          <p:cNvPr id="4" name="Text Placeholder 3"/>
+          <p:cNvSpPr>
+            <a:spLocks noGrp="1"/>
+          </p:cNvSpPr>
+          <p:nvPr>
+            <p:ph type="body" idx="1"/>
+          </p:nvPr>
+        </p:nvSpPr>
+        <p:spPr/>
+        <p:txBody>
+          <a:bodyPr/>
+          <a:lstStyle/>
+          <a:p>
+            <a:endParaRPr lang="en-GB"/>
+          </a:p>
+        </p:txBody>
+      </p:sp>
+    </p:spTree>
+    <p:extLst>
+      <p:ext uri="{BB962C8B-B14F-4D97-AF65-F5344CB8AC3E}">
+        <p14:creationId xmlns:p14="http://schemas.microsoft.com/office/powerpoint/2010/main" val="550473958"/>
+      </p:ext>
+    </p:extLst>
+  </p:cSld>
+  <p:clrMapOvr>
+    <a:masterClrMapping/>
+  </p:clrMapOvr>
+</p:sld>
+</file>
+
+<file path=ppt/slides/slide31.xml><?xml version="1.0" encoding="utf-8"?>
+<p:sld xmlns:a="http://schemas.openxmlformats.org/drawingml/2006/main" xmlns:r="http://schemas.openxmlformats.org/officeDocument/2006/relationships" xmlns:p="http://schemas.openxmlformats.org/presentationml/2006/main">
+  <p:cSld>
+    <p:spTree>
+      <p:nvGrpSpPr>
+        <p:cNvPr id="1" name=""/>
+        <p:cNvGrpSpPr/>
+        <p:nvPr/>
+      </p:nvGrpSpPr>
+      <p:grpSpPr>
+        <a:xfrm>
+          <a:off x="0" y="0"/>
+          <a:ext cx="0" cy="0"/>
+          <a:chOff x="0" y="0"/>
+          <a:chExt cx="0" cy="0"/>
+        </a:xfrm>
+      </p:grpSpPr>
+      <p:sp>
+        <p:nvSpPr>
+          <p:cNvPr id="2" name="Title 1"/>
+          <p:cNvSpPr>
+            <a:spLocks noGrp="1"/>
+          </p:cNvSpPr>
+          <p:nvPr>
+            <p:ph type="title"/>
+          </p:nvPr>
+        </p:nvSpPr>
+        <p:spPr/>
+        <p:txBody>
+          <a:bodyPr/>
+          <a:lstStyle/>
+          <a:p>
+            <a:r>
               <a:rPr lang="en-GB" dirty="0"/>
               <a:t>How </a:t>
             </a:r>
@@ -7076,7 +7838,25 @@
           <a:p>
             <a:r>
               <a:rPr lang="en-GB" dirty="0" smtClean="0"/>
-              <a:t>Scrum meetings in the mornings. Did not include user story analysis</a:t>
+              <a:t>Scrum meetings in the mornings. Did not include user story </a:t>
+            </a:r>
+            <a:r>
+              <a:rPr lang="en-GB" dirty="0" smtClean="0"/>
+              <a:t>analysis</a:t>
+            </a:r>
+          </a:p>
+          <a:p>
+            <a:r>
+              <a:rPr lang="en-GB" dirty="0" smtClean="0"/>
+              <a:t>Having different parts of the pipeline across different instances requires </a:t>
+            </a:r>
+            <a:r>
+              <a:rPr lang="en-GB" dirty="0" err="1" smtClean="0"/>
+              <a:t>ssh-ing</a:t>
+            </a:r>
+            <a:r>
+              <a:rPr lang="en-GB" dirty="0" smtClean="0"/>
+              <a:t> between them</a:t>
             </a:r>
             <a:endParaRPr lang="en-GB" dirty="0"/>
           </a:p>
@@ -7095,7 +7875,7 @@
 </p:sld>
 </file>
 
-<file path=ppt/slides/slide27.xml><?xml version="1.0" encoding="utf-8"?>
+<file path=ppt/slides/slide32.xml><?xml version="1.0" encoding="utf-8"?>
 <p:sld xmlns:a="http://schemas.openxmlformats.org/drawingml/2006/main" xmlns:r="http://schemas.openxmlformats.org/officeDocument/2006/relationships" xmlns:p="http://schemas.openxmlformats.org/presentationml/2006/main">
   <p:cSld>
     <p:spTree>
@@ -7177,7 +7957,7 @@
 </p:sld>
 </file>
 
-<file path=ppt/slides/slide28.xml><?xml version="1.0" encoding="utf-8"?>
+<file path=ppt/slides/slide33.xml><?xml version="1.0" encoding="utf-8"?>
 <p:sld xmlns:a="http://schemas.openxmlformats.org/drawingml/2006/main" xmlns:r="http://schemas.openxmlformats.org/officeDocument/2006/relationships" xmlns:p="http://schemas.openxmlformats.org/presentationml/2006/main">
   <p:cSld>
     <p:spTree>
@@ -7482,7 +8262,7 @@
 </p:sld>
 </file>
 
-<file path=ppt/slides/slide29.xml><?xml version="1.0" encoding="utf-8"?>
+<file path=ppt/slides/slide34.xml><?xml version="1.0" encoding="utf-8"?>
 <p:sld xmlns:a="http://schemas.openxmlformats.org/drawingml/2006/main" xmlns:r="http://schemas.openxmlformats.org/officeDocument/2006/relationships" xmlns:p="http://schemas.openxmlformats.org/presentationml/2006/main">
   <p:cSld>
     <p:spTree>
@@ -7574,7 +8354,7 @@
 </p:sld>
 </file>
 
-<file path=ppt/slides/slide3.xml><?xml version="1.0" encoding="utf-8"?>
+<file path=ppt/slides/slide35.xml><?xml version="1.0" encoding="utf-8"?>
 <p:sld xmlns:a="http://schemas.openxmlformats.org/drawingml/2006/main" xmlns:r="http://schemas.openxmlformats.org/officeDocument/2006/relationships" xmlns:p="http://schemas.openxmlformats.org/presentationml/2006/main">
   <p:cSld>
     <p:spTree>
@@ -7598,135 +8378,6 @@
             <a:spLocks noGrp="1"/>
           </p:cNvSpPr>
           <p:nvPr>
-            <p:ph type="title"/>
-          </p:nvPr>
-        </p:nvSpPr>
-        <p:spPr/>
-        <p:txBody>
-          <a:bodyPr/>
-          <a:lstStyle/>
-          <a:p>
-            <a:r>
-              <a:rPr lang="en-GB" dirty="0" smtClean="0"/>
-              <a:t>What does this require?</a:t>
-            </a:r>
-            <a:endParaRPr lang="en-GB" dirty="0"/>
-          </a:p>
-        </p:txBody>
-      </p:sp>
-      <p:sp>
-        <p:nvSpPr>
-          <p:cNvPr id="3" name="Content Placeholder 2"/>
-          <p:cNvSpPr>
-            <a:spLocks noGrp="1"/>
-          </p:cNvSpPr>
-          <p:nvPr>
-            <p:ph idx="1"/>
-          </p:nvPr>
-        </p:nvSpPr>
-        <p:spPr/>
-        <p:txBody>
-          <a:bodyPr/>
-          <a:lstStyle/>
-          <a:p>
-            <a:r>
-              <a:rPr lang="en-GB" dirty="0" smtClean="0"/>
-              <a:t>CI Tool</a:t>
-            </a:r>
-          </a:p>
-          <a:p>
-            <a:r>
-              <a:rPr lang="en-GB" dirty="0" smtClean="0"/>
-              <a:t>Code </a:t>
-            </a:r>
-            <a:r>
-              <a:rPr lang="en-GB" dirty="0"/>
-              <a:t>Review </a:t>
-            </a:r>
-            <a:r>
-              <a:rPr lang="en-GB" dirty="0" smtClean="0"/>
-              <a:t>Tool</a:t>
-            </a:r>
-          </a:p>
-          <a:p>
-            <a:r>
-              <a:rPr lang="en-GB" dirty="0" smtClean="0"/>
-              <a:t>Build </a:t>
-            </a:r>
-            <a:r>
-              <a:rPr lang="en-GB" dirty="0"/>
-              <a:t>Management </a:t>
-            </a:r>
-            <a:r>
-              <a:rPr lang="en-GB" dirty="0" smtClean="0"/>
-              <a:t>Tool</a:t>
-            </a:r>
-          </a:p>
-          <a:p>
-            <a:r>
-              <a:rPr lang="en-GB" dirty="0" smtClean="0"/>
-              <a:t>Monitoring Tool</a:t>
-            </a:r>
-          </a:p>
-          <a:p>
-            <a:r>
-              <a:rPr lang="en-GB" dirty="0" err="1" smtClean="0"/>
-              <a:t>Artifact</a:t>
-            </a:r>
-            <a:r>
-              <a:rPr lang="en-GB" dirty="0" smtClean="0"/>
-              <a:t> Repository</a:t>
-            </a:r>
-          </a:p>
-          <a:p>
-            <a:r>
-              <a:rPr lang="en-GB" dirty="0" smtClean="0"/>
-              <a:t>Project </a:t>
-            </a:r>
-            <a:r>
-              <a:rPr lang="en-GB" dirty="0"/>
-              <a:t>Tracker</a:t>
-            </a:r>
-          </a:p>
-        </p:txBody>
-      </p:sp>
-    </p:spTree>
-    <p:extLst>
-      <p:ext uri="{BB962C8B-B14F-4D97-AF65-F5344CB8AC3E}">
-        <p14:creationId xmlns:p14="http://schemas.microsoft.com/office/powerpoint/2010/main" val="2162456449"/>
-      </p:ext>
-    </p:extLst>
-  </p:cSld>
-  <p:clrMapOvr>
-    <a:masterClrMapping/>
-  </p:clrMapOvr>
-</p:sld>
-</file>
-
-<file path=ppt/slides/slide30.xml><?xml version="1.0" encoding="utf-8"?>
-<p:sld xmlns:a="http://schemas.openxmlformats.org/drawingml/2006/main" xmlns:r="http://schemas.openxmlformats.org/officeDocument/2006/relationships" xmlns:p="http://schemas.openxmlformats.org/presentationml/2006/main">
-  <p:cSld>
-    <p:spTree>
-      <p:nvGrpSpPr>
-        <p:cNvPr id="1" name=""/>
-        <p:cNvGrpSpPr/>
-        <p:nvPr/>
-      </p:nvGrpSpPr>
-      <p:grpSpPr>
-        <a:xfrm>
-          <a:off x="0" y="0"/>
-          <a:ext cx="0" cy="0"/>
-          <a:chOff x="0" y="0"/>
-          <a:chExt cx="0" cy="0"/>
-        </a:xfrm>
-      </p:grpSpPr>
-      <p:sp>
-        <p:nvSpPr>
-          <p:cNvPr id="2" name="Title 1"/>
-          <p:cNvSpPr>
-            <a:spLocks noGrp="1"/>
-          </p:cNvSpPr>
-          <p:nvPr>
             <p:ph type="ctrTitle"/>
           </p:nvPr>
         </p:nvSpPr>
@@ -7775,7 +8426,7 @@
 </p:sld>
 </file>
 
-<file path=ppt/slides/slide31.xml><?xml version="1.0" encoding="utf-8"?>
+<file path=ppt/slides/slide36.xml><?xml version="1.0" encoding="utf-8"?>
 <p:sld xmlns:a="http://schemas.openxmlformats.org/drawingml/2006/main" xmlns:r="http://schemas.openxmlformats.org/officeDocument/2006/relationships" xmlns:p="http://schemas.openxmlformats.org/presentationml/2006/main">
   <p:cSld>
     <p:spTree>
@@ -10935,7 +11586,7 @@
 </p:sld>
 </file>
 
-<file path=ppt/slides/slide32.xml><?xml version="1.0" encoding="utf-8"?>
+<file path=ppt/slides/slide37.xml><?xml version="1.0" encoding="utf-8"?>
 <p:sld xmlns:a="http://schemas.openxmlformats.org/drawingml/2006/main" xmlns:r="http://schemas.openxmlformats.org/officeDocument/2006/relationships" xmlns:p="http://schemas.openxmlformats.org/presentationml/2006/main">
   <p:cSld>
     <p:spTree>
@@ -11234,7 +11885,7 @@
 </p:sld>
 </file>
 
-<file path=ppt/slides/slide33.xml><?xml version="1.0" encoding="utf-8"?>
+<file path=ppt/slides/slide38.xml><?xml version="1.0" encoding="utf-8"?>
 <p:sld xmlns:a="http://schemas.openxmlformats.org/drawingml/2006/main" xmlns:r="http://schemas.openxmlformats.org/officeDocument/2006/relationships" xmlns:p="http://schemas.openxmlformats.org/presentationml/2006/main">
   <p:cSld>
     <p:spTree>
@@ -11502,7 +12153,7 @@
 </p:sld>
 </file>
 
-<file path=ppt/slides/slide34.xml><?xml version="1.0" encoding="utf-8"?>
+<file path=ppt/slides/slide39.xml><?xml version="1.0" encoding="utf-8"?>
 <p:sld xmlns:a="http://schemas.openxmlformats.org/drawingml/2006/main" xmlns:r="http://schemas.openxmlformats.org/officeDocument/2006/relationships" xmlns:p="http://schemas.openxmlformats.org/presentationml/2006/main">
   <p:cSld>
     <p:spTree>
@@ -12082,11 +12733,7 @@
           <a:p>
             <a:r>
               <a:rPr lang="en-GB" dirty="0" smtClean="0"/>
-              <a:t>Other Tools </a:t>
-            </a:r>
-            <a:r>
-              <a:rPr lang="en-GB" dirty="0" smtClean="0"/>
-              <a:t>Used in this Project</a:t>
+              <a:t>Other Tools Used in this Project</a:t>
             </a:r>
             <a:endParaRPr lang="en-GB" dirty="0"/>
           </a:p>
@@ -12164,7 +12811,6 @@
               <a:rPr lang="en-GB" dirty="0" smtClean="0"/>
               <a:t>Docker</a:t>
             </a:r>
-            <a:endParaRPr lang="en-GB" dirty="0" smtClean="0"/>
           </a:p>
           <a:p>
             <a:r>
@@ -12215,7 +12861,6 @@
               <a:rPr lang="en-GB" dirty="0" smtClean="0"/>
               <a:t>GitHub</a:t>
             </a:r>
-            <a:endParaRPr lang="en-GB" dirty="0" smtClean="0"/>
           </a:p>
         </p:txBody>
       </p:sp>
@@ -12240,6 +12885,78 @@
 </file>
 
 <file path=ppt/slides/slide6.xml><?xml version="1.0" encoding="utf-8"?>
+<p:sld xmlns:a="http://schemas.openxmlformats.org/drawingml/2006/main" xmlns:r="http://schemas.openxmlformats.org/officeDocument/2006/relationships" xmlns:p="http://schemas.openxmlformats.org/presentationml/2006/main">
+  <p:cSld>
+    <p:spTree>
+      <p:nvGrpSpPr>
+        <p:cNvPr id="1" name=""/>
+        <p:cNvGrpSpPr/>
+        <p:nvPr/>
+      </p:nvGrpSpPr>
+      <p:grpSpPr>
+        <a:xfrm>
+          <a:off x="0" y="0"/>
+          <a:ext cx="0" cy="0"/>
+          <a:chOff x="0" y="0"/>
+          <a:chExt cx="0" cy="0"/>
+        </a:xfrm>
+      </p:grpSpPr>
+      <p:sp>
+        <p:nvSpPr>
+          <p:cNvPr id="7" name="Title 6"/>
+          <p:cNvSpPr>
+            <a:spLocks noGrp="1"/>
+          </p:cNvSpPr>
+          <p:nvPr>
+            <p:ph type="title"/>
+          </p:nvPr>
+        </p:nvSpPr>
+        <p:spPr/>
+        <p:txBody>
+          <a:bodyPr/>
+          <a:lstStyle/>
+          <a:p>
+            <a:r>
+              <a:rPr lang="en-GB" dirty="0" smtClean="0"/>
+              <a:t>Setup Tools</a:t>
+            </a:r>
+            <a:endParaRPr lang="en-GB" dirty="0"/>
+          </a:p>
+        </p:txBody>
+      </p:sp>
+      <p:sp>
+        <p:nvSpPr>
+          <p:cNvPr id="8" name="Text Placeholder 7"/>
+          <p:cNvSpPr>
+            <a:spLocks noGrp="1"/>
+          </p:cNvSpPr>
+          <p:nvPr>
+            <p:ph type="body" idx="1"/>
+          </p:nvPr>
+        </p:nvSpPr>
+        <p:spPr/>
+        <p:txBody>
+          <a:bodyPr/>
+          <a:lstStyle/>
+          <a:p>
+            <a:endParaRPr lang="en-GB"/>
+          </a:p>
+        </p:txBody>
+      </p:sp>
+    </p:spTree>
+    <p:extLst>
+      <p:ext uri="{BB962C8B-B14F-4D97-AF65-F5344CB8AC3E}">
+        <p14:creationId xmlns:p14="http://schemas.microsoft.com/office/powerpoint/2010/main" val="3574500391"/>
+      </p:ext>
+    </p:extLst>
+  </p:cSld>
+  <p:clrMapOvr>
+    <a:masterClrMapping/>
+  </p:clrMapOvr>
+</p:sld>
+</file>
+
+<file path=ppt/slides/slide7.xml><?xml version="1.0" encoding="utf-8"?>
 <p:sld xmlns:a="http://schemas.openxmlformats.org/drawingml/2006/main" xmlns:r="http://schemas.openxmlformats.org/officeDocument/2006/relationships" xmlns:p="http://schemas.openxmlformats.org/presentationml/2006/main">
   <p:cSld>
     <p:spTree>
@@ -12365,7 +13082,7 @@
 </p:sld>
 </file>
 
-<file path=ppt/slides/slide7.xml><?xml version="1.0" encoding="utf-8"?>
+<file path=ppt/slides/slide8.xml><?xml version="1.0" encoding="utf-8"?>
 <p:sld xmlns:a="http://schemas.openxmlformats.org/drawingml/2006/main" xmlns:r="http://schemas.openxmlformats.org/officeDocument/2006/relationships" xmlns:p="http://schemas.openxmlformats.org/presentationml/2006/main">
   <p:cSld>
     <p:spTree>
@@ -12515,110 +13232,6 @@
 </p:sld>
 </file>
 
-<file path=ppt/slides/slide8.xml><?xml version="1.0" encoding="utf-8"?>
-<p:sld xmlns:a="http://schemas.openxmlformats.org/drawingml/2006/main" xmlns:r="http://schemas.openxmlformats.org/officeDocument/2006/relationships" xmlns:p="http://schemas.openxmlformats.org/presentationml/2006/main">
-  <p:cSld>
-    <p:spTree>
-      <p:nvGrpSpPr>
-        <p:cNvPr id="1" name=""/>
-        <p:cNvGrpSpPr/>
-        <p:nvPr/>
-      </p:nvGrpSpPr>
-      <p:grpSpPr>
-        <a:xfrm>
-          <a:off x="0" y="0"/>
-          <a:ext cx="0" cy="0"/>
-          <a:chOff x="0" y="0"/>
-          <a:chExt cx="0" cy="0"/>
-        </a:xfrm>
-      </p:grpSpPr>
-      <p:sp>
-        <p:nvSpPr>
-          <p:cNvPr id="5" name="Title 4"/>
-          <p:cNvSpPr>
-            <a:spLocks noGrp="1"/>
-          </p:cNvSpPr>
-          <p:nvPr>
-            <p:ph type="title"/>
-          </p:nvPr>
-        </p:nvSpPr>
-        <p:spPr/>
-        <p:txBody>
-          <a:bodyPr/>
-          <a:lstStyle/>
-          <a:p>
-            <a:r>
-              <a:rPr lang="en-GB" dirty="0" smtClean="0"/>
-              <a:t>Slack Polly</a:t>
-            </a:r>
-            <a:endParaRPr lang="en-GB" dirty="0"/>
-          </a:p>
-        </p:txBody>
-      </p:sp>
-      <p:sp>
-        <p:nvSpPr>
-          <p:cNvPr id="7" name="Text Placeholder 6"/>
-          <p:cNvSpPr>
-            <a:spLocks noGrp="1"/>
-          </p:cNvSpPr>
-          <p:nvPr>
-            <p:ph type="body" sz="half" idx="2"/>
-          </p:nvPr>
-        </p:nvSpPr>
-        <p:spPr/>
-        <p:txBody>
-          <a:bodyPr/>
-          <a:lstStyle/>
-          <a:p>
-            <a:endParaRPr lang="en-GB" dirty="0"/>
-          </a:p>
-        </p:txBody>
-      </p:sp>
-      <p:pic>
-        <p:nvPicPr>
-          <p:cNvPr id="10" name="Picture Placeholder 9"/>
-          <p:cNvPicPr>
-            <a:picLocks noGrp="1" noChangeAspect="1"/>
-          </p:cNvPicPr>
-          <p:nvPr>
-            <p:ph type="pic" idx="1"/>
-          </p:nvPr>
-        </p:nvPicPr>
-        <p:blipFill>
-          <a:blip r:embed="rId3">
-            <a:extLst>
-              <a:ext uri="{28A0092B-C50C-407E-A947-70E740481C1C}">
-                <a14:useLocalDpi xmlns:a14="http://schemas.microsoft.com/office/drawing/2010/main" val="0"/>
-              </a:ext>
-            </a:extLst>
-          </a:blip>
-          <a:srcRect l="10348" r="10348"/>
-          <a:stretch>
-            <a:fillRect/>
-          </a:stretch>
-        </p:blipFill>
-        <p:spPr/>
-      </p:pic>
-    </p:spTree>
-    <p:extLst>
-      <p:ext uri="{BB962C8B-B14F-4D97-AF65-F5344CB8AC3E}">
-        <p14:creationId xmlns:p14="http://schemas.microsoft.com/office/powerpoint/2010/main" val="2059538004"/>
-      </p:ext>
-    </p:extLst>
-  </p:cSld>
-  <p:clrMapOvr>
-    <a:masterClrMapping/>
-  </p:clrMapOvr>
-  <p:timing>
-    <p:tnLst>
-      <p:par>
-        <p:cTn id="1" dur="indefinite" restart="never" nodeType="tmRoot"/>
-      </p:par>
-    </p:tnLst>
-  </p:timing>
-</p:sld>
-</file>
-
 <file path=ppt/slides/slide9.xml><?xml version="1.0" encoding="utf-8"?>
 <p:sld xmlns:a="http://schemas.openxmlformats.org/drawingml/2006/main" xmlns:r="http://schemas.openxmlformats.org/officeDocument/2006/relationships" xmlns:p="http://schemas.openxmlformats.org/presentationml/2006/main">
   <p:cSld>
@@ -12638,7 +13251,7 @@
       </p:grpSpPr>
       <p:sp>
         <p:nvSpPr>
-          <p:cNvPr id="8" name="Title 7"/>
+          <p:cNvPr id="5" name="Title 4"/>
           <p:cNvSpPr>
             <a:spLocks noGrp="1"/>
           </p:cNvSpPr>
@@ -12653,7 +13266,7 @@
           <a:p>
             <a:r>
               <a:rPr lang="en-GB" dirty="0" smtClean="0"/>
-              <a:t>Git/GitHub</a:t>
+              <a:t>Slack Polly</a:t>
             </a:r>
             <a:endParaRPr lang="en-GB" dirty="0"/>
           </a:p>
@@ -12661,12 +13274,12 @@
       </p:sp>
       <p:sp>
         <p:nvSpPr>
-          <p:cNvPr id="9" name="Content Placeholder 8"/>
-          <p:cNvSpPr>
-            <a:spLocks noGrp="1"/>
-          </p:cNvSpPr>
-          <p:nvPr>
-            <p:ph idx="1"/>
+          <p:cNvPr id="7" name="Text Placeholder 6"/>
+          <p:cNvSpPr>
+            <a:spLocks noGrp="1"/>
+          </p:cNvSpPr>
+          <p:nvPr>
+            <p:ph type="body" sz="half" idx="2"/>
           </p:nvPr>
         </p:nvSpPr>
         <p:spPr/>
@@ -12674,64 +13287,39 @@
           <a:bodyPr/>
           <a:lstStyle/>
           <a:p>
-            <a:r>
-              <a:rPr lang="en-GB" dirty="0" smtClean="0"/>
-              <a:t>Git is a Version Control Tool</a:t>
-            </a:r>
-          </a:p>
-          <a:p>
-            <a:r>
-              <a:rPr lang="en-GB" dirty="0" smtClean="0"/>
-              <a:t>GitHub is a Repository Tool integrated with Git</a:t>
-            </a:r>
-          </a:p>
-          <a:p>
-            <a:r>
-              <a:rPr lang="en-GB" dirty="0" err="1" smtClean="0"/>
-              <a:t>sudo</a:t>
-            </a:r>
-            <a:r>
-              <a:rPr lang="en-GB" dirty="0" smtClean="0"/>
-              <a:t> apt install git (for </a:t>
-            </a:r>
-            <a:r>
-              <a:rPr lang="en-GB" dirty="0" err="1" smtClean="0"/>
-              <a:t>Debian</a:t>
-            </a:r>
-            <a:r>
-              <a:rPr lang="en-GB" dirty="0" smtClean="0"/>
-              <a:t>-based </a:t>
-            </a:r>
-            <a:r>
-              <a:rPr lang="en-GB" dirty="0" err="1" smtClean="0"/>
-              <a:t>distros</a:t>
-            </a:r>
-            <a:r>
-              <a:rPr lang="en-GB" dirty="0" smtClean="0"/>
-              <a:t>)</a:t>
-            </a:r>
-          </a:p>
-          <a:p>
-            <a:r>
-              <a:rPr lang="en-GB" dirty="0" smtClean="0"/>
-              <a:t>Merged Repository for this Project: https</a:t>
-            </a:r>
-            <a:r>
-              <a:rPr lang="en-GB" dirty="0"/>
-              <a:t>://</a:t>
-            </a:r>
-            <a:r>
-              <a:rPr lang="en-GB" dirty="0" smtClean="0"/>
-              <a:t>github.com/JMurph9/Team2CIProject</a:t>
-            </a:r>
             <a:endParaRPr lang="en-GB" dirty="0"/>
           </a:p>
         </p:txBody>
       </p:sp>
+      <p:pic>
+        <p:nvPicPr>
+          <p:cNvPr id="10" name="Picture Placeholder 9"/>
+          <p:cNvPicPr>
+            <a:picLocks noGrp="1" noChangeAspect="1"/>
+          </p:cNvPicPr>
+          <p:nvPr>
+            <p:ph type="pic" idx="1"/>
+          </p:nvPr>
+        </p:nvPicPr>
+        <p:blipFill>
+          <a:blip r:embed="rId3">
+            <a:extLst>
+              <a:ext uri="{28A0092B-C50C-407E-A947-70E740481C1C}">
+                <a14:useLocalDpi xmlns:a14="http://schemas.microsoft.com/office/drawing/2010/main" val="0"/>
+              </a:ext>
+            </a:extLst>
+          </a:blip>
+          <a:srcRect l="10348" r="10348"/>
+          <a:stretch>
+            <a:fillRect/>
+          </a:stretch>
+        </p:blipFill>
+        <p:spPr/>
+      </p:pic>
     </p:spTree>
     <p:extLst>
       <p:ext uri="{BB962C8B-B14F-4D97-AF65-F5344CB8AC3E}">
-        <p14:creationId xmlns:p14="http://schemas.microsoft.com/office/powerpoint/2010/main" val="3664326247"/>
+        <p14:creationId xmlns:p14="http://schemas.microsoft.com/office/powerpoint/2010/main" val="2059538004"/>
       </p:ext>
     </p:extLst>
   </p:cSld>

--- a/Presentation.pptx
+++ b/Presentation.pptx
@@ -6949,11 +6949,7 @@
           <a:p>
             <a:r>
               <a:rPr lang="en-GB" dirty="0" smtClean="0"/>
-              <a:t>Maven added as </a:t>
-            </a:r>
-            <a:r>
-              <a:rPr lang="en-GB" smtClean="0"/>
-              <a:t>a plugin</a:t>
+              <a:t>Maven added as a plugin</a:t>
             </a:r>
             <a:endParaRPr lang="en-GB" dirty="0" smtClean="0"/>
           </a:p>
@@ -7076,63 +7072,35 @@
           <a:chExt cx="0" cy="0"/>
         </a:xfrm>
       </p:grpSpPr>
-      <p:sp>
-        <p:nvSpPr>
-          <p:cNvPr id="2" name="Title 1"/>
-          <p:cNvSpPr>
-            <a:spLocks noGrp="1"/>
-          </p:cNvSpPr>
-          <p:nvPr>
-            <p:ph type="title"/>
-          </p:nvPr>
-        </p:nvSpPr>
-        <p:spPr/>
-        <p:txBody>
-          <a:bodyPr/>
-          <a:lstStyle/>
-          <a:p>
-            <a:endParaRPr lang="en-GB"/>
-          </a:p>
-        </p:txBody>
-      </p:sp>
-      <p:sp>
-        <p:nvSpPr>
-          <p:cNvPr id="3" name="Content Placeholder 2"/>
-          <p:cNvSpPr>
-            <a:spLocks noGrp="1"/>
-          </p:cNvSpPr>
-          <p:nvPr>
-            <p:ph sz="half" idx="1"/>
-          </p:nvPr>
-        </p:nvSpPr>
-        <p:spPr/>
-        <p:txBody>
-          <a:bodyPr/>
-          <a:lstStyle/>
-          <a:p>
-            <a:endParaRPr lang="en-GB"/>
-          </a:p>
-        </p:txBody>
-      </p:sp>
-      <p:sp>
-        <p:nvSpPr>
-          <p:cNvPr id="4" name="Content Placeholder 3"/>
-          <p:cNvSpPr>
-            <a:spLocks noGrp="1"/>
-          </p:cNvSpPr>
+      <p:pic>
+        <p:nvPicPr>
+          <p:cNvPr id="5" name="Content Placeholder 4"/>
+          <p:cNvPicPr>
+            <a:picLocks noGrp="1" noChangeAspect="1"/>
+          </p:cNvPicPr>
           <p:nvPr>
             <p:ph sz="half" idx="2"/>
           </p:nvPr>
-        </p:nvSpPr>
-        <p:spPr/>
-        <p:txBody>
-          <a:bodyPr/>
-          <a:lstStyle/>
-          <a:p>
-            <a:endParaRPr lang="en-GB"/>
-          </a:p>
-        </p:txBody>
-      </p:sp>
+        </p:nvPicPr>
+        <p:blipFill>
+          <a:blip r:embed="rId2" cstate="print">
+            <a:extLst>
+              <a:ext uri="{28A0092B-C50C-407E-A947-70E740481C1C}">
+                <a14:useLocalDpi xmlns:a14="http://schemas.microsoft.com/office/drawing/2010/main" val="0"/>
+              </a:ext>
+            </a:extLst>
+          </a:blip>
+          <a:stretch>
+            <a:fillRect/>
+          </a:stretch>
+        </p:blipFill>
+        <p:spPr>
+          <a:xfrm>
+            <a:off x="611560" y="1484784"/>
+            <a:ext cx="8003232" cy="4501817"/>
+          </a:xfrm>
+        </p:spPr>
+      </p:pic>
     </p:spTree>
     <p:extLst>
       <p:ext uri="{BB962C8B-B14F-4D97-AF65-F5344CB8AC3E}">
